--- a/EyeBasedNavigation.pptx
+++ b/EyeBasedNavigation.pptx
@@ -5,20 +5,15 @@
     <p:sldMasterId id="2147483648" r:id="rId1"/>
   </p:sldMasterIdLst>
   <p:sldIdLst>
-    <p:sldId id="271" r:id="rId2"/>
-    <p:sldId id="272" r:id="rId3"/>
-    <p:sldId id="273" r:id="rId4"/>
-    <p:sldId id="274" r:id="rId5"/>
-    <p:sldId id="256" r:id="rId6"/>
-    <p:sldId id="258" r:id="rId7"/>
-    <p:sldId id="259" r:id="rId8"/>
-    <p:sldId id="270" r:id="rId9"/>
-    <p:sldId id="260" r:id="rId10"/>
-    <p:sldId id="264" r:id="rId11"/>
-    <p:sldId id="267" r:id="rId12"/>
-    <p:sldId id="275" r:id="rId13"/>
-    <p:sldId id="276" r:id="rId14"/>
-    <p:sldId id="261" r:id="rId15"/>
+    <p:sldId id="272" r:id="rId2"/>
+    <p:sldId id="273" r:id="rId3"/>
+    <p:sldId id="274" r:id="rId4"/>
+    <p:sldId id="256" r:id="rId5"/>
+    <p:sldId id="258" r:id="rId6"/>
+    <p:sldId id="259" r:id="rId7"/>
+    <p:sldId id="270" r:id="rId8"/>
+    <p:sldId id="260" r:id="rId9"/>
+    <p:sldId id="264" r:id="rId10"/>
   </p:sldIdLst>
   <p:sldSz cx="12192000" cy="6858000"/>
   <p:notesSz cx="6858000" cy="9144000"/>
@@ -937,10 +932,9 @@
         <a:lstStyle/>
         <a:p>
           <a:r>
-            <a:rPr lang="en-GB" sz="2400" dirty="0" smtClean="0"/>
+            <a:rPr lang="en-GB" sz="2400" dirty="0"/>
             <a:t>Face recognition</a:t>
           </a:r>
-          <a:endParaRPr lang="en-GB" sz="2400" dirty="0"/>
         </a:p>
       </dgm:t>
     </dgm:pt>
@@ -1017,7 +1011,7 @@
         <a:lstStyle/>
         <a:p>
           <a:r>
-            <a:rPr lang="en-GB" sz="2400" kern="1200" dirty="0" smtClean="0">
+            <a:rPr lang="en-GB" sz="2400" kern="1200" dirty="0">
               <a:solidFill>
                 <a:prstClr val="white">
                   <a:hueOff val="0"/>
@@ -1032,19 +1026,6 @@
             </a:rPr>
             <a:t>GUI for navigation</a:t>
           </a:r>
-          <a:endParaRPr lang="en-GB" sz="2400" kern="1200" dirty="0">
-            <a:solidFill>
-              <a:prstClr val="white">
-                <a:hueOff val="0"/>
-                <a:satOff val="0"/>
-                <a:lumOff val="0"/>
-                <a:alphaOff val="0"/>
-              </a:prstClr>
-            </a:solidFill>
-            <a:latin typeface="Tw Cen MT" panose="020B0602020104020603"/>
-            <a:ea typeface="+mn-ea"/>
-            <a:cs typeface="+mn-cs"/>
-          </a:endParaRPr>
         </a:p>
       </dgm:t>
     </dgm:pt>
@@ -1078,7 +1059,7 @@
         <a:lstStyle/>
         <a:p>
           <a:r>
-            <a:rPr lang="en-GB" dirty="0" smtClean="0">
+            <a:rPr lang="en-GB" dirty="0">
               <a:solidFill>
                 <a:schemeClr val="tx2">
                   <a:lumMod val="50000"/>
@@ -1122,13 +1103,8 @@
         <a:p>
           <a:r>
             <a:rPr lang="en-GB" dirty="0"/>
-            <a:t>Bridge </a:t>
+            <a:t>Bridge between hardware and software</a:t>
           </a:r>
-          <a:r>
-            <a:rPr lang="en-GB" dirty="0" smtClean="0"/>
-            <a:t>between hardware and software</a:t>
-          </a:r>
-          <a:endParaRPr lang="en-GB" dirty="0"/>
         </a:p>
       </dgm:t>
     </dgm:pt>
@@ -1162,7 +1138,7 @@
         <a:lstStyle/>
         <a:p>
           <a:r>
-            <a:rPr lang="en-GB" sz="2000" kern="1200" dirty="0" smtClean="0">
+            <a:rPr lang="en-GB" sz="2000" kern="1200" dirty="0">
               <a:solidFill>
                 <a:srgbClr val="7C96A3">
                   <a:lumMod val="50000"/>
@@ -1209,13 +1185,6 @@
         </dgm:presLayoutVars>
       </dgm:prSet>
       <dgm:spPr/>
-      <dgm:t>
-        <a:bodyPr/>
-        <a:lstStyle/>
-        <a:p>
-          <a:endParaRPr lang="en-GB"/>
-        </a:p>
-      </dgm:t>
     </dgm:pt>
     <dgm:pt modelId="{4AC67B08-2E8E-445C-9C03-5895B3F8B83F}" type="pres">
       <dgm:prSet presAssocID="{AD26E3ED-8049-4E6A-B2DD-310E799B4C39}" presName="composite" presStyleCnt="0"/>
@@ -1234,13 +1203,6 @@
         </dgm:presLayoutVars>
       </dgm:prSet>
       <dgm:spPr/>
-      <dgm:t>
-        <a:bodyPr/>
-        <a:lstStyle/>
-        <a:p>
-          <a:endParaRPr lang="en-GB"/>
-        </a:p>
-      </dgm:t>
     </dgm:pt>
     <dgm:pt modelId="{F8E2C9A3-5E16-4C0E-B030-E8116A6B4EBE}" type="pres">
       <dgm:prSet presAssocID="{AD26E3ED-8049-4E6A-B2DD-310E799B4C39}" presName="ChildText" presStyleLbl="revTx" presStyleIdx="0" presStyleCnt="3" custScaleX="197916" custLinFactNeighborX="70908" custLinFactNeighborY="1455">
@@ -1251,13 +1213,6 @@
         </dgm:presLayoutVars>
       </dgm:prSet>
       <dgm:spPr/>
-      <dgm:t>
-        <a:bodyPr/>
-        <a:lstStyle/>
-        <a:p>
-          <a:endParaRPr lang="en-GB"/>
-        </a:p>
-      </dgm:t>
     </dgm:pt>
     <dgm:pt modelId="{EE900D11-0541-4C55-95AF-0E25F82415EC}" type="pres">
       <dgm:prSet presAssocID="{B7BC245D-7721-49C3-8ACD-C562AE853C97}" presName="sibTrans" presStyleCnt="0"/>
@@ -1280,13 +1235,6 @@
         </dgm:presLayoutVars>
       </dgm:prSet>
       <dgm:spPr/>
-      <dgm:t>
-        <a:bodyPr/>
-        <a:lstStyle/>
-        <a:p>
-          <a:endParaRPr lang="en-GB"/>
-        </a:p>
-      </dgm:t>
     </dgm:pt>
     <dgm:pt modelId="{63E6AF9D-2F12-4EFA-89FF-64C76DB13838}" type="pres">
       <dgm:prSet presAssocID="{6DF17E5B-CED5-4E8F-807C-7C9B8A9B2DFD}" presName="ChildText" presStyleLbl="revTx" presStyleIdx="1" presStyleCnt="3" custScaleX="153344" custLinFactNeighborX="38476" custLinFactNeighborY="4364">
@@ -1297,13 +1245,6 @@
         </dgm:presLayoutVars>
       </dgm:prSet>
       <dgm:spPr/>
-      <dgm:t>
-        <a:bodyPr/>
-        <a:lstStyle/>
-        <a:p>
-          <a:endParaRPr lang="en-GB"/>
-        </a:p>
-      </dgm:t>
     </dgm:pt>
     <dgm:pt modelId="{24711A6E-1501-47F0-8BEE-AFEAD00A7F68}" type="pres">
       <dgm:prSet presAssocID="{C2EEFFA7-0C0C-4F29-9B77-BB4D7E2A1A04}" presName="sibTrans" presStyleCnt="0"/>
@@ -1326,13 +1267,6 @@
         </dgm:presLayoutVars>
       </dgm:prSet>
       <dgm:spPr/>
-      <dgm:t>
-        <a:bodyPr/>
-        <a:lstStyle/>
-        <a:p>
-          <a:endParaRPr lang="en-GB"/>
-        </a:p>
-      </dgm:t>
     </dgm:pt>
     <dgm:pt modelId="{7DF3490B-8B8E-4298-8741-5C1BACA926D2}" type="pres">
       <dgm:prSet presAssocID="{B0740A77-E16F-461A-9A79-29B50A0892C4}" presName="ChildText" presStyleLbl="revTx" presStyleIdx="2" presStyleCnt="3" custScaleX="170315" custLinFactNeighborX="46397" custLinFactNeighborY="-1454">
@@ -1343,13 +1277,6 @@
         </dgm:presLayoutVars>
       </dgm:prSet>
       <dgm:spPr/>
-      <dgm:t>
-        <a:bodyPr/>
-        <a:lstStyle/>
-        <a:p>
-          <a:endParaRPr lang="en-GB"/>
-        </a:p>
-      </dgm:t>
     </dgm:pt>
     <dgm:pt modelId="{8EDAE12E-F7D1-4AF8-8C9D-23C8C17400F4}" type="pres">
       <dgm:prSet presAssocID="{B8F4DDD0-7801-4123-8EBB-1E37C48A39FA}" presName="sibTrans" presStyleCnt="0"/>
@@ -1368,31 +1295,24 @@
         </dgm:presLayoutVars>
       </dgm:prSet>
       <dgm:spPr/>
-      <dgm:t>
-        <a:bodyPr/>
-        <a:lstStyle/>
-        <a:p>
-          <a:endParaRPr lang="en-GB"/>
-        </a:p>
-      </dgm:t>
     </dgm:pt>
   </dgm:ptLst>
   <dgm:cxnLst>
-    <dgm:cxn modelId="{D41CE36B-0BE7-439F-B1C3-F3A3556BFA7A}" type="presOf" srcId="{6DF17E5B-CED5-4E8F-807C-7C9B8A9B2DFD}" destId="{7E031F38-32E1-4151-B28B-AE0BF6059345}" srcOrd="0" destOrd="0" presId="urn:microsoft.com/office/officeart/2005/8/layout/StepDownProcess"/>
-    <dgm:cxn modelId="{C4A628AD-AE51-42E9-BC50-9E4DED806F21}" type="presOf" srcId="{B0740A77-E16F-461A-9A79-29B50A0892C4}" destId="{0F43B9A1-1BC8-498D-A3C6-82684A36331A}" srcOrd="0" destOrd="0" presId="urn:microsoft.com/office/officeart/2005/8/layout/StepDownProcess"/>
     <dgm:cxn modelId="{F6DC762A-0B45-48BC-A8B6-960F41AD0CFC}" type="presOf" srcId="{5EF92C28-9647-4846-AEEA-EF661B9F2EE6}" destId="{15FBB6D3-D7BC-42A9-A13D-348B70876886}" srcOrd="0" destOrd="0" presId="urn:microsoft.com/office/officeart/2005/8/layout/StepDownProcess"/>
     <dgm:cxn modelId="{2E678741-E544-4783-817B-4B1E240E6669}" srcId="{EC7E05A0-5B5E-462D-AEE3-3A7E7C9C150C}" destId="{6DF17E5B-CED5-4E8F-807C-7C9B8A9B2DFD}" srcOrd="1" destOrd="0" parTransId="{765D2E95-C512-48D2-A084-C6348C7181EA}" sibTransId="{C2EEFFA7-0C0C-4F29-9B77-BB4D7E2A1A04}"/>
+    <dgm:cxn modelId="{D41CE36B-0BE7-439F-B1C3-F3A3556BFA7A}" type="presOf" srcId="{6DF17E5B-CED5-4E8F-807C-7C9B8A9B2DFD}" destId="{7E031F38-32E1-4151-B28B-AE0BF6059345}" srcOrd="0" destOrd="0" presId="urn:microsoft.com/office/officeart/2005/8/layout/StepDownProcess"/>
+    <dgm:cxn modelId="{7D423974-34C7-4E60-B4EE-74E230F459A7}" type="presOf" srcId="{D2ED8C53-33BB-4395-842F-8BCDD6B0C145}" destId="{7DF3490B-8B8E-4298-8741-5C1BACA926D2}" srcOrd="0" destOrd="0" presId="urn:microsoft.com/office/officeart/2005/8/layout/StepDownProcess"/>
     <dgm:cxn modelId="{C889457F-2212-4742-B743-2989C127E3F8}" srcId="{B0740A77-E16F-461A-9A79-29B50A0892C4}" destId="{D2ED8C53-33BB-4395-842F-8BCDD6B0C145}" srcOrd="0" destOrd="0" parTransId="{279772A8-D60C-47C6-AB78-2871AE354FF1}" sibTransId="{45BD5D76-7615-42E2-898F-1A081B153395}"/>
+    <dgm:cxn modelId="{24E06382-AE78-4942-B98A-38BD27734F2A}" srcId="{EC7E05A0-5B5E-462D-AEE3-3A7E7C9C150C}" destId="{B0740A77-E16F-461A-9A79-29B50A0892C4}" srcOrd="2" destOrd="0" parTransId="{F3B4566D-6229-4735-BAD8-A722548A90A9}" sibTransId="{B8F4DDD0-7801-4123-8EBB-1E37C48A39FA}"/>
+    <dgm:cxn modelId="{D5702E8B-CDE8-4033-8E7F-E420BDDBB742}" type="presOf" srcId="{19AAC6D9-F54B-4F3B-8EF1-15CFFBD0296F}" destId="{F8E2C9A3-5E16-4C0E-B030-E8116A6B4EBE}" srcOrd="0" destOrd="0" presId="urn:microsoft.com/office/officeart/2005/8/layout/StepDownProcess"/>
     <dgm:cxn modelId="{6AD5B9A8-AA9D-4AAC-9D59-1C42EA35002F}" srcId="{EC7E05A0-5B5E-462D-AEE3-3A7E7C9C150C}" destId="{AD26E3ED-8049-4E6A-B2DD-310E799B4C39}" srcOrd="0" destOrd="0" parTransId="{8AB96DA5-8001-4524-8232-F45B26E7BA83}" sibTransId="{B7BC245D-7721-49C3-8ACD-C562AE853C97}"/>
-    <dgm:cxn modelId="{2C3A5DF0-8B57-4636-A759-23184233B8E6}" type="presOf" srcId="{EC7E05A0-5B5E-462D-AEE3-3A7E7C9C150C}" destId="{C7FB7D65-4BE4-47F3-B47F-172521BD7ABB}" srcOrd="0" destOrd="0" presId="urn:microsoft.com/office/officeart/2005/8/layout/StepDownProcess"/>
-    <dgm:cxn modelId="{24E06382-AE78-4942-B98A-38BD27734F2A}" srcId="{EC7E05A0-5B5E-462D-AEE3-3A7E7C9C150C}" destId="{B0740A77-E16F-461A-9A79-29B50A0892C4}" srcOrd="2" destOrd="0" parTransId="{F3B4566D-6229-4735-BAD8-A722548A90A9}" sibTransId="{B8F4DDD0-7801-4123-8EBB-1E37C48A39FA}"/>
+    <dgm:cxn modelId="{C4A628AD-AE51-42E9-BC50-9E4DED806F21}" type="presOf" srcId="{B0740A77-E16F-461A-9A79-29B50A0892C4}" destId="{0F43B9A1-1BC8-498D-A3C6-82684A36331A}" srcOrd="0" destOrd="0" presId="urn:microsoft.com/office/officeart/2005/8/layout/StepDownProcess"/>
     <dgm:cxn modelId="{6B10C1AF-5B41-4464-BC37-110A2D0A2F46}" type="presOf" srcId="{9D594C41-245E-448F-A757-E82D17111B9F}" destId="{63E6AF9D-2F12-4EFA-89FF-64C76DB13838}" srcOrd="0" destOrd="0" presId="urn:microsoft.com/office/officeart/2005/8/layout/StepDownProcess"/>
     <dgm:cxn modelId="{B8474DD4-9C98-482A-B8F4-FC290EF28ABA}" srcId="{6DF17E5B-CED5-4E8F-807C-7C9B8A9B2DFD}" destId="{9D594C41-245E-448F-A757-E82D17111B9F}" srcOrd="0" destOrd="0" parTransId="{AB8BAEBE-06B9-4876-AAD4-14EC9D80DDBB}" sibTransId="{FF4CEEB9-D047-4B09-84F5-4EF169E7E8C8}"/>
+    <dgm:cxn modelId="{793754E0-D80F-4E43-96DD-1EC1F5EEFC1B}" srcId="{EC7E05A0-5B5E-462D-AEE3-3A7E7C9C150C}" destId="{5EF92C28-9647-4846-AEEA-EF661B9F2EE6}" srcOrd="3" destOrd="0" parTransId="{323BC530-43A5-4D59-A542-FAAEA4D0C561}" sibTransId="{5CBC7B79-98DC-4FAF-AF29-BE0C4EED12F7}"/>
+    <dgm:cxn modelId="{2C3A5DF0-8B57-4636-A759-23184233B8E6}" type="presOf" srcId="{EC7E05A0-5B5E-462D-AEE3-3A7E7C9C150C}" destId="{C7FB7D65-4BE4-47F3-B47F-172521BD7ABB}" srcOrd="0" destOrd="0" presId="urn:microsoft.com/office/officeart/2005/8/layout/StepDownProcess"/>
+    <dgm:cxn modelId="{D15C9FF4-2559-48DF-9D8C-FF8839C2399E}" type="presOf" srcId="{AD26E3ED-8049-4E6A-B2DD-310E799B4C39}" destId="{D083C92F-C80E-473C-ADFC-7ED68792EC0C}" srcOrd="0" destOrd="0" presId="urn:microsoft.com/office/officeart/2005/8/layout/StepDownProcess"/>
     <dgm:cxn modelId="{F2C42FF5-0D56-4430-A6A9-0BEA93CB1C50}" srcId="{AD26E3ED-8049-4E6A-B2DD-310E799B4C39}" destId="{19AAC6D9-F54B-4F3B-8EF1-15CFFBD0296F}" srcOrd="0" destOrd="0" parTransId="{18555239-D4E7-4EC0-B0E1-E2B5C0AE08E4}" sibTransId="{B8926B65-6F2F-4709-B9A4-D7DB8D8B4C71}"/>
-    <dgm:cxn modelId="{D5702E8B-CDE8-4033-8E7F-E420BDDBB742}" type="presOf" srcId="{19AAC6D9-F54B-4F3B-8EF1-15CFFBD0296F}" destId="{F8E2C9A3-5E16-4C0E-B030-E8116A6B4EBE}" srcOrd="0" destOrd="0" presId="urn:microsoft.com/office/officeart/2005/8/layout/StepDownProcess"/>
-    <dgm:cxn modelId="{793754E0-D80F-4E43-96DD-1EC1F5EEFC1B}" srcId="{EC7E05A0-5B5E-462D-AEE3-3A7E7C9C150C}" destId="{5EF92C28-9647-4846-AEEA-EF661B9F2EE6}" srcOrd="3" destOrd="0" parTransId="{323BC530-43A5-4D59-A542-FAAEA4D0C561}" sibTransId="{5CBC7B79-98DC-4FAF-AF29-BE0C4EED12F7}"/>
-    <dgm:cxn modelId="{7D423974-34C7-4E60-B4EE-74E230F459A7}" type="presOf" srcId="{D2ED8C53-33BB-4395-842F-8BCDD6B0C145}" destId="{7DF3490B-8B8E-4298-8741-5C1BACA926D2}" srcOrd="0" destOrd="0" presId="urn:microsoft.com/office/officeart/2005/8/layout/StepDownProcess"/>
-    <dgm:cxn modelId="{D15C9FF4-2559-48DF-9D8C-FF8839C2399E}" type="presOf" srcId="{AD26E3ED-8049-4E6A-B2DD-310E799B4C39}" destId="{D083C92F-C80E-473C-ADFC-7ED68792EC0C}" srcOrd="0" destOrd="0" presId="urn:microsoft.com/office/officeart/2005/8/layout/StepDownProcess"/>
     <dgm:cxn modelId="{C6D45E70-938F-4D69-96C6-AADD9C1BDD1E}" type="presParOf" srcId="{C7FB7D65-4BE4-47F3-B47F-172521BD7ABB}" destId="{4AC67B08-2E8E-445C-9C03-5895B3F8B83F}" srcOrd="0" destOrd="0" presId="urn:microsoft.com/office/officeart/2005/8/layout/StepDownProcess"/>
     <dgm:cxn modelId="{E8AD6E4F-861D-4730-98E4-CE8FF3060D0C}" type="presParOf" srcId="{4AC67B08-2E8E-445C-9C03-5895B3F8B83F}" destId="{77E3DE0C-F198-431A-895A-B1397EF5A731}" srcOrd="0" destOrd="0" presId="urn:microsoft.com/office/officeart/2005/8/layout/StepDownProcess"/>
     <dgm:cxn modelId="{240D64DF-DDE2-4CD5-A2F0-8A926F487A36}" type="presParOf" srcId="{4AC67B08-2E8E-445C-9C03-5895B3F8B83F}" destId="{D083C92F-C80E-473C-ADFC-7ED68792EC0C}" srcOrd="1" destOrd="0" presId="urn:microsoft.com/office/officeart/2005/8/layout/StepDownProcess"/>
@@ -1429,6 +1349,700 @@
       <dsp:cNvGrpSpPr/>
     </dsp:nvGrpSpPr>
     <dsp:grpSpPr/>
+    <dsp:sp modelId="{77E3DE0C-F198-431A-895A-B1397EF5A731}">
+      <dsp:nvSpPr>
+        <dsp:cNvPr id="0" name=""/>
+        <dsp:cNvSpPr/>
+      </dsp:nvSpPr>
+      <dsp:spPr>
+        <a:xfrm rot="5400000">
+          <a:off x="1988547" y="1089100"/>
+          <a:ext cx="956467" cy="1088904"/>
+        </a:xfrm>
+        <a:prstGeom prst="bentUpArrow">
+          <a:avLst>
+            <a:gd name="adj1" fmla="val 32840"/>
+            <a:gd name="adj2" fmla="val 25000"/>
+            <a:gd name="adj3" fmla="val 35780"/>
+          </a:avLst>
+        </a:prstGeom>
+        <a:solidFill>
+          <a:schemeClr val="accent1">
+            <a:tint val="50000"/>
+            <a:hueOff val="0"/>
+            <a:satOff val="0"/>
+            <a:lumOff val="0"/>
+            <a:alphaOff val="0"/>
+          </a:schemeClr>
+        </a:solidFill>
+        <a:ln w="15875" cap="flat" cmpd="sng" algn="ctr">
+          <a:solidFill>
+            <a:schemeClr val="lt1">
+              <a:hueOff val="0"/>
+              <a:satOff val="0"/>
+              <a:lumOff val="0"/>
+              <a:alphaOff val="0"/>
+            </a:schemeClr>
+          </a:solidFill>
+          <a:prstDash val="solid"/>
+        </a:ln>
+        <a:effectLst/>
+      </dsp:spPr>
+      <dsp:style>
+        <a:lnRef idx="2">
+          <a:scrgbClr r="0" g="0" b="0"/>
+        </a:lnRef>
+        <a:fillRef idx="1">
+          <a:scrgbClr r="0" g="0" b="0"/>
+        </a:fillRef>
+        <a:effectRef idx="0">
+          <a:scrgbClr r="0" g="0" b="0"/>
+        </a:effectRef>
+        <a:fontRef idx="minor"/>
+      </dsp:style>
+    </dsp:sp>
+    <dsp:sp modelId="{D083C92F-C80E-473C-ADFC-7ED68792EC0C}">
+      <dsp:nvSpPr>
+        <dsp:cNvPr id="0" name=""/>
+        <dsp:cNvSpPr/>
+      </dsp:nvSpPr>
+      <dsp:spPr>
+        <a:xfrm>
+          <a:off x="1735141" y="28837"/>
+          <a:ext cx="1610127" cy="1127037"/>
+        </a:xfrm>
+        <a:prstGeom prst="roundRect">
+          <a:avLst>
+            <a:gd name="adj" fmla="val 16670"/>
+          </a:avLst>
+        </a:prstGeom>
+        <a:solidFill>
+          <a:schemeClr val="accent1">
+            <a:hueOff val="0"/>
+            <a:satOff val="0"/>
+            <a:lumOff val="0"/>
+            <a:alphaOff val="0"/>
+          </a:schemeClr>
+        </a:solidFill>
+        <a:ln w="15875" cap="flat" cmpd="sng" algn="ctr">
+          <a:solidFill>
+            <a:schemeClr val="lt1">
+              <a:hueOff val="0"/>
+              <a:satOff val="0"/>
+              <a:lumOff val="0"/>
+              <a:alphaOff val="0"/>
+            </a:schemeClr>
+          </a:solidFill>
+          <a:prstDash val="solid"/>
+        </a:ln>
+        <a:effectLst/>
+      </dsp:spPr>
+      <dsp:style>
+        <a:lnRef idx="2">
+          <a:scrgbClr r="0" g="0" b="0"/>
+        </a:lnRef>
+        <a:fillRef idx="1">
+          <a:scrgbClr r="0" g="0" b="0"/>
+        </a:fillRef>
+        <a:effectRef idx="0">
+          <a:scrgbClr r="0" g="0" b="0"/>
+        </a:effectRef>
+        <a:fontRef idx="minor">
+          <a:schemeClr val="lt1"/>
+        </a:fontRef>
+      </dsp:style>
+      <dsp:txBody>
+        <a:bodyPr spcFirstLastPara="0" vert="horz" wrap="square" lIns="87630" tIns="87630" rIns="87630" bIns="87630" numCol="1" spcCol="1270" anchor="ctr" anchorCtr="0">
+          <a:noAutofit/>
+        </a:bodyPr>
+        <a:lstStyle/>
+        <a:p>
+          <a:pPr marL="0" lvl="0" indent="0" algn="ctr" defTabSz="1022350">
+            <a:lnSpc>
+              <a:spcPct val="90000"/>
+            </a:lnSpc>
+            <a:spcBef>
+              <a:spcPct val="0"/>
+            </a:spcBef>
+            <a:spcAft>
+              <a:spcPct val="35000"/>
+            </a:spcAft>
+            <a:buNone/>
+          </a:pPr>
+          <a:r>
+            <a:rPr lang="en-GB" sz="2300" kern="1200" dirty="0">
+              <a:solidFill>
+                <a:schemeClr val="tx2">
+                  <a:lumMod val="50000"/>
+                </a:schemeClr>
+              </a:solidFill>
+            </a:rPr>
+            <a:t>Camera</a:t>
+          </a:r>
+          <a:endParaRPr lang="en-GB" sz="2300" kern="1200" dirty="0"/>
+        </a:p>
+      </dsp:txBody>
+      <dsp:txXfrm>
+        <a:off x="1790168" y="83864"/>
+        <a:ext cx="1500073" cy="1016983"/>
+      </dsp:txXfrm>
+    </dsp:sp>
+    <dsp:sp modelId="{F8E2C9A3-5E16-4C0E-B030-E8116A6B4EBE}">
+      <dsp:nvSpPr>
+        <dsp:cNvPr id="0" name=""/>
+        <dsp:cNvSpPr/>
+      </dsp:nvSpPr>
+      <dsp:spPr>
+        <a:xfrm>
+          <a:off x="3602315" y="149580"/>
+          <a:ext cx="2317702" cy="910921"/>
+        </a:xfrm>
+        <a:prstGeom prst="rect">
+          <a:avLst/>
+        </a:prstGeom>
+        <a:noFill/>
+        <a:ln>
+          <a:noFill/>
+        </a:ln>
+        <a:effectLst/>
+      </dsp:spPr>
+      <dsp:style>
+        <a:lnRef idx="0">
+          <a:scrgbClr r="0" g="0" b="0"/>
+        </a:lnRef>
+        <a:fillRef idx="0">
+          <a:scrgbClr r="0" g="0" b="0"/>
+        </a:fillRef>
+        <a:effectRef idx="0">
+          <a:scrgbClr r="0" g="0" b="0"/>
+        </a:effectRef>
+        <a:fontRef idx="minor"/>
+      </dsp:style>
+      <dsp:txBody>
+        <a:bodyPr spcFirstLastPara="0" vert="horz" wrap="square" lIns="91440" tIns="91440" rIns="91440" bIns="91440" numCol="1" spcCol="1270" anchor="ctr" anchorCtr="0">
+          <a:noAutofit/>
+        </a:bodyPr>
+        <a:lstStyle/>
+        <a:p>
+          <a:pPr marL="228600" lvl="1" indent="-228600" algn="l" defTabSz="1066800">
+            <a:lnSpc>
+              <a:spcPct val="90000"/>
+            </a:lnSpc>
+            <a:spcBef>
+              <a:spcPct val="0"/>
+            </a:spcBef>
+            <a:spcAft>
+              <a:spcPct val="15000"/>
+            </a:spcAft>
+            <a:buChar char="•"/>
+          </a:pPr>
+          <a:r>
+            <a:rPr lang="en-GB" sz="2400" kern="1200" dirty="0"/>
+            <a:t>Face recognition</a:t>
+          </a:r>
+        </a:p>
+      </dsp:txBody>
+      <dsp:txXfrm>
+        <a:off x="3602315" y="149580"/>
+        <a:ext cx="2317702" cy="910921"/>
+      </dsp:txXfrm>
+    </dsp:sp>
+    <dsp:sp modelId="{B04A15A7-A56E-446E-9267-0410106448C5}">
+      <dsp:nvSpPr>
+        <dsp:cNvPr id="0" name=""/>
+        <dsp:cNvSpPr/>
+      </dsp:nvSpPr>
+      <dsp:spPr>
+        <a:xfrm rot="5400000">
+          <a:off x="3598710" y="2355135"/>
+          <a:ext cx="956467" cy="1088904"/>
+        </a:xfrm>
+        <a:prstGeom prst="bentUpArrow">
+          <a:avLst>
+            <a:gd name="adj1" fmla="val 32840"/>
+            <a:gd name="adj2" fmla="val 25000"/>
+            <a:gd name="adj3" fmla="val 35780"/>
+          </a:avLst>
+        </a:prstGeom>
+        <a:solidFill>
+          <a:schemeClr val="accent1">
+            <a:tint val="50000"/>
+            <a:hueOff val="0"/>
+            <a:satOff val="0"/>
+            <a:lumOff val="0"/>
+            <a:alphaOff val="0"/>
+          </a:schemeClr>
+        </a:solidFill>
+        <a:ln w="15875" cap="flat" cmpd="sng" algn="ctr">
+          <a:solidFill>
+            <a:schemeClr val="lt1">
+              <a:hueOff val="0"/>
+              <a:satOff val="0"/>
+              <a:lumOff val="0"/>
+              <a:alphaOff val="0"/>
+            </a:schemeClr>
+          </a:solidFill>
+          <a:prstDash val="solid"/>
+        </a:ln>
+        <a:effectLst/>
+      </dsp:spPr>
+      <dsp:style>
+        <a:lnRef idx="2">
+          <a:scrgbClr r="0" g="0" b="0"/>
+        </a:lnRef>
+        <a:fillRef idx="1">
+          <a:scrgbClr r="0" g="0" b="0"/>
+        </a:fillRef>
+        <a:effectRef idx="0">
+          <a:scrgbClr r="0" g="0" b="0"/>
+        </a:effectRef>
+        <a:fontRef idx="minor"/>
+      </dsp:style>
+    </dsp:sp>
+    <dsp:sp modelId="{7E031F38-32E1-4151-B28B-AE0BF6059345}">
+      <dsp:nvSpPr>
+        <dsp:cNvPr id="0" name=""/>
+        <dsp:cNvSpPr/>
+      </dsp:nvSpPr>
+      <dsp:spPr>
+        <a:xfrm>
+          <a:off x="3345304" y="1294872"/>
+          <a:ext cx="1610127" cy="1127037"/>
+        </a:xfrm>
+        <a:prstGeom prst="roundRect">
+          <a:avLst>
+            <a:gd name="adj" fmla="val 16670"/>
+          </a:avLst>
+        </a:prstGeom>
+        <a:solidFill>
+          <a:schemeClr val="accent1">
+            <a:hueOff val="0"/>
+            <a:satOff val="0"/>
+            <a:lumOff val="0"/>
+            <a:alphaOff val="0"/>
+          </a:schemeClr>
+        </a:solidFill>
+        <a:ln w="15875" cap="flat" cmpd="sng" algn="ctr">
+          <a:solidFill>
+            <a:schemeClr val="lt1">
+              <a:hueOff val="0"/>
+              <a:satOff val="0"/>
+              <a:lumOff val="0"/>
+              <a:alphaOff val="0"/>
+            </a:schemeClr>
+          </a:solidFill>
+          <a:prstDash val="solid"/>
+        </a:ln>
+        <a:effectLst/>
+      </dsp:spPr>
+      <dsp:style>
+        <a:lnRef idx="2">
+          <a:scrgbClr r="0" g="0" b="0"/>
+        </a:lnRef>
+        <a:fillRef idx="1">
+          <a:scrgbClr r="0" g="0" b="0"/>
+        </a:fillRef>
+        <a:effectRef idx="0">
+          <a:scrgbClr r="0" g="0" b="0"/>
+        </a:effectRef>
+        <a:fontRef idx="minor">
+          <a:schemeClr val="lt1"/>
+        </a:fontRef>
+      </dsp:style>
+      <dsp:txBody>
+        <a:bodyPr spcFirstLastPara="0" vert="horz" wrap="square" lIns="87630" tIns="87630" rIns="87630" bIns="87630" numCol="1" spcCol="1270" anchor="ctr" anchorCtr="0">
+          <a:noAutofit/>
+        </a:bodyPr>
+        <a:lstStyle/>
+        <a:p>
+          <a:pPr marL="0" lvl="0" indent="0" algn="ctr" defTabSz="1022350">
+            <a:lnSpc>
+              <a:spcPct val="90000"/>
+            </a:lnSpc>
+            <a:spcBef>
+              <a:spcPct val="0"/>
+            </a:spcBef>
+            <a:spcAft>
+              <a:spcPct val="35000"/>
+            </a:spcAft>
+            <a:buNone/>
+          </a:pPr>
+          <a:r>
+            <a:rPr lang="en-GB" sz="2300" kern="1200" dirty="0">
+              <a:solidFill>
+                <a:schemeClr val="tx2">
+                  <a:lumMod val="50000"/>
+                </a:schemeClr>
+              </a:solidFill>
+            </a:rPr>
+            <a:t>Desktop application </a:t>
+          </a:r>
+          <a:endParaRPr lang="en-GB" sz="2300" kern="1200" dirty="0"/>
+        </a:p>
+      </dsp:txBody>
+      <dsp:txXfrm>
+        <a:off x="3400331" y="1349899"/>
+        <a:ext cx="1500073" cy="1016983"/>
+      </dsp:txXfrm>
+    </dsp:sp>
+    <dsp:sp modelId="{63E6AF9D-2F12-4EFA-89FF-64C76DB13838}">
+      <dsp:nvSpPr>
+        <dsp:cNvPr id="0" name=""/>
+        <dsp:cNvSpPr/>
+      </dsp:nvSpPr>
+      <dsp:spPr>
+        <a:xfrm>
+          <a:off x="5093663" y="1442113"/>
+          <a:ext cx="1795740" cy="910921"/>
+        </a:xfrm>
+        <a:prstGeom prst="rect">
+          <a:avLst/>
+        </a:prstGeom>
+        <a:noFill/>
+        <a:ln>
+          <a:noFill/>
+        </a:ln>
+        <a:effectLst/>
+      </dsp:spPr>
+      <dsp:style>
+        <a:lnRef idx="0">
+          <a:scrgbClr r="0" g="0" b="0"/>
+        </a:lnRef>
+        <a:fillRef idx="0">
+          <a:scrgbClr r="0" g="0" b="0"/>
+        </a:fillRef>
+        <a:effectRef idx="0">
+          <a:scrgbClr r="0" g="0" b="0"/>
+        </a:effectRef>
+        <a:fontRef idx="minor"/>
+      </dsp:style>
+      <dsp:txBody>
+        <a:bodyPr spcFirstLastPara="0" vert="horz" wrap="square" lIns="91440" tIns="91440" rIns="91440" bIns="91440" numCol="1" spcCol="1270" anchor="ctr" anchorCtr="0">
+          <a:noAutofit/>
+        </a:bodyPr>
+        <a:lstStyle/>
+        <a:p>
+          <a:pPr marL="228600" lvl="1" indent="-228600" algn="l" defTabSz="1066800">
+            <a:lnSpc>
+              <a:spcPct val="90000"/>
+            </a:lnSpc>
+            <a:spcBef>
+              <a:spcPct val="0"/>
+            </a:spcBef>
+            <a:spcAft>
+              <a:spcPct val="15000"/>
+            </a:spcAft>
+            <a:buChar char="•"/>
+          </a:pPr>
+          <a:r>
+            <a:rPr lang="en-GB" sz="2400" kern="1200" dirty="0">
+              <a:solidFill>
+                <a:prstClr val="white">
+                  <a:hueOff val="0"/>
+                  <a:satOff val="0"/>
+                  <a:lumOff val="0"/>
+                  <a:alphaOff val="0"/>
+                </a:prstClr>
+              </a:solidFill>
+              <a:latin typeface="Tw Cen MT" panose="020B0602020104020603"/>
+              <a:ea typeface="+mn-ea"/>
+              <a:cs typeface="+mn-cs"/>
+            </a:rPr>
+            <a:t>GUI for navigation</a:t>
+          </a:r>
+        </a:p>
+      </dsp:txBody>
+      <dsp:txXfrm>
+        <a:off x="5093663" y="1442113"/>
+        <a:ext cx="1795740" cy="910921"/>
+      </dsp:txXfrm>
+    </dsp:sp>
+    <dsp:sp modelId="{47086CDE-7F55-4B9C-873D-2A29C4BAF1A6}">
+      <dsp:nvSpPr>
+        <dsp:cNvPr id="0" name=""/>
+        <dsp:cNvSpPr/>
+      </dsp:nvSpPr>
+      <dsp:spPr>
+        <a:xfrm rot="5400000">
+          <a:off x="5208873" y="3621170"/>
+          <a:ext cx="956467" cy="1088904"/>
+        </a:xfrm>
+        <a:prstGeom prst="bentUpArrow">
+          <a:avLst>
+            <a:gd name="adj1" fmla="val 32840"/>
+            <a:gd name="adj2" fmla="val 25000"/>
+            <a:gd name="adj3" fmla="val 35780"/>
+          </a:avLst>
+        </a:prstGeom>
+        <a:solidFill>
+          <a:schemeClr val="accent1">
+            <a:tint val="50000"/>
+            <a:hueOff val="0"/>
+            <a:satOff val="0"/>
+            <a:lumOff val="0"/>
+            <a:alphaOff val="0"/>
+          </a:schemeClr>
+        </a:solidFill>
+        <a:ln w="15875" cap="flat" cmpd="sng" algn="ctr">
+          <a:solidFill>
+            <a:schemeClr val="lt1">
+              <a:hueOff val="0"/>
+              <a:satOff val="0"/>
+              <a:lumOff val="0"/>
+              <a:alphaOff val="0"/>
+            </a:schemeClr>
+          </a:solidFill>
+          <a:prstDash val="solid"/>
+        </a:ln>
+        <a:effectLst/>
+      </dsp:spPr>
+      <dsp:style>
+        <a:lnRef idx="2">
+          <a:scrgbClr r="0" g="0" b="0"/>
+        </a:lnRef>
+        <a:fillRef idx="1">
+          <a:scrgbClr r="0" g="0" b="0"/>
+        </a:fillRef>
+        <a:effectRef idx="0">
+          <a:scrgbClr r="0" g="0" b="0"/>
+        </a:effectRef>
+        <a:fontRef idx="minor"/>
+      </dsp:style>
+    </dsp:sp>
+    <dsp:sp modelId="{0F43B9A1-1BC8-498D-A3C6-82684A36331A}">
+      <dsp:nvSpPr>
+        <dsp:cNvPr id="0" name=""/>
+        <dsp:cNvSpPr/>
+      </dsp:nvSpPr>
+      <dsp:spPr>
+        <a:xfrm>
+          <a:off x="4955467" y="2560907"/>
+          <a:ext cx="1610127" cy="1127037"/>
+        </a:xfrm>
+        <a:prstGeom prst="roundRect">
+          <a:avLst>
+            <a:gd name="adj" fmla="val 16670"/>
+          </a:avLst>
+        </a:prstGeom>
+        <a:solidFill>
+          <a:schemeClr val="accent1">
+            <a:hueOff val="0"/>
+            <a:satOff val="0"/>
+            <a:lumOff val="0"/>
+            <a:alphaOff val="0"/>
+          </a:schemeClr>
+        </a:solidFill>
+        <a:ln w="15875" cap="flat" cmpd="sng" algn="ctr">
+          <a:solidFill>
+            <a:schemeClr val="lt1">
+              <a:hueOff val="0"/>
+              <a:satOff val="0"/>
+              <a:lumOff val="0"/>
+              <a:alphaOff val="0"/>
+            </a:schemeClr>
+          </a:solidFill>
+          <a:prstDash val="solid"/>
+        </a:ln>
+        <a:effectLst/>
+      </dsp:spPr>
+      <dsp:style>
+        <a:lnRef idx="2">
+          <a:scrgbClr r="0" g="0" b="0"/>
+        </a:lnRef>
+        <a:fillRef idx="1">
+          <a:scrgbClr r="0" g="0" b="0"/>
+        </a:fillRef>
+        <a:effectRef idx="0">
+          <a:scrgbClr r="0" g="0" b="0"/>
+        </a:effectRef>
+        <a:fontRef idx="minor">
+          <a:schemeClr val="lt1"/>
+        </a:fontRef>
+      </dsp:style>
+      <dsp:txBody>
+        <a:bodyPr spcFirstLastPara="0" vert="horz" wrap="square" lIns="87630" tIns="87630" rIns="87630" bIns="87630" numCol="1" spcCol="1270" anchor="ctr" anchorCtr="0">
+          <a:noAutofit/>
+        </a:bodyPr>
+        <a:lstStyle/>
+        <a:p>
+          <a:pPr marL="0" lvl="0" indent="0" algn="ctr" defTabSz="1022350">
+            <a:lnSpc>
+              <a:spcPct val="90000"/>
+            </a:lnSpc>
+            <a:spcBef>
+              <a:spcPct val="0"/>
+            </a:spcBef>
+            <a:spcAft>
+              <a:spcPct val="35000"/>
+            </a:spcAft>
+            <a:buNone/>
+          </a:pPr>
+          <a:r>
+            <a:rPr lang="en-GB" sz="2300" kern="1200" dirty="0">
+              <a:solidFill>
+                <a:schemeClr val="tx2">
+                  <a:lumMod val="50000"/>
+                </a:schemeClr>
+              </a:solidFill>
+            </a:rPr>
+            <a:t>Arduino</a:t>
+          </a:r>
+          <a:endParaRPr lang="en-GB" sz="2300" kern="1200" dirty="0"/>
+        </a:p>
+      </dsp:txBody>
+      <dsp:txXfrm>
+        <a:off x="5010494" y="2615934"/>
+        <a:ext cx="1500073" cy="1016983"/>
+      </dsp:txXfrm>
+    </dsp:sp>
+    <dsp:sp modelId="{7DF3490B-8B8E-4298-8741-5C1BACA926D2}">
+      <dsp:nvSpPr>
+        <dsp:cNvPr id="0" name=""/>
+        <dsp:cNvSpPr/>
+      </dsp:nvSpPr>
+      <dsp:spPr>
+        <a:xfrm>
+          <a:off x="6697215" y="2655151"/>
+          <a:ext cx="1994479" cy="910921"/>
+        </a:xfrm>
+        <a:prstGeom prst="rect">
+          <a:avLst/>
+        </a:prstGeom>
+        <a:noFill/>
+        <a:ln>
+          <a:noFill/>
+        </a:ln>
+        <a:effectLst/>
+      </dsp:spPr>
+      <dsp:style>
+        <a:lnRef idx="0">
+          <a:scrgbClr r="0" g="0" b="0"/>
+        </a:lnRef>
+        <a:fillRef idx="0">
+          <a:scrgbClr r="0" g="0" b="0"/>
+        </a:fillRef>
+        <a:effectRef idx="0">
+          <a:scrgbClr r="0" g="0" b="0"/>
+        </a:effectRef>
+        <a:fontRef idx="minor"/>
+      </dsp:style>
+      <dsp:txBody>
+        <a:bodyPr spcFirstLastPara="0" vert="horz" wrap="square" lIns="87630" tIns="87630" rIns="87630" bIns="87630" numCol="1" spcCol="1270" anchor="ctr" anchorCtr="0">
+          <a:noAutofit/>
+        </a:bodyPr>
+        <a:lstStyle/>
+        <a:p>
+          <a:pPr marL="171450" lvl="1" indent="-171450" algn="l" defTabSz="800100">
+            <a:lnSpc>
+              <a:spcPct val="90000"/>
+            </a:lnSpc>
+            <a:spcBef>
+              <a:spcPct val="0"/>
+            </a:spcBef>
+            <a:spcAft>
+              <a:spcPct val="15000"/>
+            </a:spcAft>
+            <a:buChar char="•"/>
+          </a:pPr>
+          <a:r>
+            <a:rPr lang="en-GB" sz="1800" kern="1200" dirty="0"/>
+            <a:t>Bridge between hardware and software</a:t>
+          </a:r>
+        </a:p>
+      </dsp:txBody>
+      <dsp:txXfrm>
+        <a:off x="6697215" y="2655151"/>
+        <a:ext cx="1994479" cy="910921"/>
+      </dsp:txXfrm>
+    </dsp:sp>
+    <dsp:sp modelId="{15FBB6D3-D7BC-42A9-A13D-348B70876886}">
+      <dsp:nvSpPr>
+        <dsp:cNvPr id="0" name=""/>
+        <dsp:cNvSpPr/>
+      </dsp:nvSpPr>
+      <dsp:spPr>
+        <a:xfrm>
+          <a:off x="6565630" y="3826942"/>
+          <a:ext cx="1610127" cy="1127037"/>
+        </a:xfrm>
+        <a:prstGeom prst="roundRect">
+          <a:avLst>
+            <a:gd name="adj" fmla="val 16670"/>
+          </a:avLst>
+        </a:prstGeom>
+        <a:solidFill>
+          <a:schemeClr val="accent1">
+            <a:hueOff val="0"/>
+            <a:satOff val="0"/>
+            <a:lumOff val="0"/>
+            <a:alphaOff val="0"/>
+          </a:schemeClr>
+        </a:solidFill>
+        <a:ln w="15875" cap="flat" cmpd="sng" algn="ctr">
+          <a:solidFill>
+            <a:schemeClr val="lt1">
+              <a:hueOff val="0"/>
+              <a:satOff val="0"/>
+              <a:lumOff val="0"/>
+              <a:alphaOff val="0"/>
+            </a:schemeClr>
+          </a:solidFill>
+          <a:prstDash val="solid"/>
+        </a:ln>
+        <a:effectLst/>
+      </dsp:spPr>
+      <dsp:style>
+        <a:lnRef idx="2">
+          <a:scrgbClr r="0" g="0" b="0"/>
+        </a:lnRef>
+        <a:fillRef idx="1">
+          <a:scrgbClr r="0" g="0" b="0"/>
+        </a:fillRef>
+        <a:effectRef idx="0">
+          <a:scrgbClr r="0" g="0" b="0"/>
+        </a:effectRef>
+        <a:fontRef idx="minor">
+          <a:schemeClr val="lt1"/>
+        </a:fontRef>
+      </dsp:style>
+      <dsp:txBody>
+        <a:bodyPr spcFirstLastPara="0" vert="horz" wrap="square" lIns="76200" tIns="76200" rIns="76200" bIns="76200" numCol="1" spcCol="1270" anchor="ctr" anchorCtr="0">
+          <a:noAutofit/>
+        </a:bodyPr>
+        <a:lstStyle/>
+        <a:p>
+          <a:pPr marL="0" lvl="0" indent="0" algn="ctr" defTabSz="889000">
+            <a:lnSpc>
+              <a:spcPct val="90000"/>
+            </a:lnSpc>
+            <a:spcBef>
+              <a:spcPct val="0"/>
+            </a:spcBef>
+            <a:spcAft>
+              <a:spcPct val="35000"/>
+            </a:spcAft>
+            <a:buNone/>
+          </a:pPr>
+          <a:r>
+            <a:rPr lang="en-GB" sz="2000" kern="1200" dirty="0">
+              <a:solidFill>
+                <a:srgbClr val="7C96A3">
+                  <a:lumMod val="50000"/>
+                </a:srgbClr>
+              </a:solidFill>
+              <a:latin typeface="Tw Cen MT" panose="020B0602020104020603"/>
+              <a:ea typeface="+mn-ea"/>
+              <a:cs typeface="+mn-cs"/>
+            </a:rPr>
+            <a:t>SMS sending and appliance control</a:t>
+          </a:r>
+        </a:p>
+      </dsp:txBody>
+      <dsp:txXfrm>
+        <a:off x="6620657" y="3881969"/>
+        <a:ext cx="1500073" cy="1016983"/>
+      </dsp:txXfrm>
+    </dsp:sp>
   </dsp:spTree>
 </dsp:drawing>
 </file>
@@ -7067,7 +7681,7 @@
           <a:p>
             <a:fld id="{48A87A34-81AB-432B-8DAE-1953F412C126}" type="datetimeFigureOut">
               <a:rPr lang="en-US" dirty="0"/>
-              <a:t>8/8/2019</a:t>
+              <a:t>2/28/2023</a:t>
             </a:fld>
             <a:endParaRPr lang="en-US" dirty="0"/>
           </a:p>
@@ -7329,7 +7943,7 @@
           <a:p>
             <a:fld id="{48A87A34-81AB-432B-8DAE-1953F412C126}" type="datetimeFigureOut">
               <a:rPr lang="en-US" dirty="0"/>
-              <a:t>8/8/2019</a:t>
+              <a:t>2/28/2023</a:t>
             </a:fld>
             <a:endParaRPr lang="en-US" dirty="0"/>
           </a:p>
@@ -7520,7 +8134,7 @@
           <a:p>
             <a:fld id="{48A87A34-81AB-432B-8DAE-1953F412C126}" type="datetimeFigureOut">
               <a:rPr lang="en-US" dirty="0"/>
-              <a:t>8/8/2019</a:t>
+              <a:t>2/28/2023</a:t>
             </a:fld>
             <a:endParaRPr lang="en-US" dirty="0"/>
           </a:p>
@@ -7778,7 +8392,7 @@
           <a:p>
             <a:fld id="{48A87A34-81AB-432B-8DAE-1953F412C126}" type="datetimeFigureOut">
               <a:rPr lang="en-US" dirty="0"/>
-              <a:t>8/8/2019</a:t>
+              <a:t>2/28/2023</a:t>
             </a:fld>
             <a:endParaRPr lang="en-US" dirty="0"/>
           </a:p>
@@ -8207,7 +8821,7 @@
           <a:p>
             <a:fld id="{48A87A34-81AB-432B-8DAE-1953F412C126}" type="datetimeFigureOut">
               <a:rPr lang="en-US" dirty="0"/>
-              <a:t>8/8/2019</a:t>
+              <a:t>2/28/2023</a:t>
             </a:fld>
             <a:endParaRPr lang="en-US" dirty="0"/>
           </a:p>
@@ -8748,7 +9362,7 @@
           <a:p>
             <a:fld id="{48A87A34-81AB-432B-8DAE-1953F412C126}" type="datetimeFigureOut">
               <a:rPr lang="en-US" dirty="0"/>
-              <a:t>8/8/2019</a:t>
+              <a:t>2/28/2023</a:t>
             </a:fld>
             <a:endParaRPr lang="en-US" dirty="0"/>
           </a:p>
@@ -9463,7 +10077,7 @@
           <a:p>
             <a:fld id="{48A87A34-81AB-432B-8DAE-1953F412C126}" type="datetimeFigureOut">
               <a:rPr lang="en-US" dirty="0"/>
-              <a:t>8/8/2019</a:t>
+              <a:t>2/28/2023</a:t>
             </a:fld>
             <a:endParaRPr lang="en-US" dirty="0"/>
           </a:p>
@@ -9628,7 +10242,7 @@
           <a:p>
             <a:fld id="{48A87A34-81AB-432B-8DAE-1953F412C126}" type="datetimeFigureOut">
               <a:rPr lang="en-US" dirty="0"/>
-              <a:t>8/8/2019</a:t>
+              <a:t>2/28/2023</a:t>
             </a:fld>
             <a:endParaRPr lang="en-US" dirty="0"/>
           </a:p>
@@ -9803,7 +10417,7 @@
           <a:p>
             <a:fld id="{48A87A34-81AB-432B-8DAE-1953F412C126}" type="datetimeFigureOut">
               <a:rPr lang="en-US" dirty="0"/>
-              <a:t>8/8/2019</a:t>
+              <a:t>2/28/2023</a:t>
             </a:fld>
             <a:endParaRPr lang="en-US" dirty="0"/>
           </a:p>
@@ -9968,7 +10582,7 @@
           <a:p>
             <a:fld id="{48A87A34-81AB-432B-8DAE-1953F412C126}" type="datetimeFigureOut">
               <a:rPr lang="en-US" dirty="0"/>
-              <a:t>8/8/2019</a:t>
+              <a:t>2/28/2023</a:t>
             </a:fld>
             <a:endParaRPr lang="en-US" dirty="0"/>
           </a:p>
@@ -10213,7 +10827,7 @@
           <a:p>
             <a:fld id="{48A87A34-81AB-432B-8DAE-1953F412C126}" type="datetimeFigureOut">
               <a:rPr lang="en-US" dirty="0"/>
-              <a:t>8/8/2019</a:t>
+              <a:t>2/28/2023</a:t>
             </a:fld>
             <a:endParaRPr lang="en-US" dirty="0"/>
           </a:p>
@@ -10440,7 +11054,7 @@
           <a:p>
             <a:fld id="{48A87A34-81AB-432B-8DAE-1953F412C126}" type="datetimeFigureOut">
               <a:rPr lang="en-US" dirty="0"/>
-              <a:t>8/8/2019</a:t>
+              <a:t>2/28/2023</a:t>
             </a:fld>
             <a:endParaRPr lang="en-US" dirty="0"/>
           </a:p>
@@ -10816,7 +11430,7 @@
           <a:p>
             <a:fld id="{48A87A34-81AB-432B-8DAE-1953F412C126}" type="datetimeFigureOut">
               <a:rPr lang="en-US" dirty="0"/>
-              <a:t>8/8/2019</a:t>
+              <a:t>2/28/2023</a:t>
             </a:fld>
             <a:endParaRPr lang="en-US" dirty="0"/>
           </a:p>
@@ -10929,7 +11543,7 @@
           <a:p>
             <a:fld id="{48A87A34-81AB-432B-8DAE-1953F412C126}" type="datetimeFigureOut">
               <a:rPr lang="en-US" dirty="0"/>
-              <a:t>8/8/2019</a:t>
+              <a:t>2/28/2023</a:t>
             </a:fld>
             <a:endParaRPr lang="en-US" dirty="0"/>
           </a:p>
@@ -11019,7 +11633,7 @@
           <a:p>
             <a:fld id="{48A87A34-81AB-432B-8DAE-1953F412C126}" type="datetimeFigureOut">
               <a:rPr lang="en-US" dirty="0"/>
-              <a:t>8/8/2019</a:t>
+              <a:t>2/28/2023</a:t>
             </a:fld>
             <a:endParaRPr lang="en-US" dirty="0"/>
           </a:p>
@@ -11263,7 +11877,7 @@
           <a:p>
             <a:fld id="{48A87A34-81AB-432B-8DAE-1953F412C126}" type="datetimeFigureOut">
               <a:rPr lang="en-US" dirty="0"/>
-              <a:t>8/8/2019</a:t>
+              <a:t>2/28/2023</a:t>
             </a:fld>
             <a:endParaRPr lang="en-US" dirty="0"/>
           </a:p>
@@ -11538,7 +12152,7 @@
           <a:p>
             <a:fld id="{48A87A34-81AB-432B-8DAE-1953F412C126}" type="datetimeFigureOut">
               <a:rPr lang="en-US" dirty="0"/>
-              <a:t>8/8/2019</a:t>
+              <a:t>2/28/2023</a:t>
             </a:fld>
             <a:endParaRPr lang="en-US" dirty="0"/>
           </a:p>
@@ -14601,7 +15215,7 @@
             <a:fld id="{48A87A34-81AB-432B-8DAE-1953F412C126}" type="datetimeFigureOut">
               <a:rPr lang="en-US" dirty="0"/>
               <a:pPr/>
-              <a:t>8/8/2019</a:t>
+              <a:t>2/28/2023</a:t>
             </a:fld>
             <a:endParaRPr lang="en-US" dirty="0"/>
           </a:p>
@@ -15019,5947 +15633,6 @@
       </p:grpSpPr>
       <p:sp>
         <p:nvSpPr>
-          <p:cNvPr id="2" name="Rectangle 1"/>
-          <p:cNvSpPr/>
-          <p:nvPr/>
-        </p:nvSpPr>
-        <p:spPr>
-          <a:xfrm>
-            <a:off x="540913" y="505123"/>
-            <a:ext cx="10586433" cy="5386090"/>
-          </a:xfrm>
-          <a:prstGeom prst="rect">
-            <a:avLst/>
-          </a:prstGeom>
-        </p:spPr>
-        <p:txBody>
-          <a:bodyPr wrap="square">
-            <a:spAutoFit/>
-          </a:bodyPr>
-          <a:lstStyle/>
-          <a:p>
-            <a:pPr algn="ctr"/>
-            <a:r>
-              <a:rPr lang="en-GB" sz="4800" dirty="0">
-                <a:solidFill>
-                  <a:srgbClr val="FFFFFF"/>
-                </a:solidFill>
-                <a:latin typeface="Twentieth Century"/>
-              </a:rPr>
-              <a:t>EYES GESTURE BASED NAVIGATION FOR PARALYSED PATIENTS</a:t>
-            </a:r>
-            <a:endParaRPr lang="en-GB" dirty="0"/>
-          </a:p>
-          <a:p>
-            <a:pPr algn="ctr"/>
-            <a:r>
-              <a:rPr lang="en-GB" dirty="0"/>
-              <a:t/>
-            </a:r>
-            <a:br>
-              <a:rPr lang="en-GB" dirty="0"/>
-            </a:br>
-            <a:endParaRPr lang="en-GB" dirty="0" smtClean="0"/>
-          </a:p>
-          <a:p>
-            <a:pPr algn="ctr"/>
-            <a:r>
-              <a:rPr lang="en-GB" sz="2000" b="1" u="sng" dirty="0" smtClean="0">
-                <a:solidFill>
-                  <a:srgbClr val="FFFFFF"/>
-                </a:solidFill>
-                <a:latin typeface="Twentieth Century"/>
-              </a:rPr>
-              <a:t>GROUP MEMBERS</a:t>
-            </a:r>
-            <a:endParaRPr lang="en-GB" dirty="0"/>
-          </a:p>
-          <a:p>
-            <a:pPr algn="ctr"/>
-            <a:r>
-              <a:rPr lang="en-GB" dirty="0"/>
-              <a:t/>
-            </a:r>
-            <a:br>
-              <a:rPr lang="en-GB" dirty="0"/>
-            </a:br>
-            <a:r>
-              <a:rPr lang="en-GB" dirty="0">
-                <a:solidFill>
-                  <a:srgbClr val="FFFFFF"/>
-                </a:solidFill>
-                <a:latin typeface="Twentieth Century"/>
-              </a:rPr>
-              <a:t>                                        </a:t>
-            </a:r>
-            <a:endParaRPr lang="en-GB" dirty="0"/>
-          </a:p>
-          <a:p>
-            <a:pPr algn="ctr"/>
-            <a:r>
-              <a:rPr lang="en-GB" dirty="0">
-                <a:solidFill>
-                  <a:srgbClr val="FFFFFF"/>
-                </a:solidFill>
-                <a:latin typeface="Twentieth Century"/>
-              </a:rPr>
-              <a:t>Group Leader   : Daniyal Hussain           ( EL-15044 )</a:t>
-            </a:r>
-            <a:endParaRPr lang="en-GB" dirty="0"/>
-          </a:p>
-          <a:p>
-            <a:pPr algn="ctr"/>
-            <a:r>
-              <a:rPr lang="en-GB" dirty="0">
-                <a:solidFill>
-                  <a:srgbClr val="FFFFFF"/>
-                </a:solidFill>
-                <a:latin typeface="Twentieth Century"/>
-              </a:rPr>
-              <a:t>Group Member : Syed </a:t>
-            </a:r>
-            <a:r>
-              <a:rPr lang="en-GB" dirty="0" err="1">
-                <a:solidFill>
-                  <a:srgbClr val="FFFFFF"/>
-                </a:solidFill>
-                <a:latin typeface="Twentieth Century"/>
-              </a:rPr>
-              <a:t>Hadi</a:t>
-            </a:r>
-            <a:r>
-              <a:rPr lang="en-GB" dirty="0">
-                <a:solidFill>
-                  <a:srgbClr val="FFFFFF"/>
-                </a:solidFill>
-                <a:latin typeface="Twentieth Century"/>
-              </a:rPr>
-              <a:t> </a:t>
-            </a:r>
-            <a:r>
-              <a:rPr lang="en-GB" dirty="0" err="1">
-                <a:solidFill>
-                  <a:srgbClr val="FFFFFF"/>
-                </a:solidFill>
-                <a:latin typeface="Twentieth Century"/>
-              </a:rPr>
-              <a:t>Muteeb</a:t>
-            </a:r>
-            <a:r>
-              <a:rPr lang="en-GB" dirty="0">
-                <a:solidFill>
-                  <a:srgbClr val="FFFFFF"/>
-                </a:solidFill>
-                <a:latin typeface="Twentieth Century"/>
-              </a:rPr>
-              <a:t>      ( EL-15048 )</a:t>
-            </a:r>
-            <a:endParaRPr lang="en-GB" dirty="0"/>
-          </a:p>
-          <a:p>
-            <a:pPr algn="ctr"/>
-            <a:r>
-              <a:rPr lang="en-GB" dirty="0">
-                <a:solidFill>
-                  <a:srgbClr val="FFFFFF"/>
-                </a:solidFill>
-                <a:latin typeface="Twentieth Century"/>
-              </a:rPr>
-              <a:t>Group Member : Syed </a:t>
-            </a:r>
-            <a:r>
-              <a:rPr lang="en-GB" dirty="0" err="1">
-                <a:solidFill>
-                  <a:srgbClr val="FFFFFF"/>
-                </a:solidFill>
-                <a:latin typeface="Twentieth Century"/>
-              </a:rPr>
-              <a:t>Shahzaib</a:t>
-            </a:r>
-            <a:r>
-              <a:rPr lang="en-GB" dirty="0">
-                <a:solidFill>
-                  <a:srgbClr val="FFFFFF"/>
-                </a:solidFill>
-                <a:latin typeface="Twentieth Century"/>
-              </a:rPr>
-              <a:t> Ali       ( EL-15068 )</a:t>
-            </a:r>
-            <a:endParaRPr lang="en-GB" dirty="0"/>
-          </a:p>
-          <a:p>
-            <a:pPr algn="ctr"/>
-            <a:r>
-              <a:rPr lang="en-GB" dirty="0">
-                <a:solidFill>
-                  <a:srgbClr val="FFFFFF"/>
-                </a:solidFill>
-                <a:latin typeface="Twentieth Century"/>
-              </a:rPr>
-              <a:t>Group Member : Hassan Ali Shah           ( EL-15040 )   </a:t>
-            </a:r>
-            <a:endParaRPr lang="en-GB" dirty="0"/>
-          </a:p>
-          <a:p>
-            <a:r>
-              <a:rPr lang="en-GB" dirty="0"/>
-              <a:t/>
-            </a:r>
-            <a:br>
-              <a:rPr lang="en-GB" dirty="0"/>
-            </a:br>
-            <a:endParaRPr lang="en-GB" dirty="0"/>
-          </a:p>
-        </p:txBody>
-      </p:sp>
-    </p:spTree>
-    <p:extLst>
-      <p:ext uri="{BB962C8B-B14F-4D97-AF65-F5344CB8AC3E}">
-        <p14:creationId xmlns:p14="http://schemas.microsoft.com/office/powerpoint/2010/main" val="3674293352"/>
-      </p:ext>
-    </p:extLst>
-  </p:cSld>
-  <p:clrMapOvr>
-    <a:masterClrMapping/>
-  </p:clrMapOvr>
-</p:sld>
-</file>
-
-<file path=ppt/slides/slide10.xml><?xml version="1.0" encoding="utf-8"?>
-<p:sld xmlns:a="http://schemas.openxmlformats.org/drawingml/2006/main" xmlns:r="http://schemas.openxmlformats.org/officeDocument/2006/relationships" xmlns:p="http://schemas.openxmlformats.org/presentationml/2006/main">
-  <p:cSld>
-    <p:spTree>
-      <p:nvGrpSpPr>
-        <p:cNvPr id="1" name=""/>
-        <p:cNvGrpSpPr/>
-        <p:nvPr/>
-      </p:nvGrpSpPr>
-      <p:grpSpPr>
-        <a:xfrm>
-          <a:off x="0" y="0"/>
-          <a:ext cx="0" cy="0"/>
-          <a:chOff x="0" y="0"/>
-          <a:chExt cx="0" cy="0"/>
-        </a:xfrm>
-      </p:grpSpPr>
-      <p:sp>
-        <p:nvSpPr>
-          <p:cNvPr id="2" name="Title 1">
-            <a:extLst>
-              <a:ext uri="{FF2B5EF4-FFF2-40B4-BE49-F238E27FC236}">
-                <a16:creationId xmlns="" xmlns:a16="http://schemas.microsoft.com/office/drawing/2014/main" id="{8478BB09-D9B4-4DDA-A466-5527F88682AB}"/>
-              </a:ext>
-            </a:extLst>
-          </p:cNvPr>
-          <p:cNvSpPr>
-            <a:spLocks noGrp="1"/>
-          </p:cNvSpPr>
-          <p:nvPr>
-            <p:ph type="title"/>
-          </p:nvPr>
-        </p:nvSpPr>
-        <p:spPr>
-          <a:xfrm>
-            <a:off x="539725" y="1546679"/>
-            <a:ext cx="3457883" cy="1478570"/>
-          </a:xfrm>
-        </p:spPr>
-        <p:txBody>
-          <a:bodyPr>
-            <a:normAutofit/>
-          </a:bodyPr>
-          <a:lstStyle/>
-          <a:p>
-            <a:pPr algn="ctr"/>
-            <a:r>
-              <a:rPr lang="en-GB" dirty="0" smtClean="0"/>
-              <a:t>ARDUINO</a:t>
-            </a:r>
-            <a:endParaRPr lang="en-GB" dirty="0"/>
-          </a:p>
-        </p:txBody>
-      </p:sp>
-      <p:cxnSp>
-        <p:nvCxnSpPr>
-          <p:cNvPr id="4" name="Straight Connector 3">
-            <a:extLst>
-              <a:ext uri="{FF2B5EF4-FFF2-40B4-BE49-F238E27FC236}">
-                <a16:creationId xmlns="" xmlns:a16="http://schemas.microsoft.com/office/drawing/2014/main" id="{FBA6C18C-75D4-4AAC-9BD1-4B7AD24E5C02}"/>
-              </a:ext>
-            </a:extLst>
-          </p:cNvPr>
-          <p:cNvCxnSpPr/>
-          <p:nvPr/>
-        </p:nvCxnSpPr>
-        <p:spPr>
-          <a:xfrm>
-            <a:off x="3997608" y="0"/>
-            <a:ext cx="0" cy="6858000"/>
-          </a:xfrm>
-          <a:prstGeom prst="line">
-            <a:avLst/>
-          </a:prstGeom>
-        </p:spPr>
-        <p:style>
-          <a:lnRef idx="3">
-            <a:schemeClr val="accent1"/>
-          </a:lnRef>
-          <a:fillRef idx="0">
-            <a:schemeClr val="accent1"/>
-          </a:fillRef>
-          <a:effectRef idx="2">
-            <a:schemeClr val="accent1"/>
-          </a:effectRef>
-          <a:fontRef idx="minor">
-            <a:schemeClr val="tx1"/>
-          </a:fontRef>
-        </p:style>
-      </p:cxnSp>
-      <p:sp>
-        <p:nvSpPr>
-          <p:cNvPr id="6" name="Content Placeholder 2">
-            <a:extLst>
-              <a:ext uri="{FF2B5EF4-FFF2-40B4-BE49-F238E27FC236}">
-                <a16:creationId xmlns="" xmlns:a16="http://schemas.microsoft.com/office/drawing/2014/main" id="{79D17077-5597-4634-9208-4A171434F67E}"/>
-              </a:ext>
-            </a:extLst>
-          </p:cNvPr>
-          <p:cNvSpPr>
-            <a:spLocks noGrp="1"/>
-          </p:cNvSpPr>
-          <p:nvPr>
-            <p:ph idx="1"/>
-          </p:nvPr>
-        </p:nvSpPr>
-        <p:spPr>
-          <a:xfrm>
-            <a:off x="3852974" y="443759"/>
-            <a:ext cx="7830310" cy="6414241"/>
-          </a:xfrm>
-        </p:spPr>
-        <p:txBody>
-          <a:bodyPr>
-            <a:normAutofit/>
-          </a:bodyPr>
-          <a:lstStyle/>
-          <a:p>
-            <a:pPr lvl="1"/>
-            <a:r>
-              <a:rPr lang="en-GB" sz="2400" dirty="0" smtClean="0"/>
-              <a:t>Arduino is used for the serial communication with python desktop application</a:t>
-            </a:r>
-            <a:endParaRPr lang="en-GB" sz="2400" dirty="0"/>
-          </a:p>
-          <a:p>
-            <a:pPr lvl="1"/>
-            <a:endParaRPr lang="en-GB" sz="2400" dirty="0" smtClean="0"/>
-          </a:p>
-          <a:p>
-            <a:pPr lvl="1"/>
-            <a:r>
-              <a:rPr lang="en-GB" sz="2400" dirty="0" smtClean="0"/>
-              <a:t>GSM module and Bluetooth module are also connected to the Arduino</a:t>
-            </a:r>
-          </a:p>
-          <a:p>
-            <a:pPr lvl="1"/>
-            <a:endParaRPr lang="en-GB" sz="2400" dirty="0"/>
-          </a:p>
-          <a:p>
-            <a:pPr marL="457200" lvl="1" indent="0">
-              <a:buNone/>
-            </a:pPr>
-            <a:endParaRPr lang="en-GB" sz="2400" dirty="0" smtClean="0"/>
-          </a:p>
-          <a:p>
-            <a:pPr marL="457200" lvl="1" indent="0">
-              <a:buNone/>
-            </a:pPr>
-            <a:endParaRPr lang="en-GB" sz="2400" dirty="0"/>
-          </a:p>
-          <a:p>
-            <a:pPr marL="457200" lvl="1" indent="0">
-              <a:buNone/>
-            </a:pPr>
-            <a:endParaRPr lang="en-GB" sz="2400" dirty="0" smtClean="0"/>
-          </a:p>
-          <a:p>
-            <a:pPr lvl="1"/>
-            <a:r>
-              <a:rPr lang="en-GB" sz="2400" dirty="0" smtClean="0"/>
-              <a:t>For room automation we have designed a switch board with relay module and atmega8 IC, receiving signal from Arduino via a Bluetooth module</a:t>
-            </a:r>
-            <a:endParaRPr lang="en-GB" sz="2400" dirty="0"/>
-          </a:p>
-        </p:txBody>
-      </p:sp>
-      <p:pic>
-        <p:nvPicPr>
-          <p:cNvPr id="7" name="Picture 6" descr="Image result for arduino uno"/>
-          <p:cNvPicPr/>
-          <p:nvPr/>
-        </p:nvPicPr>
-        <p:blipFill>
-          <a:blip r:embed="rId2">
-            <a:extLst>
-              <a:ext uri="{28A0092B-C50C-407E-A947-70E740481C1C}">
-                <a14:useLocalDpi xmlns:a14="http://schemas.microsoft.com/office/drawing/2010/main" val="0"/>
-              </a:ext>
-            </a:extLst>
-          </a:blip>
-          <a:srcRect/>
-          <a:stretch>
-            <a:fillRect/>
-          </a:stretch>
-        </p:blipFill>
-        <p:spPr bwMode="auto">
-          <a:xfrm>
-            <a:off x="908136" y="3019787"/>
-            <a:ext cx="2721059" cy="1921837"/>
-          </a:xfrm>
-          <a:prstGeom prst="rect">
-            <a:avLst/>
-          </a:prstGeom>
-          <a:noFill/>
-          <a:ln>
-            <a:noFill/>
-          </a:ln>
-        </p:spPr>
-      </p:pic>
-      <p:pic>
-        <p:nvPicPr>
-          <p:cNvPr id="9" name="Picture 8" descr="A circuit board&#10;&#10;Description generated with very high confidence">
-            <a:extLst>
-              <a:ext uri="{FF2B5EF4-FFF2-40B4-BE49-F238E27FC236}">
-                <a16:creationId xmlns="" xmlns:a16="http://schemas.microsoft.com/office/drawing/2014/main" id="{45E61A2E-4A39-4800-893F-C545B6565B34}"/>
-              </a:ext>
-            </a:extLst>
-          </p:cNvPr>
-          <p:cNvPicPr>
-            <a:picLocks noChangeAspect="1"/>
-          </p:cNvPicPr>
-          <p:nvPr/>
-        </p:nvPicPr>
-        <p:blipFill>
-          <a:blip r:embed="rId3"/>
-          <a:stretch>
-            <a:fillRect/>
-          </a:stretch>
-        </p:blipFill>
-        <p:spPr>
-          <a:xfrm>
-            <a:off x="4611288" y="2879170"/>
-            <a:ext cx="1683886" cy="1510748"/>
-          </a:xfrm>
-          <a:prstGeom prst="rect">
-            <a:avLst/>
-          </a:prstGeom>
-        </p:spPr>
-      </p:pic>
-      <p:pic>
-        <p:nvPicPr>
-          <p:cNvPr id="11" name="Picture 10" descr="A circuit board&#10;&#10;Description generated with very high confidence">
-            <a:extLst>
-              <a:ext uri="{FF2B5EF4-FFF2-40B4-BE49-F238E27FC236}">
-                <a16:creationId xmlns="" xmlns:a16="http://schemas.microsoft.com/office/drawing/2014/main" id="{D308078F-B4B2-4EF6-BCED-1E551353D279}"/>
-              </a:ext>
-            </a:extLst>
-          </p:cNvPr>
-          <p:cNvPicPr>
-            <a:picLocks noChangeAspect="1"/>
-          </p:cNvPicPr>
-          <p:nvPr/>
-        </p:nvPicPr>
-        <p:blipFill>
-          <a:blip r:embed="rId4"/>
-          <a:stretch>
-            <a:fillRect/>
-          </a:stretch>
-        </p:blipFill>
-        <p:spPr>
-          <a:xfrm>
-            <a:off x="7310857" y="2872342"/>
-            <a:ext cx="2076098" cy="1557073"/>
-          </a:xfrm>
-          <a:prstGeom prst="rect">
-            <a:avLst/>
-          </a:prstGeom>
-        </p:spPr>
-      </p:pic>
-    </p:spTree>
-    <p:extLst>
-      <p:ext uri="{BB962C8B-B14F-4D97-AF65-F5344CB8AC3E}">
-        <p14:creationId xmlns:p14="http://schemas.microsoft.com/office/powerpoint/2010/main" val="1879707295"/>
-      </p:ext>
-    </p:extLst>
-  </p:cSld>
-  <p:clrMapOvr>
-    <a:masterClrMapping/>
-  </p:clrMapOvr>
-</p:sld>
-</file>
-
-<file path=ppt/slides/slide11.xml><?xml version="1.0" encoding="utf-8"?>
-<p:sld xmlns:a="http://schemas.openxmlformats.org/drawingml/2006/main" xmlns:r="http://schemas.openxmlformats.org/officeDocument/2006/relationships" xmlns:p="http://schemas.openxmlformats.org/presentationml/2006/main">
-  <p:cSld>
-    <p:spTree>
-      <p:nvGrpSpPr>
-        <p:cNvPr id="1" name=""/>
-        <p:cNvGrpSpPr/>
-        <p:nvPr/>
-      </p:nvGrpSpPr>
-      <p:grpSpPr>
-        <a:xfrm>
-          <a:off x="0" y="0"/>
-          <a:ext cx="0" cy="0"/>
-          <a:chOff x="0" y="0"/>
-          <a:chExt cx="0" cy="0"/>
-        </a:xfrm>
-      </p:grpSpPr>
-      <p:pic>
-        <p:nvPicPr>
-          <p:cNvPr id="2052" name="Picture 4" descr="Image result for tablet pc png">
-            <a:hlinkClick r:id="rId2"/>
-            <a:extLst>
-              <a:ext uri="{FF2B5EF4-FFF2-40B4-BE49-F238E27FC236}">
-                <a16:creationId xmlns="" xmlns:a16="http://schemas.microsoft.com/office/drawing/2014/main" id="{66B1E062-DCC7-4C75-8B6C-AAF8CD63E6C1}"/>
-              </a:ext>
-            </a:extLst>
-          </p:cNvPr>
-          <p:cNvPicPr>
-            <a:picLocks noChangeAspect="1" noChangeArrowheads="1"/>
-          </p:cNvPicPr>
-          <p:nvPr/>
-        </p:nvPicPr>
-        <p:blipFill>
-          <a:blip r:embed="rId3">
-            <a:extLst>
-              <a:ext uri="{28A0092B-C50C-407E-A947-70E740481C1C}">
-                <a14:useLocalDpi xmlns:a14="http://schemas.microsoft.com/office/drawing/2010/main" val="0"/>
-              </a:ext>
-            </a:extLst>
-          </a:blip>
-          <a:srcRect/>
-          <a:stretch>
-            <a:fillRect/>
-          </a:stretch>
-        </p:blipFill>
-        <p:spPr bwMode="auto">
-          <a:xfrm>
-            <a:off x="1381990" y="3863668"/>
-            <a:ext cx="3733283" cy="2627657"/>
-          </a:xfrm>
-          <a:prstGeom prst="rect">
-            <a:avLst/>
-          </a:prstGeom>
-          <a:noFill/>
-          <a:extLst>
-            <a:ext uri="{909E8E84-426E-40DD-AFC4-6F175D3DCCD1}">
-              <a14:hiddenFill xmlns:a14="http://schemas.microsoft.com/office/drawing/2010/main">
-                <a:solidFill>
-                  <a:srgbClr val="FFFFFF"/>
-                </a:solidFill>
-              </a14:hiddenFill>
-            </a:ext>
-          </a:extLst>
-        </p:spPr>
-      </p:pic>
-      <p:pic>
-        <p:nvPicPr>
-          <p:cNvPr id="8" name="Picture 7">
-            <a:extLst>
-              <a:ext uri="{FF2B5EF4-FFF2-40B4-BE49-F238E27FC236}">
-                <a16:creationId xmlns="" xmlns:a16="http://schemas.microsoft.com/office/drawing/2014/main" id="{AEB06351-130B-4BFF-BE45-09F2D323A483}"/>
-              </a:ext>
-            </a:extLst>
-          </p:cNvPr>
-          <p:cNvPicPr>
-            <a:picLocks noChangeAspect="1"/>
-          </p:cNvPicPr>
-          <p:nvPr/>
-        </p:nvPicPr>
-        <p:blipFill>
-          <a:blip r:embed="rId4"/>
-          <a:stretch>
-            <a:fillRect/>
-          </a:stretch>
-        </p:blipFill>
-        <p:spPr>
-          <a:xfrm>
-            <a:off x="2132200" y="4256269"/>
-            <a:ext cx="2240529" cy="1831611"/>
-          </a:xfrm>
-          <a:prstGeom prst="rect">
-            <a:avLst/>
-          </a:prstGeom>
-        </p:spPr>
-      </p:pic>
-      <p:pic>
-        <p:nvPicPr>
-          <p:cNvPr id="18" name="Picture 17" descr="A close up of a camera&#10;&#10;Description generated with very high confidence">
-            <a:extLst>
-              <a:ext uri="{FF2B5EF4-FFF2-40B4-BE49-F238E27FC236}">
-                <a16:creationId xmlns="" xmlns:a16="http://schemas.microsoft.com/office/drawing/2014/main" id="{8468CD79-52F3-4486-B0FC-00CC4BBBBED8}"/>
-              </a:ext>
-            </a:extLst>
-          </p:cNvPr>
-          <p:cNvPicPr>
-            <a:picLocks noChangeAspect="1"/>
-          </p:cNvPicPr>
-          <p:nvPr/>
-        </p:nvPicPr>
-        <p:blipFill>
-          <a:blip r:embed="rId5"/>
-          <a:stretch>
-            <a:fillRect/>
-          </a:stretch>
-        </p:blipFill>
-        <p:spPr>
-          <a:xfrm>
-            <a:off x="2586584" y="3025780"/>
-            <a:ext cx="1324093" cy="1137065"/>
-          </a:xfrm>
-          <a:prstGeom prst="rect">
-            <a:avLst/>
-          </a:prstGeom>
-        </p:spPr>
-      </p:pic>
-      <p:sp>
-        <p:nvSpPr>
-          <p:cNvPr id="19" name="Rectangle 18">
-            <a:extLst>
-              <a:ext uri="{FF2B5EF4-FFF2-40B4-BE49-F238E27FC236}">
-                <a16:creationId xmlns="" xmlns:a16="http://schemas.microsoft.com/office/drawing/2014/main" id="{F194B09D-0ECE-44CC-A5B3-2C6E893620F2}"/>
-              </a:ext>
-            </a:extLst>
-          </p:cNvPr>
-          <p:cNvSpPr/>
-          <p:nvPr/>
-        </p:nvSpPr>
-        <p:spPr>
-          <a:xfrm>
-            <a:off x="2988377" y="5078653"/>
-            <a:ext cx="520505" cy="194783"/>
-          </a:xfrm>
-          <a:prstGeom prst="rect">
-            <a:avLst/>
-          </a:prstGeom>
-        </p:spPr>
-        <p:style>
-          <a:lnRef idx="2">
-            <a:schemeClr val="accent1">
-              <a:shade val="50000"/>
-            </a:schemeClr>
-          </a:lnRef>
-          <a:fillRef idx="1">
-            <a:schemeClr val="accent1"/>
-          </a:fillRef>
-          <a:effectRef idx="0">
-            <a:schemeClr val="accent1"/>
-          </a:effectRef>
-          <a:fontRef idx="minor">
-            <a:schemeClr val="lt1"/>
-          </a:fontRef>
-        </p:style>
-        <p:txBody>
-          <a:bodyPr rtlCol="0" anchor="ctr"/>
-          <a:lstStyle/>
-          <a:p>
-            <a:pPr algn="ctr"/>
-            <a:endParaRPr lang="en-GB"/>
-          </a:p>
-        </p:txBody>
-      </p:sp>
-      <p:cxnSp>
-        <p:nvCxnSpPr>
-          <p:cNvPr id="22" name="Straight Arrow Connector 21">
-            <a:extLst>
-              <a:ext uri="{FF2B5EF4-FFF2-40B4-BE49-F238E27FC236}">
-                <a16:creationId xmlns="" xmlns:a16="http://schemas.microsoft.com/office/drawing/2014/main" id="{D83AAF9A-449F-4C05-B974-BA847768F2C0}"/>
-              </a:ext>
-            </a:extLst>
-          </p:cNvPr>
-          <p:cNvCxnSpPr/>
-          <p:nvPr/>
-        </p:nvCxnSpPr>
-        <p:spPr>
-          <a:xfrm>
-            <a:off x="5181970" y="5565914"/>
-            <a:ext cx="914030" cy="0"/>
-          </a:xfrm>
-          <a:prstGeom prst="straightConnector1">
-            <a:avLst/>
-          </a:prstGeom>
-          <a:ln>
-            <a:tailEnd type="triangle"/>
-          </a:ln>
-        </p:spPr>
-        <p:style>
-          <a:lnRef idx="3">
-            <a:schemeClr val="accent1"/>
-          </a:lnRef>
-          <a:fillRef idx="0">
-            <a:schemeClr val="accent1"/>
-          </a:fillRef>
-          <a:effectRef idx="2">
-            <a:schemeClr val="accent1"/>
-          </a:effectRef>
-          <a:fontRef idx="minor">
-            <a:schemeClr val="tx1"/>
-          </a:fontRef>
-        </p:style>
-      </p:cxnSp>
-      <p:cxnSp>
-        <p:nvCxnSpPr>
-          <p:cNvPr id="24" name="Straight Arrow Connector 23">
-            <a:extLst>
-              <a:ext uri="{FF2B5EF4-FFF2-40B4-BE49-F238E27FC236}">
-                <a16:creationId xmlns="" xmlns:a16="http://schemas.microsoft.com/office/drawing/2014/main" id="{719B08D8-6FE4-4B61-B956-685F61FC7230}"/>
-              </a:ext>
-            </a:extLst>
-          </p:cNvPr>
-          <p:cNvCxnSpPr/>
-          <p:nvPr/>
-        </p:nvCxnSpPr>
-        <p:spPr>
-          <a:xfrm>
-            <a:off x="7959144" y="5552661"/>
-            <a:ext cx="634387" cy="0"/>
-          </a:xfrm>
-          <a:prstGeom prst="straightConnector1">
-            <a:avLst/>
-          </a:prstGeom>
-          <a:ln>
-            <a:tailEnd type="triangle"/>
-          </a:ln>
-        </p:spPr>
-        <p:style>
-          <a:lnRef idx="3">
-            <a:schemeClr val="accent1"/>
-          </a:lnRef>
-          <a:fillRef idx="0">
-            <a:schemeClr val="accent1"/>
-          </a:fillRef>
-          <a:effectRef idx="2">
-            <a:schemeClr val="accent1"/>
-          </a:effectRef>
-          <a:fontRef idx="minor">
-            <a:schemeClr val="tx1"/>
-          </a:fontRef>
-        </p:style>
-      </p:cxnSp>
-      <p:sp>
-        <p:nvSpPr>
-          <p:cNvPr id="26" name="Content Placeholder 2">
-            <a:extLst>
-              <a:ext uri="{FF2B5EF4-FFF2-40B4-BE49-F238E27FC236}">
-                <a16:creationId xmlns="" xmlns:a16="http://schemas.microsoft.com/office/drawing/2014/main" id="{B48E16F9-EBB4-4164-AC5D-C60038019D70}"/>
-              </a:ext>
-            </a:extLst>
-          </p:cNvPr>
-          <p:cNvSpPr>
-            <a:spLocks noGrp="1"/>
-          </p:cNvSpPr>
-          <p:nvPr>
-            <p:ph idx="1"/>
-          </p:nvPr>
-        </p:nvSpPr>
-        <p:spPr>
-          <a:xfrm>
-            <a:off x="1048646" y="1084095"/>
-            <a:ext cx="9905999" cy="1863765"/>
-          </a:xfrm>
-        </p:spPr>
-        <p:txBody>
-          <a:bodyPr>
-            <a:normAutofit fontScale="85000" lnSpcReduction="10000"/>
-          </a:bodyPr>
-          <a:lstStyle/>
-          <a:p>
-            <a:r>
-              <a:rPr lang="en-US" dirty="0"/>
-              <a:t>Development of an eye gesture controlled software</a:t>
-            </a:r>
-          </a:p>
-          <a:p>
-            <a:r>
-              <a:rPr lang="en-US" dirty="0"/>
-              <a:t>Interfacing of hardware and software</a:t>
-            </a:r>
-          </a:p>
-          <a:p>
-            <a:r>
-              <a:rPr lang="en-US" dirty="0"/>
-              <a:t>Development of an integrated system which can make patient independent to some </a:t>
-            </a:r>
-            <a:r>
-              <a:rPr lang="en-US" dirty="0" smtClean="0"/>
-              <a:t>extent</a:t>
-            </a:r>
-          </a:p>
-          <a:p>
-            <a:r>
-              <a:rPr lang="en-US" dirty="0" smtClean="0"/>
-              <a:t>Applying the project on a paralyzed patient </a:t>
-            </a:r>
-            <a:endParaRPr lang="en-US" dirty="0"/>
-          </a:p>
-          <a:p>
-            <a:endParaRPr lang="en-US" dirty="0"/>
-          </a:p>
-        </p:txBody>
-      </p:sp>
-      <p:pic>
-        <p:nvPicPr>
-          <p:cNvPr id="2063" name="Picture 15" descr="Image result for iot png">
-            <a:hlinkClick r:id="rId6"/>
-            <a:extLst>
-              <a:ext uri="{FF2B5EF4-FFF2-40B4-BE49-F238E27FC236}">
-                <a16:creationId xmlns="" xmlns:a16="http://schemas.microsoft.com/office/drawing/2014/main" id="{885E65C6-BD27-4946-A22C-502F999E43E8}"/>
-              </a:ext>
-            </a:extLst>
-          </p:cNvPr>
-          <p:cNvPicPr>
-            <a:picLocks noChangeAspect="1" noChangeArrowheads="1"/>
-          </p:cNvPicPr>
-          <p:nvPr/>
-        </p:nvPicPr>
-        <p:blipFill>
-          <a:blip r:embed="rId7">
-            <a:extLst>
-              <a:ext uri="{28A0092B-C50C-407E-A947-70E740481C1C}">
-                <a14:useLocalDpi xmlns:a14="http://schemas.microsoft.com/office/drawing/2010/main" val="0"/>
-              </a:ext>
-            </a:extLst>
-          </a:blip>
-          <a:srcRect/>
-          <a:stretch>
-            <a:fillRect/>
-          </a:stretch>
-        </p:blipFill>
-        <p:spPr bwMode="auto">
-          <a:xfrm>
-            <a:off x="8680370" y="4998211"/>
-            <a:ext cx="2758859" cy="1355359"/>
-          </a:xfrm>
-          <a:prstGeom prst="rect">
-            <a:avLst/>
-          </a:prstGeom>
-          <a:noFill/>
-          <a:extLst>
-            <a:ext uri="{909E8E84-426E-40DD-AFC4-6F175D3DCCD1}">
-              <a14:hiddenFill xmlns:a14="http://schemas.microsoft.com/office/drawing/2010/main">
-                <a:solidFill>
-                  <a:srgbClr val="FFFFFF"/>
-                </a:solidFill>
-              </a14:hiddenFill>
-            </a:ext>
-          </a:extLst>
-        </p:spPr>
-      </p:pic>
-      <p:sp>
-        <p:nvSpPr>
-          <p:cNvPr id="30" name="Title 1">
-            <a:extLst>
-              <a:ext uri="{FF2B5EF4-FFF2-40B4-BE49-F238E27FC236}">
-                <a16:creationId xmlns="" xmlns:a16="http://schemas.microsoft.com/office/drawing/2014/main" id="{C54247B1-4D74-4D45-BCFB-6429896120FE}"/>
-              </a:ext>
-            </a:extLst>
-          </p:cNvPr>
-          <p:cNvSpPr>
-            <a:spLocks noGrp="1"/>
-          </p:cNvSpPr>
-          <p:nvPr>
-            <p:ph type="title"/>
-          </p:nvPr>
-        </p:nvSpPr>
-        <p:spPr>
-          <a:xfrm>
-            <a:off x="1143001" y="-113094"/>
-            <a:ext cx="9905998" cy="1478570"/>
-          </a:xfrm>
-        </p:spPr>
-        <p:txBody>
-          <a:bodyPr/>
-          <a:lstStyle/>
-          <a:p>
-            <a:r>
-              <a:rPr lang="en-US" u="sng" dirty="0"/>
-              <a:t>Milestones</a:t>
-            </a:r>
-            <a:r>
-              <a:rPr lang="en-GB" dirty="0"/>
-              <a:t> </a:t>
-            </a:r>
-          </a:p>
-        </p:txBody>
-      </p:sp>
-      <p:pic>
-        <p:nvPicPr>
-          <p:cNvPr id="12" name="Picture 11" descr="Image result for arduino uno"/>
-          <p:cNvPicPr/>
-          <p:nvPr/>
-        </p:nvPicPr>
-        <p:blipFill>
-          <a:blip r:embed="rId8">
-            <a:extLst>
-              <a:ext uri="{28A0092B-C50C-407E-A947-70E740481C1C}">
-                <a14:useLocalDpi xmlns:a14="http://schemas.microsoft.com/office/drawing/2010/main" val="0"/>
-              </a:ext>
-            </a:extLst>
-          </a:blip>
-          <a:srcRect/>
-          <a:stretch>
-            <a:fillRect/>
-          </a:stretch>
-        </p:blipFill>
-        <p:spPr bwMode="auto">
-          <a:xfrm>
-            <a:off x="6182839" y="4947673"/>
-            <a:ext cx="1611751" cy="1236482"/>
-          </a:xfrm>
-          <a:prstGeom prst="rect">
-            <a:avLst/>
-          </a:prstGeom>
-          <a:noFill/>
-          <a:ln>
-            <a:noFill/>
-          </a:ln>
-        </p:spPr>
-      </p:pic>
-    </p:spTree>
-    <p:extLst>
-      <p:ext uri="{BB962C8B-B14F-4D97-AF65-F5344CB8AC3E}">
-        <p14:creationId xmlns:p14="http://schemas.microsoft.com/office/powerpoint/2010/main" val="957510268"/>
-      </p:ext>
-    </p:extLst>
-  </p:cSld>
-  <p:clrMapOvr>
-    <a:masterClrMapping/>
-  </p:clrMapOvr>
-</p:sld>
-</file>
-
-<file path=ppt/slides/slide12.xml><?xml version="1.0" encoding="utf-8"?>
-<p:sld xmlns:a="http://schemas.openxmlformats.org/drawingml/2006/main" xmlns:r="http://schemas.openxmlformats.org/officeDocument/2006/relationships" xmlns:p="http://schemas.openxmlformats.org/presentationml/2006/main">
-  <p:cSld>
-    <p:spTree>
-      <p:nvGrpSpPr>
-        <p:cNvPr id="1" name=""/>
-        <p:cNvGrpSpPr/>
-        <p:nvPr/>
-      </p:nvGrpSpPr>
-      <p:grpSpPr>
-        <a:xfrm>
-          <a:off x="0" y="0"/>
-          <a:ext cx="0" cy="0"/>
-          <a:chOff x="0" y="0"/>
-          <a:chExt cx="0" cy="0"/>
-        </a:xfrm>
-      </p:grpSpPr>
-      <p:sp>
-        <p:nvSpPr>
-          <p:cNvPr id="2" name="TextBox 1"/>
-          <p:cNvSpPr txBox="1"/>
-          <p:nvPr/>
-        </p:nvSpPr>
-        <p:spPr>
-          <a:xfrm>
-            <a:off x="1661373" y="682580"/>
-            <a:ext cx="8886424" cy="646331"/>
-          </a:xfrm>
-          <a:prstGeom prst="rect">
-            <a:avLst/>
-          </a:prstGeom>
-          <a:noFill/>
-        </p:spPr>
-        <p:txBody>
-          <a:bodyPr wrap="square" rtlCol="0">
-            <a:spAutoFit/>
-          </a:bodyPr>
-          <a:lstStyle/>
-          <a:p>
-            <a:r>
-              <a:rPr lang="en-GB" sz="3600" u="sng" cap="all" dirty="0">
-                <a:latin typeface="+mj-lt"/>
-                <a:ea typeface="+mj-ea"/>
-                <a:cs typeface="+mj-cs"/>
-              </a:rPr>
-              <a:t>APPLICATION OF THE PROJECT ON A PATIENT</a:t>
-            </a:r>
-          </a:p>
-        </p:txBody>
-      </p:sp>
-    </p:spTree>
-    <p:extLst>
-      <p:ext uri="{BB962C8B-B14F-4D97-AF65-F5344CB8AC3E}">
-        <p14:creationId xmlns:p14="http://schemas.microsoft.com/office/powerpoint/2010/main" val="119463325"/>
-      </p:ext>
-    </p:extLst>
-  </p:cSld>
-  <p:clrMapOvr>
-    <a:masterClrMapping/>
-  </p:clrMapOvr>
-  <p:timing>
-    <p:tnLst>
-      <p:par>
-        <p:cTn id="1" dur="indefinite" restart="never" nodeType="tmRoot"/>
-      </p:par>
-    </p:tnLst>
-  </p:timing>
-</p:sld>
-</file>
-
-<file path=ppt/slides/slide13.xml><?xml version="1.0" encoding="utf-8"?>
-<p:sld xmlns:a="http://schemas.openxmlformats.org/drawingml/2006/main" xmlns:r="http://schemas.openxmlformats.org/officeDocument/2006/relationships" xmlns:p="http://schemas.openxmlformats.org/presentationml/2006/main">
-  <p:cSld>
-    <p:spTree>
-      <p:nvGrpSpPr>
-        <p:cNvPr id="1" name=""/>
-        <p:cNvGrpSpPr/>
-        <p:nvPr/>
-      </p:nvGrpSpPr>
-      <p:grpSpPr>
-        <a:xfrm>
-          <a:off x="0" y="0"/>
-          <a:ext cx="0" cy="0"/>
-          <a:chOff x="0" y="0"/>
-          <a:chExt cx="0" cy="0"/>
-        </a:xfrm>
-      </p:grpSpPr>
-      <p:sp>
-        <p:nvSpPr>
-          <p:cNvPr id="7" name="TextBox 6"/>
-          <p:cNvSpPr txBox="1"/>
-          <p:nvPr/>
-        </p:nvSpPr>
-        <p:spPr>
-          <a:xfrm>
-            <a:off x="2773904" y="334850"/>
-            <a:ext cx="6287875" cy="523220"/>
-          </a:xfrm>
-          <a:prstGeom prst="rect">
-            <a:avLst/>
-          </a:prstGeom>
-          <a:noFill/>
-        </p:spPr>
-        <p:txBody>
-          <a:bodyPr wrap="none" rtlCol="0">
-            <a:spAutoFit/>
-          </a:bodyPr>
-          <a:lstStyle/>
-          <a:p>
-            <a:pPr algn="ctr"/>
-            <a:r>
-              <a:rPr lang="en-GB" sz="2800" u="sng" dirty="0" smtClean="0"/>
-              <a:t>FUTURE SCOPE AND RECOMMENDATION </a:t>
-            </a:r>
-            <a:endParaRPr lang="en-GB" sz="2800" u="sng" dirty="0"/>
-          </a:p>
-        </p:txBody>
-      </p:sp>
-      <p:sp>
-        <p:nvSpPr>
-          <p:cNvPr id="8" name="TextBox 7"/>
-          <p:cNvSpPr txBox="1"/>
-          <p:nvPr/>
-        </p:nvSpPr>
-        <p:spPr>
-          <a:xfrm>
-            <a:off x="1803041" y="1236372"/>
-            <a:ext cx="8229600" cy="2554545"/>
-          </a:xfrm>
-          <a:prstGeom prst="rect">
-            <a:avLst/>
-          </a:prstGeom>
-          <a:noFill/>
-        </p:spPr>
-        <p:txBody>
-          <a:bodyPr wrap="square" rtlCol="0">
-            <a:spAutoFit/>
-          </a:bodyPr>
-          <a:lstStyle/>
-          <a:p>
-            <a:pPr algn="ctr"/>
-            <a:r>
-              <a:rPr lang="en-GB" sz="2000" dirty="0"/>
-              <a:t>A</a:t>
-            </a:r>
-            <a:r>
-              <a:rPr lang="en-GB" sz="2000" dirty="0" smtClean="0"/>
-              <a:t>n </a:t>
-            </a:r>
-            <a:r>
-              <a:rPr lang="en-GB" sz="2000" dirty="0"/>
-              <a:t>addition of an IR led and IR detector will enhance the </a:t>
-            </a:r>
-          </a:p>
-          <a:p>
-            <a:pPr algn="ctr"/>
-            <a:r>
-              <a:rPr lang="en-GB" sz="2000" dirty="0"/>
-              <a:t>accuracy of this device. This would eliminate the requirement of brightness </a:t>
-            </a:r>
-            <a:r>
-              <a:rPr lang="en-GB" sz="2000" dirty="0" smtClean="0"/>
-              <a:t>in </a:t>
-            </a:r>
-            <a:r>
-              <a:rPr lang="en-GB" sz="2000" dirty="0"/>
-              <a:t>the room, making the controlling more comfortable. The working principle </a:t>
-            </a:r>
-            <a:r>
-              <a:rPr lang="en-GB" sz="2000" dirty="0" smtClean="0"/>
-              <a:t>of </a:t>
-            </a:r>
-            <a:r>
-              <a:rPr lang="en-GB" sz="2000" dirty="0"/>
-              <a:t>IR Led is that it emits infra-red spots in a dispersed manner, those rays then </a:t>
-            </a:r>
-            <a:r>
-              <a:rPr lang="en-GB" sz="2000" dirty="0" smtClean="0"/>
-              <a:t>reflect </a:t>
-            </a:r>
-            <a:r>
-              <a:rPr lang="en-GB" sz="2000" dirty="0"/>
-              <a:t>back from any obstacle in front and hence can calculate the depth </a:t>
-            </a:r>
-            <a:r>
-              <a:rPr lang="en-GB" sz="2000" dirty="0" smtClean="0"/>
-              <a:t>of </a:t>
-            </a:r>
-            <a:r>
-              <a:rPr lang="en-GB" sz="2000" dirty="0"/>
-              <a:t>the objects as well. This technique can be used to map the image </a:t>
-            </a:r>
-            <a:r>
-              <a:rPr lang="en-GB" sz="2000" dirty="0" smtClean="0"/>
-              <a:t>of patient’s </a:t>
-            </a:r>
-            <a:r>
-              <a:rPr lang="en-GB" sz="2000" dirty="0"/>
-              <a:t>eye into 3d space making eye recognition much </a:t>
-            </a:r>
-            <a:r>
-              <a:rPr lang="en-GB" sz="2000" dirty="0" smtClean="0"/>
-              <a:t>easier. </a:t>
-            </a:r>
-            <a:r>
-              <a:rPr lang="en-GB" sz="2000" dirty="0"/>
-              <a:t>Moreover we can make </a:t>
-            </a:r>
-            <a:r>
-              <a:rPr lang="en-GB" sz="2000" dirty="0" smtClean="0"/>
-              <a:t>glasses with fixed </a:t>
-            </a:r>
-            <a:r>
-              <a:rPr lang="en-GB" sz="2000" dirty="0"/>
-              <a:t>IR </a:t>
-            </a:r>
-            <a:r>
-              <a:rPr lang="en-GB" sz="2000" dirty="0" smtClean="0"/>
-              <a:t>camera giving more flexibility.</a:t>
-            </a:r>
-            <a:endParaRPr lang="en-GB" sz="2000" dirty="0"/>
-          </a:p>
-        </p:txBody>
-      </p:sp>
-      <p:pic>
-        <p:nvPicPr>
-          <p:cNvPr id="2" name="Picture 1" descr="Screen Clipping"/>
-          <p:cNvPicPr>
-            <a:picLocks noChangeAspect="1"/>
-          </p:cNvPicPr>
-          <p:nvPr/>
-        </p:nvPicPr>
-        <p:blipFill>
-          <a:blip r:embed="rId2">
-            <a:extLst>
-              <a:ext uri="{28A0092B-C50C-407E-A947-70E740481C1C}">
-                <a14:useLocalDpi xmlns:a14="http://schemas.microsoft.com/office/drawing/2010/main" val="0"/>
-              </a:ext>
-            </a:extLst>
-          </a:blip>
-          <a:stretch>
-            <a:fillRect/>
-          </a:stretch>
-        </p:blipFill>
-        <p:spPr>
-          <a:xfrm>
-            <a:off x="1454826" y="4169219"/>
-            <a:ext cx="4042111" cy="2197217"/>
-          </a:xfrm>
-          <a:prstGeom prst="rect">
-            <a:avLst/>
-          </a:prstGeom>
-        </p:spPr>
-      </p:pic>
-      <p:pic>
-        <p:nvPicPr>
-          <p:cNvPr id="3" name="Picture 2" descr="Screen Clipping"/>
-          <p:cNvPicPr>
-            <a:picLocks noChangeAspect="1"/>
-          </p:cNvPicPr>
-          <p:nvPr/>
-        </p:nvPicPr>
-        <p:blipFill>
-          <a:blip r:embed="rId3">
-            <a:extLst>
-              <a:ext uri="{28A0092B-C50C-407E-A947-70E740481C1C}">
-                <a14:useLocalDpi xmlns:a14="http://schemas.microsoft.com/office/drawing/2010/main" val="0"/>
-              </a:ext>
-            </a:extLst>
-          </a:blip>
-          <a:stretch>
-            <a:fillRect/>
-          </a:stretch>
-        </p:blipFill>
-        <p:spPr>
-          <a:xfrm>
-            <a:off x="6652009" y="4496194"/>
-            <a:ext cx="3781953" cy="1543265"/>
-          </a:xfrm>
-          <a:prstGeom prst="rect">
-            <a:avLst/>
-          </a:prstGeom>
-        </p:spPr>
-      </p:pic>
-    </p:spTree>
-    <p:extLst>
-      <p:ext uri="{BB962C8B-B14F-4D97-AF65-F5344CB8AC3E}">
-        <p14:creationId xmlns:p14="http://schemas.microsoft.com/office/powerpoint/2010/main" val="332034535"/>
-      </p:ext>
-    </p:extLst>
-  </p:cSld>
-  <p:clrMapOvr>
-    <a:masterClrMapping/>
-  </p:clrMapOvr>
-</p:sld>
-</file>
-
-<file path=ppt/slides/slide14.xml><?xml version="1.0" encoding="utf-8"?>
-<p:sld xmlns:a="http://schemas.openxmlformats.org/drawingml/2006/main" xmlns:r="http://schemas.openxmlformats.org/officeDocument/2006/relationships" xmlns:p="http://schemas.openxmlformats.org/presentationml/2006/main">
-  <p:cSld>
-    <p:spTree>
-      <p:nvGrpSpPr>
-        <p:cNvPr id="1" name=""/>
-        <p:cNvGrpSpPr/>
-        <p:nvPr/>
-      </p:nvGrpSpPr>
-      <p:grpSpPr>
-        <a:xfrm>
-          <a:off x="0" y="0"/>
-          <a:ext cx="0" cy="0"/>
-          <a:chOff x="0" y="0"/>
-          <a:chExt cx="0" cy="0"/>
-        </a:xfrm>
-      </p:grpSpPr>
-      <p:sp>
-        <p:nvSpPr>
-          <p:cNvPr id="2" name="Title 1">
-            <a:extLst>
-              <a:ext uri="{FF2B5EF4-FFF2-40B4-BE49-F238E27FC236}">
-                <a16:creationId xmlns="" xmlns:a16="http://schemas.microsoft.com/office/drawing/2014/main" id="{8CE215CA-62DA-40C1-9DC8-C756538F70C6}"/>
-              </a:ext>
-            </a:extLst>
-          </p:cNvPr>
-          <p:cNvSpPr>
-            <a:spLocks noGrp="1"/>
-          </p:cNvSpPr>
-          <p:nvPr>
-            <p:ph type="title"/>
-          </p:nvPr>
-        </p:nvSpPr>
-        <p:spPr>
-          <a:xfrm>
-            <a:off x="1143001" y="104168"/>
-            <a:ext cx="9905998" cy="1478570"/>
-          </a:xfrm>
-        </p:spPr>
-        <p:txBody>
-          <a:bodyPr/>
-          <a:lstStyle/>
-          <a:p>
-            <a:r>
-              <a:rPr lang="en-GB" dirty="0"/>
-              <a:t>Conclusion </a:t>
-            </a:r>
-          </a:p>
-        </p:txBody>
-      </p:sp>
-      <p:graphicFrame>
-        <p:nvGraphicFramePr>
-          <p:cNvPr id="4" name="Table 3">
-            <a:extLst>
-              <a:ext uri="{FF2B5EF4-FFF2-40B4-BE49-F238E27FC236}">
-                <a16:creationId xmlns="" xmlns:a16="http://schemas.microsoft.com/office/drawing/2014/main" id="{DE7604B1-86EB-4B69-90BA-651B47678A82}"/>
-              </a:ext>
-            </a:extLst>
-          </p:cNvPr>
-          <p:cNvGraphicFramePr>
-            <a:graphicFrameLocks noGrp="1"/>
-          </p:cNvGraphicFramePr>
-          <p:nvPr>
-            <p:extLst>
-              <p:ext uri="{D42A27DB-BD31-4B8C-83A1-F6EECF244321}">
-                <p14:modId xmlns:p14="http://schemas.microsoft.com/office/powerpoint/2010/main" val="2974780539"/>
-              </p:ext>
-            </p:extLst>
-          </p:nvPr>
-        </p:nvGraphicFramePr>
-        <p:xfrm>
-          <a:off x="1404730" y="1417984"/>
-          <a:ext cx="9183758" cy="4820583"/>
-        </p:xfrm>
-        <a:graphic>
-          <a:graphicData uri="http://schemas.openxmlformats.org/drawingml/2006/table">
-            <a:tbl>
-              <a:tblPr firstRow="1" firstCol="1" bandRow="1">
-                <a:tableStyleId>{BC89EF96-8CEA-46FF-86C4-4CE0E7609802}</a:tableStyleId>
-              </a:tblPr>
-              <a:tblGrid>
-                <a:gridCol w="1091878">
-                  <a:extLst>
-                    <a:ext uri="{9D8B030D-6E8A-4147-A177-3AD203B41FA5}">
-                      <a16:colId xmlns="" xmlns:a16="http://schemas.microsoft.com/office/drawing/2014/main" val="3416346633"/>
-                    </a:ext>
-                  </a:extLst>
-                </a:gridCol>
-                <a:gridCol w="274661">
-                  <a:extLst>
-                    <a:ext uri="{9D8B030D-6E8A-4147-A177-3AD203B41FA5}">
-                      <a16:colId xmlns="" xmlns:a16="http://schemas.microsoft.com/office/drawing/2014/main" val="4009052321"/>
-                    </a:ext>
-                  </a:extLst>
-                </a:gridCol>
-                <a:gridCol w="411025">
-                  <a:extLst>
-                    <a:ext uri="{9D8B030D-6E8A-4147-A177-3AD203B41FA5}">
-                      <a16:colId xmlns="" xmlns:a16="http://schemas.microsoft.com/office/drawing/2014/main" val="265843753"/>
-                    </a:ext>
-                  </a:extLst>
-                </a:gridCol>
-                <a:gridCol w="274661">
-                  <a:extLst>
-                    <a:ext uri="{9D8B030D-6E8A-4147-A177-3AD203B41FA5}">
-                      <a16:colId xmlns="" xmlns:a16="http://schemas.microsoft.com/office/drawing/2014/main" val="2294888693"/>
-                    </a:ext>
-                  </a:extLst>
-                </a:gridCol>
-                <a:gridCol w="411025">
-                  <a:extLst>
-                    <a:ext uri="{9D8B030D-6E8A-4147-A177-3AD203B41FA5}">
-                      <a16:colId xmlns="" xmlns:a16="http://schemas.microsoft.com/office/drawing/2014/main" val="2095645465"/>
-                    </a:ext>
-                  </a:extLst>
-                </a:gridCol>
-                <a:gridCol w="411025">
-                  <a:extLst>
-                    <a:ext uri="{9D8B030D-6E8A-4147-A177-3AD203B41FA5}">
-                      <a16:colId xmlns="" xmlns:a16="http://schemas.microsoft.com/office/drawing/2014/main" val="4215773624"/>
-                    </a:ext>
-                  </a:extLst>
-                </a:gridCol>
-                <a:gridCol w="411025">
-                  <a:extLst>
-                    <a:ext uri="{9D8B030D-6E8A-4147-A177-3AD203B41FA5}">
-                      <a16:colId xmlns="" xmlns:a16="http://schemas.microsoft.com/office/drawing/2014/main" val="1570872517"/>
-                    </a:ext>
-                  </a:extLst>
-                </a:gridCol>
-                <a:gridCol w="411994">
-                  <a:extLst>
-                    <a:ext uri="{9D8B030D-6E8A-4147-A177-3AD203B41FA5}">
-                      <a16:colId xmlns="" xmlns:a16="http://schemas.microsoft.com/office/drawing/2014/main" val="3788020107"/>
-                    </a:ext>
-                  </a:extLst>
-                </a:gridCol>
-                <a:gridCol w="411025">
-                  <a:extLst>
-                    <a:ext uri="{9D8B030D-6E8A-4147-A177-3AD203B41FA5}">
-                      <a16:colId xmlns="" xmlns:a16="http://schemas.microsoft.com/office/drawing/2014/main" val="3476405101"/>
-                    </a:ext>
-                  </a:extLst>
-                </a:gridCol>
-                <a:gridCol w="411025">
-                  <a:extLst>
-                    <a:ext uri="{9D8B030D-6E8A-4147-A177-3AD203B41FA5}">
-                      <a16:colId xmlns="" xmlns:a16="http://schemas.microsoft.com/office/drawing/2014/main" val="3418485786"/>
-                    </a:ext>
-                  </a:extLst>
-                </a:gridCol>
-                <a:gridCol w="411025">
-                  <a:extLst>
-                    <a:ext uri="{9D8B030D-6E8A-4147-A177-3AD203B41FA5}">
-                      <a16:colId xmlns="" xmlns:a16="http://schemas.microsoft.com/office/drawing/2014/main" val="3147414797"/>
-                    </a:ext>
-                  </a:extLst>
-                </a:gridCol>
-                <a:gridCol w="411994">
-                  <a:extLst>
-                    <a:ext uri="{9D8B030D-6E8A-4147-A177-3AD203B41FA5}">
-                      <a16:colId xmlns="" xmlns:a16="http://schemas.microsoft.com/office/drawing/2014/main" val="2205773604"/>
-                    </a:ext>
-                  </a:extLst>
-                </a:gridCol>
-                <a:gridCol w="411025">
-                  <a:extLst>
-                    <a:ext uri="{9D8B030D-6E8A-4147-A177-3AD203B41FA5}">
-                      <a16:colId xmlns="" xmlns:a16="http://schemas.microsoft.com/office/drawing/2014/main" val="2647079751"/>
-                    </a:ext>
-                  </a:extLst>
-                </a:gridCol>
-                <a:gridCol w="411025">
-                  <a:extLst>
-                    <a:ext uri="{9D8B030D-6E8A-4147-A177-3AD203B41FA5}">
-                      <a16:colId xmlns="" xmlns:a16="http://schemas.microsoft.com/office/drawing/2014/main" val="8928870"/>
-                    </a:ext>
-                  </a:extLst>
-                </a:gridCol>
-                <a:gridCol w="411025">
-                  <a:extLst>
-                    <a:ext uri="{9D8B030D-6E8A-4147-A177-3AD203B41FA5}">
-                      <a16:colId xmlns="" xmlns:a16="http://schemas.microsoft.com/office/drawing/2014/main" val="2945772177"/>
-                    </a:ext>
-                  </a:extLst>
-                </a:gridCol>
-                <a:gridCol w="411994">
-                  <a:extLst>
-                    <a:ext uri="{9D8B030D-6E8A-4147-A177-3AD203B41FA5}">
-                      <a16:colId xmlns="" xmlns:a16="http://schemas.microsoft.com/office/drawing/2014/main" val="3568961381"/>
-                    </a:ext>
-                  </a:extLst>
-                </a:gridCol>
-                <a:gridCol w="551257">
-                  <a:extLst>
-                    <a:ext uri="{9D8B030D-6E8A-4147-A177-3AD203B41FA5}">
-                      <a16:colId xmlns="" xmlns:a16="http://schemas.microsoft.com/office/drawing/2014/main" val="3906629877"/>
-                    </a:ext>
-                  </a:extLst>
-                </a:gridCol>
-                <a:gridCol w="411025">
-                  <a:extLst>
-                    <a:ext uri="{9D8B030D-6E8A-4147-A177-3AD203B41FA5}">
-                      <a16:colId xmlns="" xmlns:a16="http://schemas.microsoft.com/office/drawing/2014/main" val="1501826357"/>
-                    </a:ext>
-                  </a:extLst>
-                </a:gridCol>
-                <a:gridCol w="411025">
-                  <a:extLst>
-                    <a:ext uri="{9D8B030D-6E8A-4147-A177-3AD203B41FA5}">
-                      <a16:colId xmlns="" xmlns:a16="http://schemas.microsoft.com/office/drawing/2014/main" val="2808603986"/>
-                    </a:ext>
-                  </a:extLst>
-                </a:gridCol>
-                <a:gridCol w="411025">
-                  <a:extLst>
-                    <a:ext uri="{9D8B030D-6E8A-4147-A177-3AD203B41FA5}">
-                      <a16:colId xmlns="" xmlns:a16="http://schemas.microsoft.com/office/drawing/2014/main" val="3447305260"/>
-                    </a:ext>
-                  </a:extLst>
-                </a:gridCol>
-                <a:gridCol w="411994">
-                  <a:extLst>
-                    <a:ext uri="{9D8B030D-6E8A-4147-A177-3AD203B41FA5}">
-                      <a16:colId xmlns="" xmlns:a16="http://schemas.microsoft.com/office/drawing/2014/main" val="3683908153"/>
-                    </a:ext>
-                  </a:extLst>
-                </a:gridCol>
-              </a:tblGrid>
-              <a:tr h="381390">
-                <a:tc>
-                  <a:txBody>
-                    <a:bodyPr/>
-                    <a:lstStyle/>
-                    <a:p>
-                      <a:pPr algn="ctr">
-                        <a:lnSpc>
-                          <a:spcPct val="150000"/>
-                        </a:lnSpc>
-                        <a:spcAft>
-                          <a:spcPts val="0"/>
-                        </a:spcAft>
-                      </a:pPr>
-                      <a:r>
-                        <a:rPr lang="en-US" sz="1000">
-                          <a:effectLst/>
-                        </a:rPr>
-                        <a:t>Tasks</a:t>
-                      </a:r>
-                      <a:endParaRPr lang="en-GB" sz="900">
-                        <a:effectLst/>
-                        <a:latin typeface="Arial" panose="020B0604020202020204" pitchFamily="34" charset="0"/>
-                        <a:ea typeface="Times New Roman" panose="02020603050405020304" pitchFamily="18" charset="0"/>
-                        <a:cs typeface="Times New Roman" panose="02020603050405020304" pitchFamily="18" charset="0"/>
-                      </a:endParaRPr>
-                    </a:p>
-                  </a:txBody>
-                  <a:tcPr marL="65005" marR="65005" marT="0" marB="0"/>
-                </a:tc>
-                <a:tc gridSpan="2">
-                  <a:txBody>
-                    <a:bodyPr/>
-                    <a:lstStyle/>
-                    <a:p>
-                      <a:pPr algn="ctr">
-                        <a:lnSpc>
-                          <a:spcPct val="150000"/>
-                        </a:lnSpc>
-                        <a:spcAft>
-                          <a:spcPts val="0"/>
-                        </a:spcAft>
-                      </a:pPr>
-                      <a:r>
-                        <a:rPr lang="en-US" sz="1000" dirty="0">
-                          <a:effectLst/>
-                          <a:latin typeface="Arial" panose="020B0604020202020204" pitchFamily="34" charset="0"/>
-                          <a:ea typeface="Times New Roman" panose="02020603050405020304" pitchFamily="18" charset="0"/>
-                          <a:cs typeface="Times New Roman" panose="02020603050405020304" pitchFamily="18" charset="0"/>
-                        </a:rPr>
-                        <a:t>NOV</a:t>
-                      </a:r>
-                      <a:endParaRPr lang="en-GB" sz="900" dirty="0">
-                        <a:effectLst/>
-                        <a:latin typeface="Arial" panose="020B0604020202020204" pitchFamily="34" charset="0"/>
-                        <a:ea typeface="Times New Roman" panose="02020603050405020304" pitchFamily="18" charset="0"/>
-                        <a:cs typeface="Times New Roman" panose="02020603050405020304" pitchFamily="18" charset="0"/>
-                      </a:endParaRPr>
-                    </a:p>
-                  </a:txBody>
-                  <a:tcPr marL="65005" marR="65005" marT="0" marB="0"/>
-                </a:tc>
-                <a:tc hMerge="1">
-                  <a:txBody>
-                    <a:bodyPr/>
-                    <a:lstStyle/>
-                    <a:p>
-                      <a:endParaRPr lang="en-GB"/>
-                    </a:p>
-                  </a:txBody>
-                  <a:tcPr/>
-                </a:tc>
-                <a:tc gridSpan="2">
-                  <a:txBody>
-                    <a:bodyPr/>
-                    <a:lstStyle/>
-                    <a:p>
-                      <a:pPr algn="ctr">
-                        <a:lnSpc>
-                          <a:spcPct val="150000"/>
-                        </a:lnSpc>
-                        <a:spcAft>
-                          <a:spcPts val="0"/>
-                        </a:spcAft>
-                      </a:pPr>
-                      <a:r>
-                        <a:rPr lang="en-US" sz="1000" dirty="0">
-                          <a:effectLst/>
-                        </a:rPr>
-                        <a:t>DEC</a:t>
-                      </a:r>
-                      <a:endParaRPr lang="en-GB" sz="900" dirty="0">
-                        <a:effectLst/>
-                        <a:latin typeface="Arial" panose="020B0604020202020204" pitchFamily="34" charset="0"/>
-                        <a:ea typeface="Times New Roman" panose="02020603050405020304" pitchFamily="18" charset="0"/>
-                        <a:cs typeface="Times New Roman" panose="02020603050405020304" pitchFamily="18" charset="0"/>
-                      </a:endParaRPr>
-                    </a:p>
-                  </a:txBody>
-                  <a:tcPr marL="65005" marR="65005" marT="0" marB="0"/>
-                </a:tc>
-                <a:tc hMerge="1">
-                  <a:txBody>
-                    <a:bodyPr/>
-                    <a:lstStyle/>
-                    <a:p>
-                      <a:endParaRPr lang="en-GB"/>
-                    </a:p>
-                  </a:txBody>
-                  <a:tcPr/>
-                </a:tc>
-                <a:tc gridSpan="2">
-                  <a:txBody>
-                    <a:bodyPr/>
-                    <a:lstStyle/>
-                    <a:p>
-                      <a:pPr algn="ctr">
-                        <a:lnSpc>
-                          <a:spcPct val="150000"/>
-                        </a:lnSpc>
-                        <a:spcAft>
-                          <a:spcPts val="0"/>
-                        </a:spcAft>
-                      </a:pPr>
-                      <a:r>
-                        <a:rPr lang="en-US" sz="1000" dirty="0">
-                          <a:effectLst/>
-                        </a:rPr>
-                        <a:t>JAN</a:t>
-                      </a:r>
-                      <a:endParaRPr lang="en-GB" sz="900" dirty="0">
-                        <a:effectLst/>
-                        <a:latin typeface="Arial" panose="020B0604020202020204" pitchFamily="34" charset="0"/>
-                        <a:ea typeface="Times New Roman" panose="02020603050405020304" pitchFamily="18" charset="0"/>
-                        <a:cs typeface="Times New Roman" panose="02020603050405020304" pitchFamily="18" charset="0"/>
-                      </a:endParaRPr>
-                    </a:p>
-                  </a:txBody>
-                  <a:tcPr marL="65005" marR="65005" marT="0" marB="0"/>
-                </a:tc>
-                <a:tc hMerge="1">
-                  <a:txBody>
-                    <a:bodyPr/>
-                    <a:lstStyle/>
-                    <a:p>
-                      <a:endParaRPr lang="en-GB"/>
-                    </a:p>
-                  </a:txBody>
-                  <a:tcPr/>
-                </a:tc>
-                <a:tc gridSpan="2">
-                  <a:txBody>
-                    <a:bodyPr/>
-                    <a:lstStyle/>
-                    <a:p>
-                      <a:pPr algn="ctr">
-                        <a:lnSpc>
-                          <a:spcPct val="150000"/>
-                        </a:lnSpc>
-                        <a:spcAft>
-                          <a:spcPts val="0"/>
-                        </a:spcAft>
-                      </a:pPr>
-                      <a:r>
-                        <a:rPr lang="en-US" sz="1000" dirty="0">
-                          <a:effectLst/>
-                        </a:rPr>
-                        <a:t>FEB</a:t>
-                      </a:r>
-                      <a:endParaRPr lang="en-GB" sz="900" dirty="0">
-                        <a:effectLst/>
-                        <a:latin typeface="Arial" panose="020B0604020202020204" pitchFamily="34" charset="0"/>
-                        <a:ea typeface="Times New Roman" panose="02020603050405020304" pitchFamily="18" charset="0"/>
-                        <a:cs typeface="Times New Roman" panose="02020603050405020304" pitchFamily="18" charset="0"/>
-                      </a:endParaRPr>
-                    </a:p>
-                  </a:txBody>
-                  <a:tcPr marL="65005" marR="65005" marT="0" marB="0"/>
-                </a:tc>
-                <a:tc hMerge="1">
-                  <a:txBody>
-                    <a:bodyPr/>
-                    <a:lstStyle/>
-                    <a:p>
-                      <a:endParaRPr lang="en-GB"/>
-                    </a:p>
-                  </a:txBody>
-                  <a:tcPr/>
-                </a:tc>
-                <a:tc gridSpan="2">
-                  <a:txBody>
-                    <a:bodyPr/>
-                    <a:lstStyle/>
-                    <a:p>
-                      <a:pPr algn="ctr">
-                        <a:lnSpc>
-                          <a:spcPct val="150000"/>
-                        </a:lnSpc>
-                        <a:spcAft>
-                          <a:spcPts val="0"/>
-                        </a:spcAft>
-                      </a:pPr>
-                      <a:r>
-                        <a:rPr lang="en-US" sz="1000" dirty="0">
-                          <a:effectLst/>
-                        </a:rPr>
-                        <a:t>MARCH</a:t>
-                      </a:r>
-                      <a:endParaRPr lang="en-GB" sz="900" dirty="0">
-                        <a:effectLst/>
-                        <a:latin typeface="Arial" panose="020B0604020202020204" pitchFamily="34" charset="0"/>
-                        <a:ea typeface="Times New Roman" panose="02020603050405020304" pitchFamily="18" charset="0"/>
-                        <a:cs typeface="Times New Roman" panose="02020603050405020304" pitchFamily="18" charset="0"/>
-                      </a:endParaRPr>
-                    </a:p>
-                  </a:txBody>
-                  <a:tcPr marL="65005" marR="65005" marT="0" marB="0"/>
-                </a:tc>
-                <a:tc hMerge="1">
-                  <a:txBody>
-                    <a:bodyPr/>
-                    <a:lstStyle/>
-                    <a:p>
-                      <a:endParaRPr lang="en-GB"/>
-                    </a:p>
-                  </a:txBody>
-                  <a:tcPr/>
-                </a:tc>
-                <a:tc gridSpan="2">
-                  <a:txBody>
-                    <a:bodyPr/>
-                    <a:lstStyle/>
-                    <a:p>
-                      <a:pPr algn="ctr">
-                        <a:lnSpc>
-                          <a:spcPct val="150000"/>
-                        </a:lnSpc>
-                        <a:spcAft>
-                          <a:spcPts val="0"/>
-                        </a:spcAft>
-                      </a:pPr>
-                      <a:r>
-                        <a:rPr lang="en-US" sz="1000" dirty="0">
-                          <a:effectLst/>
-                        </a:rPr>
-                        <a:t>APRIL</a:t>
-                      </a:r>
-                      <a:endParaRPr lang="en-GB" sz="900" dirty="0">
-                        <a:effectLst/>
-                        <a:latin typeface="Arial" panose="020B0604020202020204" pitchFamily="34" charset="0"/>
-                        <a:ea typeface="Times New Roman" panose="02020603050405020304" pitchFamily="18" charset="0"/>
-                        <a:cs typeface="Times New Roman" panose="02020603050405020304" pitchFamily="18" charset="0"/>
-                      </a:endParaRPr>
-                    </a:p>
-                  </a:txBody>
-                  <a:tcPr marL="65005" marR="65005" marT="0" marB="0"/>
-                </a:tc>
-                <a:tc hMerge="1">
-                  <a:txBody>
-                    <a:bodyPr/>
-                    <a:lstStyle/>
-                    <a:p>
-                      <a:endParaRPr lang="en-GB"/>
-                    </a:p>
-                  </a:txBody>
-                  <a:tcPr/>
-                </a:tc>
-                <a:tc gridSpan="2">
-                  <a:txBody>
-                    <a:bodyPr/>
-                    <a:lstStyle/>
-                    <a:p>
-                      <a:pPr algn="ctr">
-                        <a:lnSpc>
-                          <a:spcPct val="150000"/>
-                        </a:lnSpc>
-                        <a:spcAft>
-                          <a:spcPts val="0"/>
-                        </a:spcAft>
-                      </a:pPr>
-                      <a:r>
-                        <a:rPr lang="en-US" sz="1000" dirty="0">
-                          <a:effectLst/>
-                        </a:rPr>
-                        <a:t>MAY</a:t>
-                      </a:r>
-                      <a:endParaRPr lang="en-GB" sz="900" dirty="0">
-                        <a:effectLst/>
-                        <a:latin typeface="Arial" panose="020B0604020202020204" pitchFamily="34" charset="0"/>
-                        <a:ea typeface="Times New Roman" panose="02020603050405020304" pitchFamily="18" charset="0"/>
-                        <a:cs typeface="Times New Roman" panose="02020603050405020304" pitchFamily="18" charset="0"/>
-                      </a:endParaRPr>
-                    </a:p>
-                  </a:txBody>
-                  <a:tcPr marL="65005" marR="65005" marT="0" marB="0"/>
-                </a:tc>
-                <a:tc hMerge="1">
-                  <a:txBody>
-                    <a:bodyPr/>
-                    <a:lstStyle/>
-                    <a:p>
-                      <a:endParaRPr lang="en-GB"/>
-                    </a:p>
-                  </a:txBody>
-                  <a:tcPr/>
-                </a:tc>
-                <a:tc gridSpan="2">
-                  <a:txBody>
-                    <a:bodyPr/>
-                    <a:lstStyle/>
-                    <a:p>
-                      <a:pPr algn="ctr">
-                        <a:lnSpc>
-                          <a:spcPct val="150000"/>
-                        </a:lnSpc>
-                        <a:spcAft>
-                          <a:spcPts val="0"/>
-                        </a:spcAft>
-                      </a:pPr>
-                      <a:r>
-                        <a:rPr lang="en-US" sz="1000" dirty="0">
-                          <a:effectLst/>
-                        </a:rPr>
-                        <a:t>JUNE</a:t>
-                      </a:r>
-                      <a:endParaRPr lang="en-GB" sz="900" dirty="0">
-                        <a:effectLst/>
-                        <a:latin typeface="Arial" panose="020B0604020202020204" pitchFamily="34" charset="0"/>
-                        <a:ea typeface="Times New Roman" panose="02020603050405020304" pitchFamily="18" charset="0"/>
-                        <a:cs typeface="Times New Roman" panose="02020603050405020304" pitchFamily="18" charset="0"/>
-                      </a:endParaRPr>
-                    </a:p>
-                  </a:txBody>
-                  <a:tcPr marL="65005" marR="65005" marT="0" marB="0"/>
-                </a:tc>
-                <a:tc hMerge="1">
-                  <a:txBody>
-                    <a:bodyPr/>
-                    <a:lstStyle/>
-                    <a:p>
-                      <a:endParaRPr lang="en-GB"/>
-                    </a:p>
-                  </a:txBody>
-                  <a:tcPr/>
-                </a:tc>
-                <a:tc gridSpan="2">
-                  <a:txBody>
-                    <a:bodyPr/>
-                    <a:lstStyle/>
-                    <a:p>
-                      <a:pPr algn="ctr">
-                        <a:lnSpc>
-                          <a:spcPct val="150000"/>
-                        </a:lnSpc>
-                        <a:spcAft>
-                          <a:spcPts val="0"/>
-                        </a:spcAft>
-                      </a:pPr>
-                      <a:r>
-                        <a:rPr lang="en-US" sz="1000" dirty="0">
-                          <a:effectLst/>
-                        </a:rPr>
-                        <a:t>JULY </a:t>
-                      </a:r>
-                      <a:endParaRPr lang="en-GB" sz="900" dirty="0">
-                        <a:effectLst/>
-                        <a:latin typeface="Arial" panose="020B0604020202020204" pitchFamily="34" charset="0"/>
-                        <a:ea typeface="Times New Roman" panose="02020603050405020304" pitchFamily="18" charset="0"/>
-                        <a:cs typeface="Times New Roman" panose="02020603050405020304" pitchFamily="18" charset="0"/>
-                      </a:endParaRPr>
-                    </a:p>
-                  </a:txBody>
-                  <a:tcPr marL="65005" marR="65005" marT="0" marB="0"/>
-                </a:tc>
-                <a:tc hMerge="1">
-                  <a:txBody>
-                    <a:bodyPr/>
-                    <a:lstStyle/>
-                    <a:p>
-                      <a:endParaRPr lang="en-GB"/>
-                    </a:p>
-                  </a:txBody>
-                  <a:tcPr/>
-                </a:tc>
-                <a:tc gridSpan="2">
-                  <a:txBody>
-                    <a:bodyPr/>
-                    <a:lstStyle/>
-                    <a:p>
-                      <a:pPr algn="ctr">
-                        <a:lnSpc>
-                          <a:spcPct val="150000"/>
-                        </a:lnSpc>
-                        <a:spcAft>
-                          <a:spcPts val="0"/>
-                        </a:spcAft>
-                      </a:pPr>
-                      <a:r>
-                        <a:rPr lang="en-US" sz="1000" dirty="0">
-                          <a:effectLst/>
-                        </a:rPr>
-                        <a:t>AUG</a:t>
-                      </a:r>
-                      <a:endParaRPr lang="en-GB" sz="900" dirty="0">
-                        <a:effectLst/>
-                        <a:latin typeface="Arial" panose="020B0604020202020204" pitchFamily="34" charset="0"/>
-                        <a:ea typeface="Times New Roman" panose="02020603050405020304" pitchFamily="18" charset="0"/>
-                        <a:cs typeface="Times New Roman" panose="02020603050405020304" pitchFamily="18" charset="0"/>
-                      </a:endParaRPr>
-                    </a:p>
-                  </a:txBody>
-                  <a:tcPr marL="65005" marR="65005" marT="0" marB="0"/>
-                </a:tc>
-                <a:tc hMerge="1">
-                  <a:txBody>
-                    <a:bodyPr/>
-                    <a:lstStyle/>
-                    <a:p>
-                      <a:endParaRPr lang="en-GB"/>
-                    </a:p>
-                  </a:txBody>
-                  <a:tcPr/>
-                </a:tc>
-                <a:extLst>
-                  <a:ext uri="{0D108BD9-81ED-4DB2-BD59-A6C34878D82A}">
-                    <a16:rowId xmlns="" xmlns:a16="http://schemas.microsoft.com/office/drawing/2014/main" val="2443013377"/>
-                  </a:ext>
-                </a:extLst>
-              </a:tr>
-              <a:tr h="633636">
-                <a:tc>
-                  <a:txBody>
-                    <a:bodyPr/>
-                    <a:lstStyle/>
-                    <a:p>
-                      <a:pPr algn="just">
-                        <a:lnSpc>
-                          <a:spcPct val="150000"/>
-                        </a:lnSpc>
-                        <a:spcAft>
-                          <a:spcPts val="0"/>
-                        </a:spcAft>
-                      </a:pPr>
-                      <a:r>
-                        <a:rPr lang="en-US" sz="1000">
-                          <a:effectLst/>
-                        </a:rPr>
-                        <a:t>Literature </a:t>
-                      </a:r>
-                      <a:endParaRPr lang="en-GB" sz="900">
-                        <a:effectLst/>
-                      </a:endParaRPr>
-                    </a:p>
-                    <a:p>
-                      <a:pPr algn="just">
-                        <a:lnSpc>
-                          <a:spcPct val="150000"/>
-                        </a:lnSpc>
-                        <a:spcAft>
-                          <a:spcPts val="0"/>
-                        </a:spcAft>
-                      </a:pPr>
-                      <a:r>
-                        <a:rPr lang="en-US" sz="1000">
-                          <a:effectLst/>
-                        </a:rPr>
-                        <a:t>Review</a:t>
-                      </a:r>
-                      <a:endParaRPr lang="en-GB" sz="900">
-                        <a:effectLst/>
-                        <a:latin typeface="Arial" panose="020B0604020202020204" pitchFamily="34" charset="0"/>
-                        <a:ea typeface="Times New Roman" panose="02020603050405020304" pitchFamily="18" charset="0"/>
-                        <a:cs typeface="Times New Roman" panose="02020603050405020304" pitchFamily="18" charset="0"/>
-                      </a:endParaRPr>
-                    </a:p>
-                  </a:txBody>
-                  <a:tcPr marL="65005" marR="65005" marT="0" marB="0"/>
-                </a:tc>
-                <a:tc>
-                  <a:txBody>
-                    <a:bodyPr/>
-                    <a:lstStyle/>
-                    <a:p>
-                      <a:pPr algn="just">
-                        <a:lnSpc>
-                          <a:spcPct val="150000"/>
-                        </a:lnSpc>
-                        <a:spcAft>
-                          <a:spcPts val="0"/>
-                        </a:spcAft>
-                      </a:pPr>
-                      <a:r>
-                        <a:rPr lang="en-US" sz="1000">
-                          <a:effectLst/>
-                        </a:rPr>
-                        <a:t> </a:t>
-                      </a:r>
-                      <a:endParaRPr lang="en-GB" sz="900">
-                        <a:effectLst/>
-                        <a:latin typeface="Arial" panose="020B0604020202020204" pitchFamily="34" charset="0"/>
-                        <a:ea typeface="Times New Roman" panose="02020603050405020304" pitchFamily="18" charset="0"/>
-                        <a:cs typeface="Times New Roman" panose="02020603050405020304" pitchFamily="18" charset="0"/>
-                      </a:endParaRPr>
-                    </a:p>
-                  </a:txBody>
-                  <a:tcPr marL="65005" marR="65005" marT="0" marB="0"/>
-                </a:tc>
-                <a:tc>
-                  <a:txBody>
-                    <a:bodyPr/>
-                    <a:lstStyle/>
-                    <a:p>
-                      <a:pPr algn="just">
-                        <a:lnSpc>
-                          <a:spcPct val="150000"/>
-                        </a:lnSpc>
-                        <a:spcAft>
-                          <a:spcPts val="0"/>
-                        </a:spcAft>
-                      </a:pPr>
-                      <a:r>
-                        <a:rPr lang="en-US" sz="1000">
-                          <a:effectLst/>
-                        </a:rPr>
-                        <a:t> </a:t>
-                      </a:r>
-                      <a:endParaRPr lang="en-GB" sz="900">
-                        <a:effectLst/>
-                        <a:latin typeface="Arial" panose="020B0604020202020204" pitchFamily="34" charset="0"/>
-                        <a:ea typeface="Times New Roman" panose="02020603050405020304" pitchFamily="18" charset="0"/>
-                        <a:cs typeface="Times New Roman" panose="02020603050405020304" pitchFamily="18" charset="0"/>
-                      </a:endParaRPr>
-                    </a:p>
-                  </a:txBody>
-                  <a:tcPr marL="65005" marR="65005" marT="0" marB="0"/>
-                </a:tc>
-                <a:tc>
-                  <a:txBody>
-                    <a:bodyPr/>
-                    <a:lstStyle/>
-                    <a:p>
-                      <a:pPr algn="just">
-                        <a:lnSpc>
-                          <a:spcPct val="150000"/>
-                        </a:lnSpc>
-                        <a:spcAft>
-                          <a:spcPts val="0"/>
-                        </a:spcAft>
-                      </a:pPr>
-                      <a:r>
-                        <a:rPr lang="en-GB" sz="1000">
-                          <a:effectLst/>
-                        </a:rPr>
-                        <a:t> </a:t>
-                      </a:r>
-                      <a:endParaRPr lang="en-GB" sz="900">
-                        <a:effectLst/>
-                        <a:latin typeface="Arial" panose="020B0604020202020204" pitchFamily="34" charset="0"/>
-                        <a:ea typeface="Times New Roman" panose="02020603050405020304" pitchFamily="18" charset="0"/>
-                        <a:cs typeface="Times New Roman" panose="02020603050405020304" pitchFamily="18" charset="0"/>
-                      </a:endParaRPr>
-                    </a:p>
-                  </a:txBody>
-                  <a:tcPr marL="65005" marR="65005" marT="0" marB="0"/>
-                </a:tc>
-                <a:tc>
-                  <a:txBody>
-                    <a:bodyPr/>
-                    <a:lstStyle/>
-                    <a:p>
-                      <a:pPr algn="just">
-                        <a:lnSpc>
-                          <a:spcPct val="150000"/>
-                        </a:lnSpc>
-                        <a:spcAft>
-                          <a:spcPts val="0"/>
-                        </a:spcAft>
-                      </a:pPr>
-                      <a:r>
-                        <a:rPr lang="en-US" sz="1000">
-                          <a:effectLst/>
-                        </a:rPr>
-                        <a:t> </a:t>
-                      </a:r>
-                      <a:endParaRPr lang="en-GB" sz="900">
-                        <a:effectLst/>
-                        <a:latin typeface="Arial" panose="020B0604020202020204" pitchFamily="34" charset="0"/>
-                        <a:ea typeface="Times New Roman" panose="02020603050405020304" pitchFamily="18" charset="0"/>
-                        <a:cs typeface="Times New Roman" panose="02020603050405020304" pitchFamily="18" charset="0"/>
-                      </a:endParaRPr>
-                    </a:p>
-                  </a:txBody>
-                  <a:tcPr marL="65005" marR="65005" marT="0" marB="0"/>
-                </a:tc>
-                <a:tc>
-                  <a:txBody>
-                    <a:bodyPr/>
-                    <a:lstStyle/>
-                    <a:p>
-                      <a:pPr algn="just">
-                        <a:lnSpc>
-                          <a:spcPct val="150000"/>
-                        </a:lnSpc>
-                        <a:spcAft>
-                          <a:spcPts val="0"/>
-                        </a:spcAft>
-                      </a:pPr>
-                      <a:r>
-                        <a:rPr lang="en-US" sz="1000">
-                          <a:effectLst/>
-                        </a:rPr>
-                        <a:t> </a:t>
-                      </a:r>
-                      <a:endParaRPr lang="en-GB" sz="900">
-                        <a:effectLst/>
-                        <a:latin typeface="Arial" panose="020B0604020202020204" pitchFamily="34" charset="0"/>
-                        <a:ea typeface="Times New Roman" panose="02020603050405020304" pitchFamily="18" charset="0"/>
-                        <a:cs typeface="Times New Roman" panose="02020603050405020304" pitchFamily="18" charset="0"/>
-                      </a:endParaRPr>
-                    </a:p>
-                  </a:txBody>
-                  <a:tcPr marL="65005" marR="65005" marT="0" marB="0"/>
-                </a:tc>
-                <a:tc>
-                  <a:txBody>
-                    <a:bodyPr/>
-                    <a:lstStyle/>
-                    <a:p>
-                      <a:pPr algn="just">
-                        <a:lnSpc>
-                          <a:spcPct val="150000"/>
-                        </a:lnSpc>
-                        <a:spcAft>
-                          <a:spcPts val="0"/>
-                        </a:spcAft>
-                      </a:pPr>
-                      <a:r>
-                        <a:rPr lang="en-US" sz="1000">
-                          <a:effectLst/>
-                        </a:rPr>
-                        <a:t> </a:t>
-                      </a:r>
-                      <a:endParaRPr lang="en-GB" sz="900">
-                        <a:effectLst/>
-                        <a:latin typeface="Arial" panose="020B0604020202020204" pitchFamily="34" charset="0"/>
-                        <a:ea typeface="Times New Roman" panose="02020603050405020304" pitchFamily="18" charset="0"/>
-                        <a:cs typeface="Times New Roman" panose="02020603050405020304" pitchFamily="18" charset="0"/>
-                      </a:endParaRPr>
-                    </a:p>
-                  </a:txBody>
-                  <a:tcPr marL="65005" marR="65005" marT="0" marB="0"/>
-                </a:tc>
-                <a:tc>
-                  <a:txBody>
-                    <a:bodyPr/>
-                    <a:lstStyle/>
-                    <a:p>
-                      <a:pPr algn="just">
-                        <a:lnSpc>
-                          <a:spcPct val="150000"/>
-                        </a:lnSpc>
-                        <a:spcAft>
-                          <a:spcPts val="0"/>
-                        </a:spcAft>
-                      </a:pPr>
-                      <a:r>
-                        <a:rPr lang="en-US" sz="1000">
-                          <a:effectLst/>
-                        </a:rPr>
-                        <a:t> </a:t>
-                      </a:r>
-                      <a:endParaRPr lang="en-GB" sz="900">
-                        <a:effectLst/>
-                        <a:latin typeface="Arial" panose="020B0604020202020204" pitchFamily="34" charset="0"/>
-                        <a:ea typeface="Times New Roman" panose="02020603050405020304" pitchFamily="18" charset="0"/>
-                        <a:cs typeface="Times New Roman" panose="02020603050405020304" pitchFamily="18" charset="0"/>
-                      </a:endParaRPr>
-                    </a:p>
-                  </a:txBody>
-                  <a:tcPr marL="65005" marR="65005" marT="0" marB="0"/>
-                </a:tc>
-                <a:tc>
-                  <a:txBody>
-                    <a:bodyPr/>
-                    <a:lstStyle/>
-                    <a:p>
-                      <a:pPr algn="just">
-                        <a:lnSpc>
-                          <a:spcPct val="150000"/>
-                        </a:lnSpc>
-                        <a:spcAft>
-                          <a:spcPts val="0"/>
-                        </a:spcAft>
-                      </a:pPr>
-                      <a:r>
-                        <a:rPr lang="en-US" sz="1000">
-                          <a:effectLst/>
-                        </a:rPr>
-                        <a:t> </a:t>
-                      </a:r>
-                      <a:endParaRPr lang="en-GB" sz="900">
-                        <a:effectLst/>
-                        <a:latin typeface="Arial" panose="020B0604020202020204" pitchFamily="34" charset="0"/>
-                        <a:ea typeface="Times New Roman" panose="02020603050405020304" pitchFamily="18" charset="0"/>
-                        <a:cs typeface="Times New Roman" panose="02020603050405020304" pitchFamily="18" charset="0"/>
-                      </a:endParaRPr>
-                    </a:p>
-                  </a:txBody>
-                  <a:tcPr marL="65005" marR="65005" marT="0" marB="0"/>
-                </a:tc>
-                <a:tc>
-                  <a:txBody>
-                    <a:bodyPr/>
-                    <a:lstStyle/>
-                    <a:p>
-                      <a:pPr algn="just">
-                        <a:lnSpc>
-                          <a:spcPct val="150000"/>
-                        </a:lnSpc>
-                        <a:spcAft>
-                          <a:spcPts val="0"/>
-                        </a:spcAft>
-                      </a:pPr>
-                      <a:r>
-                        <a:rPr lang="en-US" sz="1000">
-                          <a:effectLst/>
-                        </a:rPr>
-                        <a:t> </a:t>
-                      </a:r>
-                      <a:endParaRPr lang="en-GB" sz="900">
-                        <a:effectLst/>
-                        <a:latin typeface="Arial" panose="020B0604020202020204" pitchFamily="34" charset="0"/>
-                        <a:ea typeface="Times New Roman" panose="02020603050405020304" pitchFamily="18" charset="0"/>
-                        <a:cs typeface="Times New Roman" panose="02020603050405020304" pitchFamily="18" charset="0"/>
-                      </a:endParaRPr>
-                    </a:p>
-                  </a:txBody>
-                  <a:tcPr marL="65005" marR="65005" marT="0" marB="0"/>
-                </a:tc>
-                <a:tc>
-                  <a:txBody>
-                    <a:bodyPr/>
-                    <a:lstStyle/>
-                    <a:p>
-                      <a:pPr algn="just">
-                        <a:lnSpc>
-                          <a:spcPct val="150000"/>
-                        </a:lnSpc>
-                        <a:spcAft>
-                          <a:spcPts val="0"/>
-                        </a:spcAft>
-                      </a:pPr>
-                      <a:r>
-                        <a:rPr lang="en-US" sz="1000">
-                          <a:effectLst/>
-                        </a:rPr>
-                        <a:t> </a:t>
-                      </a:r>
-                      <a:endParaRPr lang="en-GB" sz="900">
-                        <a:effectLst/>
-                        <a:latin typeface="Arial" panose="020B0604020202020204" pitchFamily="34" charset="0"/>
-                        <a:ea typeface="Times New Roman" panose="02020603050405020304" pitchFamily="18" charset="0"/>
-                        <a:cs typeface="Times New Roman" panose="02020603050405020304" pitchFamily="18" charset="0"/>
-                      </a:endParaRPr>
-                    </a:p>
-                  </a:txBody>
-                  <a:tcPr marL="65005" marR="65005" marT="0" marB="0"/>
-                </a:tc>
-                <a:tc>
-                  <a:txBody>
-                    <a:bodyPr/>
-                    <a:lstStyle/>
-                    <a:p>
-                      <a:pPr algn="just">
-                        <a:lnSpc>
-                          <a:spcPct val="150000"/>
-                        </a:lnSpc>
-                        <a:spcAft>
-                          <a:spcPts val="0"/>
-                        </a:spcAft>
-                      </a:pPr>
-                      <a:r>
-                        <a:rPr lang="en-US" sz="1000">
-                          <a:effectLst/>
-                        </a:rPr>
-                        <a:t> </a:t>
-                      </a:r>
-                      <a:endParaRPr lang="en-GB" sz="900">
-                        <a:effectLst/>
-                        <a:latin typeface="Arial" panose="020B0604020202020204" pitchFamily="34" charset="0"/>
-                        <a:ea typeface="Times New Roman" panose="02020603050405020304" pitchFamily="18" charset="0"/>
-                        <a:cs typeface="Times New Roman" panose="02020603050405020304" pitchFamily="18" charset="0"/>
-                      </a:endParaRPr>
-                    </a:p>
-                  </a:txBody>
-                  <a:tcPr marL="65005" marR="65005" marT="0" marB="0"/>
-                </a:tc>
-                <a:tc>
-                  <a:txBody>
-                    <a:bodyPr/>
-                    <a:lstStyle/>
-                    <a:p>
-                      <a:pPr algn="just">
-                        <a:lnSpc>
-                          <a:spcPct val="150000"/>
-                        </a:lnSpc>
-                        <a:spcAft>
-                          <a:spcPts val="0"/>
-                        </a:spcAft>
-                      </a:pPr>
-                      <a:r>
-                        <a:rPr lang="en-US" sz="1000">
-                          <a:effectLst/>
-                        </a:rPr>
-                        <a:t> </a:t>
-                      </a:r>
-                      <a:endParaRPr lang="en-GB" sz="900">
-                        <a:effectLst/>
-                        <a:latin typeface="Arial" panose="020B0604020202020204" pitchFamily="34" charset="0"/>
-                        <a:ea typeface="Times New Roman" panose="02020603050405020304" pitchFamily="18" charset="0"/>
-                        <a:cs typeface="Times New Roman" panose="02020603050405020304" pitchFamily="18" charset="0"/>
-                      </a:endParaRPr>
-                    </a:p>
-                  </a:txBody>
-                  <a:tcPr marL="65005" marR="65005" marT="0" marB="0"/>
-                </a:tc>
-                <a:tc>
-                  <a:txBody>
-                    <a:bodyPr/>
-                    <a:lstStyle/>
-                    <a:p>
-                      <a:pPr algn="just">
-                        <a:lnSpc>
-                          <a:spcPct val="150000"/>
-                        </a:lnSpc>
-                        <a:spcAft>
-                          <a:spcPts val="0"/>
-                        </a:spcAft>
-                      </a:pPr>
-                      <a:r>
-                        <a:rPr lang="en-US" sz="1000">
-                          <a:effectLst/>
-                        </a:rPr>
-                        <a:t> </a:t>
-                      </a:r>
-                      <a:endParaRPr lang="en-GB" sz="900">
-                        <a:effectLst/>
-                        <a:latin typeface="Arial" panose="020B0604020202020204" pitchFamily="34" charset="0"/>
-                        <a:ea typeface="Times New Roman" panose="02020603050405020304" pitchFamily="18" charset="0"/>
-                        <a:cs typeface="Times New Roman" panose="02020603050405020304" pitchFamily="18" charset="0"/>
-                      </a:endParaRPr>
-                    </a:p>
-                  </a:txBody>
-                  <a:tcPr marL="65005" marR="65005" marT="0" marB="0"/>
-                </a:tc>
-                <a:tc>
-                  <a:txBody>
-                    <a:bodyPr/>
-                    <a:lstStyle/>
-                    <a:p>
-                      <a:pPr algn="just">
-                        <a:lnSpc>
-                          <a:spcPct val="150000"/>
-                        </a:lnSpc>
-                        <a:spcAft>
-                          <a:spcPts val="0"/>
-                        </a:spcAft>
-                      </a:pPr>
-                      <a:r>
-                        <a:rPr lang="en-US" sz="1000">
-                          <a:effectLst/>
-                        </a:rPr>
-                        <a:t> </a:t>
-                      </a:r>
-                      <a:endParaRPr lang="en-GB" sz="900">
-                        <a:effectLst/>
-                        <a:latin typeface="Arial" panose="020B0604020202020204" pitchFamily="34" charset="0"/>
-                        <a:ea typeface="Times New Roman" panose="02020603050405020304" pitchFamily="18" charset="0"/>
-                        <a:cs typeface="Times New Roman" panose="02020603050405020304" pitchFamily="18" charset="0"/>
-                      </a:endParaRPr>
-                    </a:p>
-                  </a:txBody>
-                  <a:tcPr marL="65005" marR="65005" marT="0" marB="0"/>
-                </a:tc>
-                <a:tc>
-                  <a:txBody>
-                    <a:bodyPr/>
-                    <a:lstStyle/>
-                    <a:p>
-                      <a:pPr algn="just">
-                        <a:lnSpc>
-                          <a:spcPct val="150000"/>
-                        </a:lnSpc>
-                        <a:spcAft>
-                          <a:spcPts val="0"/>
-                        </a:spcAft>
-                      </a:pPr>
-                      <a:r>
-                        <a:rPr lang="en-US" sz="1000">
-                          <a:effectLst/>
-                        </a:rPr>
-                        <a:t> </a:t>
-                      </a:r>
-                      <a:endParaRPr lang="en-GB" sz="900">
-                        <a:effectLst/>
-                        <a:latin typeface="Arial" panose="020B0604020202020204" pitchFamily="34" charset="0"/>
-                        <a:ea typeface="Times New Roman" panose="02020603050405020304" pitchFamily="18" charset="0"/>
-                        <a:cs typeface="Times New Roman" panose="02020603050405020304" pitchFamily="18" charset="0"/>
-                      </a:endParaRPr>
-                    </a:p>
-                  </a:txBody>
-                  <a:tcPr marL="65005" marR="65005" marT="0" marB="0"/>
-                </a:tc>
-                <a:tc>
-                  <a:txBody>
-                    <a:bodyPr/>
-                    <a:lstStyle/>
-                    <a:p>
-                      <a:pPr algn="just">
-                        <a:lnSpc>
-                          <a:spcPct val="150000"/>
-                        </a:lnSpc>
-                        <a:spcAft>
-                          <a:spcPts val="0"/>
-                        </a:spcAft>
-                      </a:pPr>
-                      <a:r>
-                        <a:rPr lang="en-US" sz="1000">
-                          <a:effectLst/>
-                        </a:rPr>
-                        <a:t> </a:t>
-                      </a:r>
-                      <a:endParaRPr lang="en-GB" sz="900">
-                        <a:effectLst/>
-                        <a:latin typeface="Arial" panose="020B0604020202020204" pitchFamily="34" charset="0"/>
-                        <a:ea typeface="Times New Roman" panose="02020603050405020304" pitchFamily="18" charset="0"/>
-                        <a:cs typeface="Times New Roman" panose="02020603050405020304" pitchFamily="18" charset="0"/>
-                      </a:endParaRPr>
-                    </a:p>
-                  </a:txBody>
-                  <a:tcPr marL="65005" marR="65005" marT="0" marB="0"/>
-                </a:tc>
-                <a:tc>
-                  <a:txBody>
-                    <a:bodyPr/>
-                    <a:lstStyle/>
-                    <a:p>
-                      <a:pPr algn="just">
-                        <a:lnSpc>
-                          <a:spcPct val="150000"/>
-                        </a:lnSpc>
-                        <a:spcAft>
-                          <a:spcPts val="0"/>
-                        </a:spcAft>
-                      </a:pPr>
-                      <a:r>
-                        <a:rPr lang="en-US" sz="1000" dirty="0">
-                          <a:effectLst/>
-                        </a:rPr>
-                        <a:t> </a:t>
-                      </a:r>
-                      <a:endParaRPr lang="en-GB" sz="900" dirty="0">
-                        <a:effectLst/>
-                        <a:latin typeface="Arial" panose="020B0604020202020204" pitchFamily="34" charset="0"/>
-                        <a:ea typeface="Times New Roman" panose="02020603050405020304" pitchFamily="18" charset="0"/>
-                        <a:cs typeface="Times New Roman" panose="02020603050405020304" pitchFamily="18" charset="0"/>
-                      </a:endParaRPr>
-                    </a:p>
-                  </a:txBody>
-                  <a:tcPr marL="65005" marR="65005" marT="0" marB="0"/>
-                </a:tc>
-                <a:tc>
-                  <a:txBody>
-                    <a:bodyPr/>
-                    <a:lstStyle/>
-                    <a:p>
-                      <a:pPr algn="just">
-                        <a:lnSpc>
-                          <a:spcPct val="150000"/>
-                        </a:lnSpc>
-                        <a:spcAft>
-                          <a:spcPts val="0"/>
-                        </a:spcAft>
-                      </a:pPr>
-                      <a:r>
-                        <a:rPr lang="en-US" sz="1000">
-                          <a:effectLst/>
-                        </a:rPr>
-                        <a:t> </a:t>
-                      </a:r>
-                      <a:endParaRPr lang="en-GB" sz="900">
-                        <a:effectLst/>
-                        <a:latin typeface="Arial" panose="020B0604020202020204" pitchFamily="34" charset="0"/>
-                        <a:ea typeface="Times New Roman" panose="02020603050405020304" pitchFamily="18" charset="0"/>
-                        <a:cs typeface="Times New Roman" panose="02020603050405020304" pitchFamily="18" charset="0"/>
-                      </a:endParaRPr>
-                    </a:p>
-                  </a:txBody>
-                  <a:tcPr marL="65005" marR="65005" marT="0" marB="0"/>
-                </a:tc>
-                <a:tc>
-                  <a:txBody>
-                    <a:bodyPr/>
-                    <a:lstStyle/>
-                    <a:p>
-                      <a:pPr algn="just">
-                        <a:lnSpc>
-                          <a:spcPct val="150000"/>
-                        </a:lnSpc>
-                        <a:spcAft>
-                          <a:spcPts val="0"/>
-                        </a:spcAft>
-                      </a:pPr>
-                      <a:r>
-                        <a:rPr lang="en-US" sz="1000">
-                          <a:effectLst/>
-                        </a:rPr>
-                        <a:t> </a:t>
-                      </a:r>
-                      <a:endParaRPr lang="en-GB" sz="900">
-                        <a:effectLst/>
-                        <a:latin typeface="Arial" panose="020B0604020202020204" pitchFamily="34" charset="0"/>
-                        <a:ea typeface="Times New Roman" panose="02020603050405020304" pitchFamily="18" charset="0"/>
-                        <a:cs typeface="Times New Roman" panose="02020603050405020304" pitchFamily="18" charset="0"/>
-                      </a:endParaRPr>
-                    </a:p>
-                  </a:txBody>
-                  <a:tcPr marL="65005" marR="65005" marT="0" marB="0"/>
-                </a:tc>
-                <a:tc>
-                  <a:txBody>
-                    <a:bodyPr/>
-                    <a:lstStyle/>
-                    <a:p>
-                      <a:pPr algn="just">
-                        <a:lnSpc>
-                          <a:spcPct val="150000"/>
-                        </a:lnSpc>
-                        <a:spcAft>
-                          <a:spcPts val="0"/>
-                        </a:spcAft>
-                      </a:pPr>
-                      <a:r>
-                        <a:rPr lang="en-US" sz="1000">
-                          <a:effectLst/>
-                        </a:rPr>
-                        <a:t> </a:t>
-                      </a:r>
-                      <a:endParaRPr lang="en-GB" sz="900">
-                        <a:effectLst/>
-                        <a:latin typeface="Arial" panose="020B0604020202020204" pitchFamily="34" charset="0"/>
-                        <a:ea typeface="Times New Roman" panose="02020603050405020304" pitchFamily="18" charset="0"/>
-                        <a:cs typeface="Times New Roman" panose="02020603050405020304" pitchFamily="18" charset="0"/>
-                      </a:endParaRPr>
-                    </a:p>
-                  </a:txBody>
-                  <a:tcPr marL="65005" marR="65005" marT="0" marB="0"/>
-                </a:tc>
-                <a:extLst>
-                  <a:ext uri="{0D108BD9-81ED-4DB2-BD59-A6C34878D82A}">
-                    <a16:rowId xmlns="" xmlns:a16="http://schemas.microsoft.com/office/drawing/2014/main" val="460020666"/>
-                  </a:ext>
-                </a:extLst>
-              </a:tr>
-              <a:tr h="633636">
-                <a:tc>
-                  <a:txBody>
-                    <a:bodyPr/>
-                    <a:lstStyle/>
-                    <a:p>
-                      <a:pPr algn="just">
-                        <a:lnSpc>
-                          <a:spcPct val="150000"/>
-                        </a:lnSpc>
-                        <a:spcAft>
-                          <a:spcPts val="0"/>
-                        </a:spcAft>
-                      </a:pPr>
-                      <a:r>
-                        <a:rPr lang="en-US" sz="1000">
-                          <a:effectLst/>
-                        </a:rPr>
-                        <a:t>Software work</a:t>
-                      </a:r>
-                      <a:endParaRPr lang="en-GB" sz="900">
-                        <a:effectLst/>
-                        <a:latin typeface="Arial" panose="020B0604020202020204" pitchFamily="34" charset="0"/>
-                        <a:ea typeface="Times New Roman" panose="02020603050405020304" pitchFamily="18" charset="0"/>
-                        <a:cs typeface="Times New Roman" panose="02020603050405020304" pitchFamily="18" charset="0"/>
-                      </a:endParaRPr>
-                    </a:p>
-                  </a:txBody>
-                  <a:tcPr marL="65005" marR="65005" marT="0" marB="0"/>
-                </a:tc>
-                <a:tc>
-                  <a:txBody>
-                    <a:bodyPr/>
-                    <a:lstStyle/>
-                    <a:p>
-                      <a:pPr algn="just">
-                        <a:lnSpc>
-                          <a:spcPct val="150000"/>
-                        </a:lnSpc>
-                        <a:spcAft>
-                          <a:spcPts val="0"/>
-                        </a:spcAft>
-                      </a:pPr>
-                      <a:r>
-                        <a:rPr lang="en-US" sz="1000">
-                          <a:effectLst/>
-                        </a:rPr>
-                        <a:t> </a:t>
-                      </a:r>
-                      <a:endParaRPr lang="en-GB" sz="900">
-                        <a:effectLst/>
-                        <a:latin typeface="Arial" panose="020B0604020202020204" pitchFamily="34" charset="0"/>
-                        <a:ea typeface="Times New Roman" panose="02020603050405020304" pitchFamily="18" charset="0"/>
-                        <a:cs typeface="Times New Roman" panose="02020603050405020304" pitchFamily="18" charset="0"/>
-                      </a:endParaRPr>
-                    </a:p>
-                  </a:txBody>
-                  <a:tcPr marL="65005" marR="65005" marT="0" marB="0"/>
-                </a:tc>
-                <a:tc>
-                  <a:txBody>
-                    <a:bodyPr/>
-                    <a:lstStyle/>
-                    <a:p>
-                      <a:pPr algn="just">
-                        <a:lnSpc>
-                          <a:spcPct val="150000"/>
-                        </a:lnSpc>
-                        <a:spcAft>
-                          <a:spcPts val="0"/>
-                        </a:spcAft>
-                      </a:pPr>
-                      <a:r>
-                        <a:rPr lang="en-US" sz="1000">
-                          <a:effectLst/>
-                        </a:rPr>
-                        <a:t> </a:t>
-                      </a:r>
-                      <a:endParaRPr lang="en-GB" sz="900">
-                        <a:effectLst/>
-                        <a:latin typeface="Arial" panose="020B0604020202020204" pitchFamily="34" charset="0"/>
-                        <a:ea typeface="Times New Roman" panose="02020603050405020304" pitchFamily="18" charset="0"/>
-                        <a:cs typeface="Times New Roman" panose="02020603050405020304" pitchFamily="18" charset="0"/>
-                      </a:endParaRPr>
-                    </a:p>
-                  </a:txBody>
-                  <a:tcPr marL="65005" marR="65005" marT="0" marB="0"/>
-                </a:tc>
-                <a:tc>
-                  <a:txBody>
-                    <a:bodyPr/>
-                    <a:lstStyle/>
-                    <a:p>
-                      <a:pPr algn="just">
-                        <a:lnSpc>
-                          <a:spcPct val="150000"/>
-                        </a:lnSpc>
-                        <a:spcAft>
-                          <a:spcPts val="0"/>
-                        </a:spcAft>
-                      </a:pPr>
-                      <a:r>
-                        <a:rPr lang="en-US" sz="1000">
-                          <a:effectLst/>
-                        </a:rPr>
-                        <a:t> </a:t>
-                      </a:r>
-                      <a:endParaRPr lang="en-GB" sz="900">
-                        <a:effectLst/>
-                        <a:latin typeface="Arial" panose="020B0604020202020204" pitchFamily="34" charset="0"/>
-                        <a:ea typeface="Times New Roman" panose="02020603050405020304" pitchFamily="18" charset="0"/>
-                        <a:cs typeface="Times New Roman" panose="02020603050405020304" pitchFamily="18" charset="0"/>
-                      </a:endParaRPr>
-                    </a:p>
-                  </a:txBody>
-                  <a:tcPr marL="65005" marR="65005" marT="0" marB="0"/>
-                </a:tc>
-                <a:tc>
-                  <a:txBody>
-                    <a:bodyPr/>
-                    <a:lstStyle/>
-                    <a:p>
-                      <a:pPr algn="just">
-                        <a:lnSpc>
-                          <a:spcPct val="150000"/>
-                        </a:lnSpc>
-                        <a:spcAft>
-                          <a:spcPts val="0"/>
-                        </a:spcAft>
-                      </a:pPr>
-                      <a:r>
-                        <a:rPr lang="en-US" sz="1000">
-                          <a:effectLst/>
-                        </a:rPr>
-                        <a:t> </a:t>
-                      </a:r>
-                      <a:endParaRPr lang="en-GB" sz="900">
-                        <a:effectLst/>
-                        <a:latin typeface="Arial" panose="020B0604020202020204" pitchFamily="34" charset="0"/>
-                        <a:ea typeface="Times New Roman" panose="02020603050405020304" pitchFamily="18" charset="0"/>
-                        <a:cs typeface="Times New Roman" panose="02020603050405020304" pitchFamily="18" charset="0"/>
-                      </a:endParaRPr>
-                    </a:p>
-                  </a:txBody>
-                  <a:tcPr marL="65005" marR="65005" marT="0" marB="0"/>
-                </a:tc>
-                <a:tc>
-                  <a:txBody>
-                    <a:bodyPr/>
-                    <a:lstStyle/>
-                    <a:p>
-                      <a:pPr algn="just">
-                        <a:lnSpc>
-                          <a:spcPct val="150000"/>
-                        </a:lnSpc>
-                        <a:spcAft>
-                          <a:spcPts val="0"/>
-                        </a:spcAft>
-                      </a:pPr>
-                      <a:r>
-                        <a:rPr lang="en-US" sz="1000">
-                          <a:effectLst/>
-                        </a:rPr>
-                        <a:t> </a:t>
-                      </a:r>
-                      <a:endParaRPr lang="en-GB" sz="900">
-                        <a:effectLst/>
-                        <a:latin typeface="Arial" panose="020B0604020202020204" pitchFamily="34" charset="0"/>
-                        <a:ea typeface="Times New Roman" panose="02020603050405020304" pitchFamily="18" charset="0"/>
-                        <a:cs typeface="Times New Roman" panose="02020603050405020304" pitchFamily="18" charset="0"/>
-                      </a:endParaRPr>
-                    </a:p>
-                  </a:txBody>
-                  <a:tcPr marL="65005" marR="65005" marT="0" marB="0"/>
-                </a:tc>
-                <a:tc>
-                  <a:txBody>
-                    <a:bodyPr/>
-                    <a:lstStyle/>
-                    <a:p>
-                      <a:pPr algn="just">
-                        <a:lnSpc>
-                          <a:spcPct val="150000"/>
-                        </a:lnSpc>
-                        <a:spcAft>
-                          <a:spcPts val="0"/>
-                        </a:spcAft>
-                      </a:pPr>
-                      <a:r>
-                        <a:rPr lang="en-US" sz="1000">
-                          <a:effectLst/>
-                        </a:rPr>
-                        <a:t> </a:t>
-                      </a:r>
-                      <a:endParaRPr lang="en-GB" sz="900">
-                        <a:effectLst/>
-                        <a:latin typeface="Arial" panose="020B0604020202020204" pitchFamily="34" charset="0"/>
-                        <a:ea typeface="Times New Roman" panose="02020603050405020304" pitchFamily="18" charset="0"/>
-                        <a:cs typeface="Times New Roman" panose="02020603050405020304" pitchFamily="18" charset="0"/>
-                      </a:endParaRPr>
-                    </a:p>
-                  </a:txBody>
-                  <a:tcPr marL="65005" marR="65005" marT="0" marB="0"/>
-                </a:tc>
-                <a:tc>
-                  <a:txBody>
-                    <a:bodyPr/>
-                    <a:lstStyle/>
-                    <a:p>
-                      <a:pPr algn="just">
-                        <a:lnSpc>
-                          <a:spcPct val="150000"/>
-                        </a:lnSpc>
-                        <a:spcAft>
-                          <a:spcPts val="0"/>
-                        </a:spcAft>
-                      </a:pPr>
-                      <a:r>
-                        <a:rPr lang="en-US" sz="1000">
-                          <a:effectLst/>
-                        </a:rPr>
-                        <a:t> </a:t>
-                      </a:r>
-                      <a:endParaRPr lang="en-GB" sz="900">
-                        <a:effectLst/>
-                        <a:latin typeface="Arial" panose="020B0604020202020204" pitchFamily="34" charset="0"/>
-                        <a:ea typeface="Times New Roman" panose="02020603050405020304" pitchFamily="18" charset="0"/>
-                        <a:cs typeface="Times New Roman" panose="02020603050405020304" pitchFamily="18" charset="0"/>
-                      </a:endParaRPr>
-                    </a:p>
-                  </a:txBody>
-                  <a:tcPr marL="65005" marR="65005" marT="0" marB="0"/>
-                </a:tc>
-                <a:tc>
-                  <a:txBody>
-                    <a:bodyPr/>
-                    <a:lstStyle/>
-                    <a:p>
-                      <a:pPr algn="just">
-                        <a:lnSpc>
-                          <a:spcPct val="150000"/>
-                        </a:lnSpc>
-                        <a:spcAft>
-                          <a:spcPts val="0"/>
-                        </a:spcAft>
-                      </a:pPr>
-                      <a:r>
-                        <a:rPr lang="en-US" sz="1000">
-                          <a:effectLst/>
-                        </a:rPr>
-                        <a:t> </a:t>
-                      </a:r>
-                      <a:endParaRPr lang="en-GB" sz="900">
-                        <a:effectLst/>
-                        <a:latin typeface="Arial" panose="020B0604020202020204" pitchFamily="34" charset="0"/>
-                        <a:ea typeface="Times New Roman" panose="02020603050405020304" pitchFamily="18" charset="0"/>
-                        <a:cs typeface="Times New Roman" panose="02020603050405020304" pitchFamily="18" charset="0"/>
-                      </a:endParaRPr>
-                    </a:p>
-                  </a:txBody>
-                  <a:tcPr marL="65005" marR="65005" marT="0" marB="0"/>
-                </a:tc>
-                <a:tc>
-                  <a:txBody>
-                    <a:bodyPr/>
-                    <a:lstStyle/>
-                    <a:p>
-                      <a:pPr algn="just">
-                        <a:lnSpc>
-                          <a:spcPct val="150000"/>
-                        </a:lnSpc>
-                        <a:spcAft>
-                          <a:spcPts val="0"/>
-                        </a:spcAft>
-                      </a:pPr>
-                      <a:r>
-                        <a:rPr lang="en-US" sz="1000">
-                          <a:effectLst/>
-                        </a:rPr>
-                        <a:t> </a:t>
-                      </a:r>
-                      <a:endParaRPr lang="en-GB" sz="900">
-                        <a:effectLst/>
-                        <a:latin typeface="Arial" panose="020B0604020202020204" pitchFamily="34" charset="0"/>
-                        <a:ea typeface="Times New Roman" panose="02020603050405020304" pitchFamily="18" charset="0"/>
-                        <a:cs typeface="Times New Roman" panose="02020603050405020304" pitchFamily="18" charset="0"/>
-                      </a:endParaRPr>
-                    </a:p>
-                  </a:txBody>
-                  <a:tcPr marL="65005" marR="65005" marT="0" marB="0"/>
-                </a:tc>
-                <a:tc>
-                  <a:txBody>
-                    <a:bodyPr/>
-                    <a:lstStyle/>
-                    <a:p>
-                      <a:pPr algn="just">
-                        <a:lnSpc>
-                          <a:spcPct val="150000"/>
-                        </a:lnSpc>
-                        <a:spcAft>
-                          <a:spcPts val="0"/>
-                        </a:spcAft>
-                      </a:pPr>
-                      <a:r>
-                        <a:rPr lang="en-US" sz="1000">
-                          <a:effectLst/>
-                        </a:rPr>
-                        <a:t> </a:t>
-                      </a:r>
-                      <a:endParaRPr lang="en-GB" sz="900">
-                        <a:effectLst/>
-                        <a:latin typeface="Arial" panose="020B0604020202020204" pitchFamily="34" charset="0"/>
-                        <a:ea typeface="Times New Roman" panose="02020603050405020304" pitchFamily="18" charset="0"/>
-                        <a:cs typeface="Times New Roman" panose="02020603050405020304" pitchFamily="18" charset="0"/>
-                      </a:endParaRPr>
-                    </a:p>
-                  </a:txBody>
-                  <a:tcPr marL="65005" marR="65005" marT="0" marB="0"/>
-                </a:tc>
-                <a:tc>
-                  <a:txBody>
-                    <a:bodyPr/>
-                    <a:lstStyle/>
-                    <a:p>
-                      <a:pPr algn="just">
-                        <a:lnSpc>
-                          <a:spcPct val="150000"/>
-                        </a:lnSpc>
-                        <a:spcAft>
-                          <a:spcPts val="0"/>
-                        </a:spcAft>
-                      </a:pPr>
-                      <a:r>
-                        <a:rPr lang="en-US" sz="1000">
-                          <a:effectLst/>
-                        </a:rPr>
-                        <a:t> </a:t>
-                      </a:r>
-                      <a:endParaRPr lang="en-GB" sz="900">
-                        <a:effectLst/>
-                        <a:latin typeface="Arial" panose="020B0604020202020204" pitchFamily="34" charset="0"/>
-                        <a:ea typeface="Times New Roman" panose="02020603050405020304" pitchFamily="18" charset="0"/>
-                        <a:cs typeface="Times New Roman" panose="02020603050405020304" pitchFamily="18" charset="0"/>
-                      </a:endParaRPr>
-                    </a:p>
-                  </a:txBody>
-                  <a:tcPr marL="65005" marR="65005" marT="0" marB="0"/>
-                </a:tc>
-                <a:tc>
-                  <a:txBody>
-                    <a:bodyPr/>
-                    <a:lstStyle/>
-                    <a:p>
-                      <a:pPr algn="just">
-                        <a:lnSpc>
-                          <a:spcPct val="150000"/>
-                        </a:lnSpc>
-                        <a:spcAft>
-                          <a:spcPts val="0"/>
-                        </a:spcAft>
-                      </a:pPr>
-                      <a:r>
-                        <a:rPr lang="en-US" sz="1000">
-                          <a:effectLst/>
-                        </a:rPr>
-                        <a:t> </a:t>
-                      </a:r>
-                      <a:endParaRPr lang="en-GB" sz="900">
-                        <a:effectLst/>
-                        <a:latin typeface="Arial" panose="020B0604020202020204" pitchFamily="34" charset="0"/>
-                        <a:ea typeface="Times New Roman" panose="02020603050405020304" pitchFamily="18" charset="0"/>
-                        <a:cs typeface="Times New Roman" panose="02020603050405020304" pitchFamily="18" charset="0"/>
-                      </a:endParaRPr>
-                    </a:p>
-                  </a:txBody>
-                  <a:tcPr marL="65005" marR="65005" marT="0" marB="0"/>
-                </a:tc>
-                <a:tc>
-                  <a:txBody>
-                    <a:bodyPr/>
-                    <a:lstStyle/>
-                    <a:p>
-                      <a:pPr algn="just">
-                        <a:lnSpc>
-                          <a:spcPct val="150000"/>
-                        </a:lnSpc>
-                        <a:spcAft>
-                          <a:spcPts val="0"/>
-                        </a:spcAft>
-                      </a:pPr>
-                      <a:r>
-                        <a:rPr lang="en-US" sz="1000">
-                          <a:effectLst/>
-                        </a:rPr>
-                        <a:t> </a:t>
-                      </a:r>
-                      <a:endParaRPr lang="en-GB" sz="900">
-                        <a:effectLst/>
-                        <a:latin typeface="Arial" panose="020B0604020202020204" pitchFamily="34" charset="0"/>
-                        <a:ea typeface="Times New Roman" panose="02020603050405020304" pitchFamily="18" charset="0"/>
-                        <a:cs typeface="Times New Roman" panose="02020603050405020304" pitchFamily="18" charset="0"/>
-                      </a:endParaRPr>
-                    </a:p>
-                  </a:txBody>
-                  <a:tcPr marL="65005" marR="65005" marT="0" marB="0"/>
-                </a:tc>
-                <a:tc>
-                  <a:txBody>
-                    <a:bodyPr/>
-                    <a:lstStyle/>
-                    <a:p>
-                      <a:pPr algn="just">
-                        <a:lnSpc>
-                          <a:spcPct val="150000"/>
-                        </a:lnSpc>
-                        <a:spcAft>
-                          <a:spcPts val="0"/>
-                        </a:spcAft>
-                      </a:pPr>
-                      <a:r>
-                        <a:rPr lang="en-US" sz="1000">
-                          <a:effectLst/>
-                        </a:rPr>
-                        <a:t> </a:t>
-                      </a:r>
-                      <a:endParaRPr lang="en-GB" sz="900">
-                        <a:effectLst/>
-                        <a:latin typeface="Arial" panose="020B0604020202020204" pitchFamily="34" charset="0"/>
-                        <a:ea typeface="Times New Roman" panose="02020603050405020304" pitchFamily="18" charset="0"/>
-                        <a:cs typeface="Times New Roman" panose="02020603050405020304" pitchFamily="18" charset="0"/>
-                      </a:endParaRPr>
-                    </a:p>
-                  </a:txBody>
-                  <a:tcPr marL="65005" marR="65005" marT="0" marB="0"/>
-                </a:tc>
-                <a:tc>
-                  <a:txBody>
-                    <a:bodyPr/>
-                    <a:lstStyle/>
-                    <a:p>
-                      <a:pPr algn="just">
-                        <a:lnSpc>
-                          <a:spcPct val="150000"/>
-                        </a:lnSpc>
-                        <a:spcAft>
-                          <a:spcPts val="0"/>
-                        </a:spcAft>
-                      </a:pPr>
-                      <a:r>
-                        <a:rPr lang="en-US" sz="1000">
-                          <a:effectLst/>
-                        </a:rPr>
-                        <a:t> </a:t>
-                      </a:r>
-                      <a:endParaRPr lang="en-GB" sz="900">
-                        <a:effectLst/>
-                        <a:latin typeface="Arial" panose="020B0604020202020204" pitchFamily="34" charset="0"/>
-                        <a:ea typeface="Times New Roman" panose="02020603050405020304" pitchFamily="18" charset="0"/>
-                        <a:cs typeface="Times New Roman" panose="02020603050405020304" pitchFamily="18" charset="0"/>
-                      </a:endParaRPr>
-                    </a:p>
-                  </a:txBody>
-                  <a:tcPr marL="65005" marR="65005" marT="0" marB="0"/>
-                </a:tc>
-                <a:tc>
-                  <a:txBody>
-                    <a:bodyPr/>
-                    <a:lstStyle/>
-                    <a:p>
-                      <a:pPr algn="just">
-                        <a:lnSpc>
-                          <a:spcPct val="150000"/>
-                        </a:lnSpc>
-                        <a:spcAft>
-                          <a:spcPts val="0"/>
-                        </a:spcAft>
-                      </a:pPr>
-                      <a:r>
-                        <a:rPr lang="en-US" sz="1000">
-                          <a:effectLst/>
-                        </a:rPr>
-                        <a:t> </a:t>
-                      </a:r>
-                      <a:endParaRPr lang="en-GB" sz="900">
-                        <a:effectLst/>
-                        <a:latin typeface="Arial" panose="020B0604020202020204" pitchFamily="34" charset="0"/>
-                        <a:ea typeface="Times New Roman" panose="02020603050405020304" pitchFamily="18" charset="0"/>
-                        <a:cs typeface="Times New Roman" panose="02020603050405020304" pitchFamily="18" charset="0"/>
-                      </a:endParaRPr>
-                    </a:p>
-                  </a:txBody>
-                  <a:tcPr marL="65005" marR="65005" marT="0" marB="0"/>
-                </a:tc>
-                <a:tc>
-                  <a:txBody>
-                    <a:bodyPr/>
-                    <a:lstStyle/>
-                    <a:p>
-                      <a:pPr algn="just">
-                        <a:lnSpc>
-                          <a:spcPct val="150000"/>
-                        </a:lnSpc>
-                        <a:spcAft>
-                          <a:spcPts val="0"/>
-                        </a:spcAft>
-                      </a:pPr>
-                      <a:r>
-                        <a:rPr lang="en-US" sz="1000">
-                          <a:effectLst/>
-                        </a:rPr>
-                        <a:t> </a:t>
-                      </a:r>
-                      <a:endParaRPr lang="en-GB" sz="900">
-                        <a:effectLst/>
-                        <a:latin typeface="Arial" panose="020B0604020202020204" pitchFamily="34" charset="0"/>
-                        <a:ea typeface="Times New Roman" panose="02020603050405020304" pitchFamily="18" charset="0"/>
-                        <a:cs typeface="Times New Roman" panose="02020603050405020304" pitchFamily="18" charset="0"/>
-                      </a:endParaRPr>
-                    </a:p>
-                  </a:txBody>
-                  <a:tcPr marL="65005" marR="65005" marT="0" marB="0"/>
-                </a:tc>
-                <a:tc>
-                  <a:txBody>
-                    <a:bodyPr/>
-                    <a:lstStyle/>
-                    <a:p>
-                      <a:pPr algn="just">
-                        <a:lnSpc>
-                          <a:spcPct val="150000"/>
-                        </a:lnSpc>
-                        <a:spcAft>
-                          <a:spcPts val="0"/>
-                        </a:spcAft>
-                      </a:pPr>
-                      <a:r>
-                        <a:rPr lang="en-US" sz="1000">
-                          <a:effectLst/>
-                        </a:rPr>
-                        <a:t> </a:t>
-                      </a:r>
-                      <a:endParaRPr lang="en-GB" sz="900">
-                        <a:effectLst/>
-                        <a:latin typeface="Arial" panose="020B0604020202020204" pitchFamily="34" charset="0"/>
-                        <a:ea typeface="Times New Roman" panose="02020603050405020304" pitchFamily="18" charset="0"/>
-                        <a:cs typeface="Times New Roman" panose="02020603050405020304" pitchFamily="18" charset="0"/>
-                      </a:endParaRPr>
-                    </a:p>
-                  </a:txBody>
-                  <a:tcPr marL="65005" marR="65005" marT="0" marB="0"/>
-                </a:tc>
-                <a:tc>
-                  <a:txBody>
-                    <a:bodyPr/>
-                    <a:lstStyle/>
-                    <a:p>
-                      <a:pPr algn="just">
-                        <a:lnSpc>
-                          <a:spcPct val="150000"/>
-                        </a:lnSpc>
-                        <a:spcAft>
-                          <a:spcPts val="0"/>
-                        </a:spcAft>
-                      </a:pPr>
-                      <a:r>
-                        <a:rPr lang="en-US" sz="1000">
-                          <a:effectLst/>
-                        </a:rPr>
-                        <a:t> </a:t>
-                      </a:r>
-                      <a:endParaRPr lang="en-GB" sz="900">
-                        <a:effectLst/>
-                        <a:latin typeface="Arial" panose="020B0604020202020204" pitchFamily="34" charset="0"/>
-                        <a:ea typeface="Times New Roman" panose="02020603050405020304" pitchFamily="18" charset="0"/>
-                        <a:cs typeface="Times New Roman" panose="02020603050405020304" pitchFamily="18" charset="0"/>
-                      </a:endParaRPr>
-                    </a:p>
-                  </a:txBody>
-                  <a:tcPr marL="65005" marR="65005" marT="0" marB="0"/>
-                </a:tc>
-                <a:tc>
-                  <a:txBody>
-                    <a:bodyPr/>
-                    <a:lstStyle/>
-                    <a:p>
-                      <a:pPr algn="just">
-                        <a:lnSpc>
-                          <a:spcPct val="150000"/>
-                        </a:lnSpc>
-                        <a:spcAft>
-                          <a:spcPts val="0"/>
-                        </a:spcAft>
-                      </a:pPr>
-                      <a:r>
-                        <a:rPr lang="en-US" sz="1000">
-                          <a:effectLst/>
-                        </a:rPr>
-                        <a:t> </a:t>
-                      </a:r>
-                      <a:endParaRPr lang="en-GB" sz="900">
-                        <a:effectLst/>
-                        <a:latin typeface="Arial" panose="020B0604020202020204" pitchFamily="34" charset="0"/>
-                        <a:ea typeface="Times New Roman" panose="02020603050405020304" pitchFamily="18" charset="0"/>
-                        <a:cs typeface="Times New Roman" panose="02020603050405020304" pitchFamily="18" charset="0"/>
-                      </a:endParaRPr>
-                    </a:p>
-                  </a:txBody>
-                  <a:tcPr marL="65005" marR="65005" marT="0" marB="0"/>
-                </a:tc>
-                <a:extLst>
-                  <a:ext uri="{0D108BD9-81ED-4DB2-BD59-A6C34878D82A}">
-                    <a16:rowId xmlns="" xmlns:a16="http://schemas.microsoft.com/office/drawing/2014/main" val="3646972767"/>
-                  </a:ext>
-                </a:extLst>
-              </a:tr>
-              <a:tr h="700633">
-                <a:tc>
-                  <a:txBody>
-                    <a:bodyPr/>
-                    <a:lstStyle/>
-                    <a:p>
-                      <a:pPr algn="just">
-                        <a:lnSpc>
-                          <a:spcPct val="150000"/>
-                        </a:lnSpc>
-                        <a:spcAft>
-                          <a:spcPts val="0"/>
-                        </a:spcAft>
-                      </a:pPr>
-                      <a:r>
-                        <a:rPr lang="en-US" sz="1000">
-                          <a:effectLst/>
-                        </a:rPr>
-                        <a:t>Hardware work</a:t>
-                      </a:r>
-                      <a:endParaRPr lang="en-GB" sz="900">
-                        <a:effectLst/>
-                        <a:latin typeface="Arial" panose="020B0604020202020204" pitchFamily="34" charset="0"/>
-                        <a:ea typeface="Times New Roman" panose="02020603050405020304" pitchFamily="18" charset="0"/>
-                        <a:cs typeface="Times New Roman" panose="02020603050405020304" pitchFamily="18" charset="0"/>
-                      </a:endParaRPr>
-                    </a:p>
-                  </a:txBody>
-                  <a:tcPr marL="65005" marR="65005" marT="0" marB="0"/>
-                </a:tc>
-                <a:tc>
-                  <a:txBody>
-                    <a:bodyPr/>
-                    <a:lstStyle/>
-                    <a:p>
-                      <a:pPr algn="just">
-                        <a:lnSpc>
-                          <a:spcPct val="150000"/>
-                        </a:lnSpc>
-                        <a:spcAft>
-                          <a:spcPts val="0"/>
-                        </a:spcAft>
-                      </a:pPr>
-                      <a:r>
-                        <a:rPr lang="en-US" sz="1000">
-                          <a:effectLst/>
-                        </a:rPr>
-                        <a:t> </a:t>
-                      </a:r>
-                      <a:endParaRPr lang="en-GB" sz="900">
-                        <a:effectLst/>
-                        <a:latin typeface="Arial" panose="020B0604020202020204" pitchFamily="34" charset="0"/>
-                        <a:ea typeface="Times New Roman" panose="02020603050405020304" pitchFamily="18" charset="0"/>
-                        <a:cs typeface="Times New Roman" panose="02020603050405020304" pitchFamily="18" charset="0"/>
-                      </a:endParaRPr>
-                    </a:p>
-                  </a:txBody>
-                  <a:tcPr marL="65005" marR="65005" marT="0" marB="0"/>
-                </a:tc>
-                <a:tc>
-                  <a:txBody>
-                    <a:bodyPr/>
-                    <a:lstStyle/>
-                    <a:p>
-                      <a:pPr algn="just">
-                        <a:lnSpc>
-                          <a:spcPct val="150000"/>
-                        </a:lnSpc>
-                        <a:spcAft>
-                          <a:spcPts val="0"/>
-                        </a:spcAft>
-                      </a:pPr>
-                      <a:r>
-                        <a:rPr lang="en-US" sz="1000">
-                          <a:effectLst/>
-                        </a:rPr>
-                        <a:t> </a:t>
-                      </a:r>
-                      <a:endParaRPr lang="en-GB" sz="900">
-                        <a:effectLst/>
-                        <a:latin typeface="Arial" panose="020B0604020202020204" pitchFamily="34" charset="0"/>
-                        <a:ea typeface="Times New Roman" panose="02020603050405020304" pitchFamily="18" charset="0"/>
-                        <a:cs typeface="Times New Roman" panose="02020603050405020304" pitchFamily="18" charset="0"/>
-                      </a:endParaRPr>
-                    </a:p>
-                  </a:txBody>
-                  <a:tcPr marL="65005" marR="65005" marT="0" marB="0"/>
-                </a:tc>
-                <a:tc>
-                  <a:txBody>
-                    <a:bodyPr/>
-                    <a:lstStyle/>
-                    <a:p>
-                      <a:pPr algn="just">
-                        <a:lnSpc>
-                          <a:spcPct val="150000"/>
-                        </a:lnSpc>
-                        <a:spcAft>
-                          <a:spcPts val="0"/>
-                        </a:spcAft>
-                      </a:pPr>
-                      <a:r>
-                        <a:rPr lang="en-US" sz="1000">
-                          <a:effectLst/>
-                        </a:rPr>
-                        <a:t> </a:t>
-                      </a:r>
-                      <a:endParaRPr lang="en-GB" sz="900">
-                        <a:effectLst/>
-                        <a:latin typeface="Arial" panose="020B0604020202020204" pitchFamily="34" charset="0"/>
-                        <a:ea typeface="Times New Roman" panose="02020603050405020304" pitchFamily="18" charset="0"/>
-                        <a:cs typeface="Times New Roman" panose="02020603050405020304" pitchFamily="18" charset="0"/>
-                      </a:endParaRPr>
-                    </a:p>
-                  </a:txBody>
-                  <a:tcPr marL="65005" marR="65005" marT="0" marB="0"/>
-                </a:tc>
-                <a:tc>
-                  <a:txBody>
-                    <a:bodyPr/>
-                    <a:lstStyle/>
-                    <a:p>
-                      <a:pPr algn="just">
-                        <a:lnSpc>
-                          <a:spcPct val="150000"/>
-                        </a:lnSpc>
-                        <a:spcAft>
-                          <a:spcPts val="0"/>
-                        </a:spcAft>
-                      </a:pPr>
-                      <a:r>
-                        <a:rPr lang="en-US" sz="1000">
-                          <a:effectLst/>
-                        </a:rPr>
-                        <a:t> </a:t>
-                      </a:r>
-                      <a:endParaRPr lang="en-GB" sz="900">
-                        <a:effectLst/>
-                        <a:latin typeface="Arial" panose="020B0604020202020204" pitchFamily="34" charset="0"/>
-                        <a:ea typeface="Times New Roman" panose="02020603050405020304" pitchFamily="18" charset="0"/>
-                        <a:cs typeface="Times New Roman" panose="02020603050405020304" pitchFamily="18" charset="0"/>
-                      </a:endParaRPr>
-                    </a:p>
-                  </a:txBody>
-                  <a:tcPr marL="65005" marR="65005" marT="0" marB="0"/>
-                </a:tc>
-                <a:tc>
-                  <a:txBody>
-                    <a:bodyPr/>
-                    <a:lstStyle/>
-                    <a:p>
-                      <a:pPr algn="just">
-                        <a:lnSpc>
-                          <a:spcPct val="150000"/>
-                        </a:lnSpc>
-                        <a:spcAft>
-                          <a:spcPts val="0"/>
-                        </a:spcAft>
-                      </a:pPr>
-                      <a:r>
-                        <a:rPr lang="en-US" sz="1000">
-                          <a:effectLst/>
-                        </a:rPr>
-                        <a:t> </a:t>
-                      </a:r>
-                      <a:endParaRPr lang="en-GB" sz="900">
-                        <a:effectLst/>
-                        <a:latin typeface="Arial" panose="020B0604020202020204" pitchFamily="34" charset="0"/>
-                        <a:ea typeface="Times New Roman" panose="02020603050405020304" pitchFamily="18" charset="0"/>
-                        <a:cs typeface="Times New Roman" panose="02020603050405020304" pitchFamily="18" charset="0"/>
-                      </a:endParaRPr>
-                    </a:p>
-                  </a:txBody>
-                  <a:tcPr marL="65005" marR="65005" marT="0" marB="0"/>
-                </a:tc>
-                <a:tc>
-                  <a:txBody>
-                    <a:bodyPr/>
-                    <a:lstStyle/>
-                    <a:p>
-                      <a:pPr algn="just">
-                        <a:lnSpc>
-                          <a:spcPct val="150000"/>
-                        </a:lnSpc>
-                        <a:spcAft>
-                          <a:spcPts val="0"/>
-                        </a:spcAft>
-                      </a:pPr>
-                      <a:r>
-                        <a:rPr lang="en-US" sz="1000">
-                          <a:effectLst/>
-                        </a:rPr>
-                        <a:t> </a:t>
-                      </a:r>
-                      <a:endParaRPr lang="en-GB" sz="900">
-                        <a:effectLst/>
-                        <a:latin typeface="Arial" panose="020B0604020202020204" pitchFamily="34" charset="0"/>
-                        <a:ea typeface="Times New Roman" panose="02020603050405020304" pitchFamily="18" charset="0"/>
-                        <a:cs typeface="Times New Roman" panose="02020603050405020304" pitchFamily="18" charset="0"/>
-                      </a:endParaRPr>
-                    </a:p>
-                  </a:txBody>
-                  <a:tcPr marL="65005" marR="65005" marT="0" marB="0"/>
-                </a:tc>
-                <a:tc>
-                  <a:txBody>
-                    <a:bodyPr/>
-                    <a:lstStyle/>
-                    <a:p>
-                      <a:pPr algn="just">
-                        <a:lnSpc>
-                          <a:spcPct val="150000"/>
-                        </a:lnSpc>
-                        <a:spcAft>
-                          <a:spcPts val="0"/>
-                        </a:spcAft>
-                      </a:pPr>
-                      <a:r>
-                        <a:rPr lang="en-US" sz="1000">
-                          <a:effectLst/>
-                        </a:rPr>
-                        <a:t> </a:t>
-                      </a:r>
-                      <a:endParaRPr lang="en-GB" sz="900">
-                        <a:effectLst/>
-                        <a:latin typeface="Arial" panose="020B0604020202020204" pitchFamily="34" charset="0"/>
-                        <a:ea typeface="Times New Roman" panose="02020603050405020304" pitchFamily="18" charset="0"/>
-                        <a:cs typeface="Times New Roman" panose="02020603050405020304" pitchFamily="18" charset="0"/>
-                      </a:endParaRPr>
-                    </a:p>
-                  </a:txBody>
-                  <a:tcPr marL="65005" marR="65005" marT="0" marB="0"/>
-                </a:tc>
-                <a:tc>
-                  <a:txBody>
-                    <a:bodyPr/>
-                    <a:lstStyle/>
-                    <a:p>
-                      <a:pPr algn="just">
-                        <a:lnSpc>
-                          <a:spcPct val="150000"/>
-                        </a:lnSpc>
-                        <a:spcAft>
-                          <a:spcPts val="0"/>
-                        </a:spcAft>
-                      </a:pPr>
-                      <a:r>
-                        <a:rPr lang="en-US" sz="1000">
-                          <a:effectLst/>
-                        </a:rPr>
-                        <a:t> </a:t>
-                      </a:r>
-                      <a:endParaRPr lang="en-GB" sz="900">
-                        <a:effectLst/>
-                        <a:latin typeface="Arial" panose="020B0604020202020204" pitchFamily="34" charset="0"/>
-                        <a:ea typeface="Times New Roman" panose="02020603050405020304" pitchFamily="18" charset="0"/>
-                        <a:cs typeface="Times New Roman" panose="02020603050405020304" pitchFamily="18" charset="0"/>
-                      </a:endParaRPr>
-                    </a:p>
-                  </a:txBody>
-                  <a:tcPr marL="65005" marR="65005" marT="0" marB="0"/>
-                </a:tc>
-                <a:tc>
-                  <a:txBody>
-                    <a:bodyPr/>
-                    <a:lstStyle/>
-                    <a:p>
-                      <a:pPr algn="just">
-                        <a:lnSpc>
-                          <a:spcPct val="150000"/>
-                        </a:lnSpc>
-                        <a:spcAft>
-                          <a:spcPts val="0"/>
-                        </a:spcAft>
-                      </a:pPr>
-                      <a:r>
-                        <a:rPr lang="en-US" sz="1000">
-                          <a:effectLst/>
-                        </a:rPr>
-                        <a:t> </a:t>
-                      </a:r>
-                      <a:endParaRPr lang="en-GB" sz="900">
-                        <a:effectLst/>
-                        <a:latin typeface="Arial" panose="020B0604020202020204" pitchFamily="34" charset="0"/>
-                        <a:ea typeface="Times New Roman" panose="02020603050405020304" pitchFamily="18" charset="0"/>
-                        <a:cs typeface="Times New Roman" panose="02020603050405020304" pitchFamily="18" charset="0"/>
-                      </a:endParaRPr>
-                    </a:p>
-                  </a:txBody>
-                  <a:tcPr marL="65005" marR="65005" marT="0" marB="0"/>
-                </a:tc>
-                <a:tc>
-                  <a:txBody>
-                    <a:bodyPr/>
-                    <a:lstStyle/>
-                    <a:p>
-                      <a:pPr algn="just">
-                        <a:lnSpc>
-                          <a:spcPct val="150000"/>
-                        </a:lnSpc>
-                        <a:spcAft>
-                          <a:spcPts val="0"/>
-                        </a:spcAft>
-                      </a:pPr>
-                      <a:r>
-                        <a:rPr lang="en-US" sz="1000">
-                          <a:effectLst/>
-                        </a:rPr>
-                        <a:t> </a:t>
-                      </a:r>
-                      <a:endParaRPr lang="en-GB" sz="900">
-                        <a:effectLst/>
-                        <a:latin typeface="Arial" panose="020B0604020202020204" pitchFamily="34" charset="0"/>
-                        <a:ea typeface="Times New Roman" panose="02020603050405020304" pitchFamily="18" charset="0"/>
-                        <a:cs typeface="Times New Roman" panose="02020603050405020304" pitchFamily="18" charset="0"/>
-                      </a:endParaRPr>
-                    </a:p>
-                  </a:txBody>
-                  <a:tcPr marL="65005" marR="65005" marT="0" marB="0"/>
-                </a:tc>
-                <a:tc>
-                  <a:txBody>
-                    <a:bodyPr/>
-                    <a:lstStyle/>
-                    <a:p>
-                      <a:pPr algn="just">
-                        <a:lnSpc>
-                          <a:spcPct val="150000"/>
-                        </a:lnSpc>
-                        <a:spcAft>
-                          <a:spcPts val="0"/>
-                        </a:spcAft>
-                      </a:pPr>
-                      <a:r>
-                        <a:rPr lang="en-US" sz="1000">
-                          <a:effectLst/>
-                        </a:rPr>
-                        <a:t> </a:t>
-                      </a:r>
-                      <a:endParaRPr lang="en-GB" sz="900">
-                        <a:effectLst/>
-                        <a:latin typeface="Arial" panose="020B0604020202020204" pitchFamily="34" charset="0"/>
-                        <a:ea typeface="Times New Roman" panose="02020603050405020304" pitchFamily="18" charset="0"/>
-                        <a:cs typeface="Times New Roman" panose="02020603050405020304" pitchFamily="18" charset="0"/>
-                      </a:endParaRPr>
-                    </a:p>
-                  </a:txBody>
-                  <a:tcPr marL="65005" marR="65005" marT="0" marB="0"/>
-                </a:tc>
-                <a:tc>
-                  <a:txBody>
-                    <a:bodyPr/>
-                    <a:lstStyle/>
-                    <a:p>
-                      <a:pPr algn="just">
-                        <a:lnSpc>
-                          <a:spcPct val="150000"/>
-                        </a:lnSpc>
-                        <a:spcAft>
-                          <a:spcPts val="0"/>
-                        </a:spcAft>
-                      </a:pPr>
-                      <a:r>
-                        <a:rPr lang="en-US" sz="1000">
-                          <a:effectLst/>
-                        </a:rPr>
-                        <a:t> </a:t>
-                      </a:r>
-                      <a:endParaRPr lang="en-GB" sz="900">
-                        <a:effectLst/>
-                        <a:latin typeface="Arial" panose="020B0604020202020204" pitchFamily="34" charset="0"/>
-                        <a:ea typeface="Times New Roman" panose="02020603050405020304" pitchFamily="18" charset="0"/>
-                        <a:cs typeface="Times New Roman" panose="02020603050405020304" pitchFamily="18" charset="0"/>
-                      </a:endParaRPr>
-                    </a:p>
-                  </a:txBody>
-                  <a:tcPr marL="65005" marR="65005" marT="0" marB="0"/>
-                </a:tc>
-                <a:tc>
-                  <a:txBody>
-                    <a:bodyPr/>
-                    <a:lstStyle/>
-                    <a:p>
-                      <a:pPr algn="just">
-                        <a:lnSpc>
-                          <a:spcPct val="150000"/>
-                        </a:lnSpc>
-                        <a:spcAft>
-                          <a:spcPts val="0"/>
-                        </a:spcAft>
-                      </a:pPr>
-                      <a:r>
-                        <a:rPr lang="en-US" sz="1000">
-                          <a:effectLst/>
-                        </a:rPr>
-                        <a:t> </a:t>
-                      </a:r>
-                      <a:endParaRPr lang="en-GB" sz="900">
-                        <a:effectLst/>
-                        <a:latin typeface="Arial" panose="020B0604020202020204" pitchFamily="34" charset="0"/>
-                        <a:ea typeface="Times New Roman" panose="02020603050405020304" pitchFamily="18" charset="0"/>
-                        <a:cs typeface="Times New Roman" panose="02020603050405020304" pitchFamily="18" charset="0"/>
-                      </a:endParaRPr>
-                    </a:p>
-                  </a:txBody>
-                  <a:tcPr marL="65005" marR="65005" marT="0" marB="0"/>
-                </a:tc>
-                <a:tc>
-                  <a:txBody>
-                    <a:bodyPr/>
-                    <a:lstStyle/>
-                    <a:p>
-                      <a:pPr algn="just">
-                        <a:lnSpc>
-                          <a:spcPct val="150000"/>
-                        </a:lnSpc>
-                        <a:spcAft>
-                          <a:spcPts val="0"/>
-                        </a:spcAft>
-                      </a:pPr>
-                      <a:r>
-                        <a:rPr lang="en-US" sz="1000">
-                          <a:effectLst/>
-                        </a:rPr>
-                        <a:t> </a:t>
-                      </a:r>
-                      <a:endParaRPr lang="en-GB" sz="900">
-                        <a:effectLst/>
-                        <a:latin typeface="Arial" panose="020B0604020202020204" pitchFamily="34" charset="0"/>
-                        <a:ea typeface="Times New Roman" panose="02020603050405020304" pitchFamily="18" charset="0"/>
-                        <a:cs typeface="Times New Roman" panose="02020603050405020304" pitchFamily="18" charset="0"/>
-                      </a:endParaRPr>
-                    </a:p>
-                  </a:txBody>
-                  <a:tcPr marL="65005" marR="65005" marT="0" marB="0"/>
-                </a:tc>
-                <a:tc>
-                  <a:txBody>
-                    <a:bodyPr/>
-                    <a:lstStyle/>
-                    <a:p>
-                      <a:pPr algn="just">
-                        <a:lnSpc>
-                          <a:spcPct val="150000"/>
-                        </a:lnSpc>
-                        <a:spcAft>
-                          <a:spcPts val="0"/>
-                        </a:spcAft>
-                      </a:pPr>
-                      <a:r>
-                        <a:rPr lang="en-US" sz="1000">
-                          <a:effectLst/>
-                        </a:rPr>
-                        <a:t> </a:t>
-                      </a:r>
-                      <a:endParaRPr lang="en-GB" sz="900">
-                        <a:effectLst/>
-                        <a:latin typeface="Arial" panose="020B0604020202020204" pitchFamily="34" charset="0"/>
-                        <a:ea typeface="Times New Roman" panose="02020603050405020304" pitchFamily="18" charset="0"/>
-                        <a:cs typeface="Times New Roman" panose="02020603050405020304" pitchFamily="18" charset="0"/>
-                      </a:endParaRPr>
-                    </a:p>
-                  </a:txBody>
-                  <a:tcPr marL="65005" marR="65005" marT="0" marB="0"/>
-                </a:tc>
-                <a:tc>
-                  <a:txBody>
-                    <a:bodyPr/>
-                    <a:lstStyle/>
-                    <a:p>
-                      <a:pPr algn="just">
-                        <a:lnSpc>
-                          <a:spcPct val="150000"/>
-                        </a:lnSpc>
-                        <a:spcAft>
-                          <a:spcPts val="0"/>
-                        </a:spcAft>
-                      </a:pPr>
-                      <a:r>
-                        <a:rPr lang="en-US" sz="1000">
-                          <a:effectLst/>
-                        </a:rPr>
-                        <a:t> </a:t>
-                      </a:r>
-                      <a:endParaRPr lang="en-GB" sz="900">
-                        <a:effectLst/>
-                        <a:latin typeface="Arial" panose="020B0604020202020204" pitchFamily="34" charset="0"/>
-                        <a:ea typeface="Times New Roman" panose="02020603050405020304" pitchFamily="18" charset="0"/>
-                        <a:cs typeface="Times New Roman" panose="02020603050405020304" pitchFamily="18" charset="0"/>
-                      </a:endParaRPr>
-                    </a:p>
-                  </a:txBody>
-                  <a:tcPr marL="65005" marR="65005" marT="0" marB="0"/>
-                </a:tc>
-                <a:tc>
-                  <a:txBody>
-                    <a:bodyPr/>
-                    <a:lstStyle/>
-                    <a:p>
-                      <a:pPr algn="just">
-                        <a:lnSpc>
-                          <a:spcPct val="150000"/>
-                        </a:lnSpc>
-                        <a:spcAft>
-                          <a:spcPts val="0"/>
-                        </a:spcAft>
-                      </a:pPr>
-                      <a:r>
-                        <a:rPr lang="en-US" sz="1000">
-                          <a:effectLst/>
-                        </a:rPr>
-                        <a:t> </a:t>
-                      </a:r>
-                      <a:endParaRPr lang="en-GB" sz="900">
-                        <a:effectLst/>
-                        <a:latin typeface="Arial" panose="020B0604020202020204" pitchFamily="34" charset="0"/>
-                        <a:ea typeface="Times New Roman" panose="02020603050405020304" pitchFamily="18" charset="0"/>
-                        <a:cs typeface="Times New Roman" panose="02020603050405020304" pitchFamily="18" charset="0"/>
-                      </a:endParaRPr>
-                    </a:p>
-                  </a:txBody>
-                  <a:tcPr marL="65005" marR="65005" marT="0" marB="0"/>
-                </a:tc>
-                <a:tc>
-                  <a:txBody>
-                    <a:bodyPr/>
-                    <a:lstStyle/>
-                    <a:p>
-                      <a:pPr algn="just">
-                        <a:lnSpc>
-                          <a:spcPct val="150000"/>
-                        </a:lnSpc>
-                        <a:spcAft>
-                          <a:spcPts val="0"/>
-                        </a:spcAft>
-                      </a:pPr>
-                      <a:r>
-                        <a:rPr lang="en-US" sz="1000" dirty="0">
-                          <a:effectLst/>
-                        </a:rPr>
-                        <a:t> </a:t>
-                      </a:r>
-                      <a:endParaRPr lang="en-GB" sz="900" dirty="0">
-                        <a:effectLst/>
-                        <a:latin typeface="Arial" panose="020B0604020202020204" pitchFamily="34" charset="0"/>
-                        <a:ea typeface="Times New Roman" panose="02020603050405020304" pitchFamily="18" charset="0"/>
-                        <a:cs typeface="Times New Roman" panose="02020603050405020304" pitchFamily="18" charset="0"/>
-                      </a:endParaRPr>
-                    </a:p>
-                  </a:txBody>
-                  <a:tcPr marL="65005" marR="65005" marT="0" marB="0"/>
-                </a:tc>
-                <a:tc>
-                  <a:txBody>
-                    <a:bodyPr/>
-                    <a:lstStyle/>
-                    <a:p>
-                      <a:pPr algn="just">
-                        <a:lnSpc>
-                          <a:spcPct val="150000"/>
-                        </a:lnSpc>
-                        <a:spcAft>
-                          <a:spcPts val="0"/>
-                        </a:spcAft>
-                      </a:pPr>
-                      <a:r>
-                        <a:rPr lang="en-US" sz="1000">
-                          <a:effectLst/>
-                        </a:rPr>
-                        <a:t> </a:t>
-                      </a:r>
-                      <a:endParaRPr lang="en-GB" sz="900">
-                        <a:effectLst/>
-                        <a:latin typeface="Arial" panose="020B0604020202020204" pitchFamily="34" charset="0"/>
-                        <a:ea typeface="Times New Roman" panose="02020603050405020304" pitchFamily="18" charset="0"/>
-                        <a:cs typeface="Times New Roman" panose="02020603050405020304" pitchFamily="18" charset="0"/>
-                      </a:endParaRPr>
-                    </a:p>
-                  </a:txBody>
-                  <a:tcPr marL="65005" marR="65005" marT="0" marB="0"/>
-                </a:tc>
-                <a:tc>
-                  <a:txBody>
-                    <a:bodyPr/>
-                    <a:lstStyle/>
-                    <a:p>
-                      <a:pPr algn="just">
-                        <a:lnSpc>
-                          <a:spcPct val="150000"/>
-                        </a:lnSpc>
-                        <a:spcAft>
-                          <a:spcPts val="0"/>
-                        </a:spcAft>
-                      </a:pPr>
-                      <a:r>
-                        <a:rPr lang="en-US" sz="1000">
-                          <a:effectLst/>
-                        </a:rPr>
-                        <a:t> </a:t>
-                      </a:r>
-                      <a:endParaRPr lang="en-GB" sz="900">
-                        <a:effectLst/>
-                        <a:latin typeface="Arial" panose="020B0604020202020204" pitchFamily="34" charset="0"/>
-                        <a:ea typeface="Times New Roman" panose="02020603050405020304" pitchFamily="18" charset="0"/>
-                        <a:cs typeface="Times New Roman" panose="02020603050405020304" pitchFamily="18" charset="0"/>
-                      </a:endParaRPr>
-                    </a:p>
-                  </a:txBody>
-                  <a:tcPr marL="65005" marR="65005" marT="0" marB="0"/>
-                </a:tc>
-                <a:extLst>
-                  <a:ext uri="{0D108BD9-81ED-4DB2-BD59-A6C34878D82A}">
-                    <a16:rowId xmlns="" xmlns:a16="http://schemas.microsoft.com/office/drawing/2014/main" val="2928623557"/>
-                  </a:ext>
-                </a:extLst>
-              </a:tr>
-              <a:tr h="658947">
-                <a:tc>
-                  <a:txBody>
-                    <a:bodyPr/>
-                    <a:lstStyle/>
-                    <a:p>
-                      <a:pPr algn="just">
-                        <a:lnSpc>
-                          <a:spcPct val="150000"/>
-                        </a:lnSpc>
-                        <a:spcAft>
-                          <a:spcPts val="0"/>
-                        </a:spcAft>
-                      </a:pPr>
-                      <a:r>
-                        <a:rPr lang="en-US" sz="900">
-                          <a:effectLst/>
-                        </a:rPr>
-                        <a:t>Interfacing</a:t>
-                      </a:r>
-                      <a:endParaRPr lang="en-GB" sz="900">
-                        <a:effectLst/>
-                        <a:latin typeface="Arial" panose="020B0604020202020204" pitchFamily="34" charset="0"/>
-                        <a:ea typeface="Times New Roman" panose="02020603050405020304" pitchFamily="18" charset="0"/>
-                        <a:cs typeface="Times New Roman" panose="02020603050405020304" pitchFamily="18" charset="0"/>
-                      </a:endParaRPr>
-                    </a:p>
-                  </a:txBody>
-                  <a:tcPr marL="65005" marR="65005" marT="0" marB="0"/>
-                </a:tc>
-                <a:tc>
-                  <a:txBody>
-                    <a:bodyPr/>
-                    <a:lstStyle/>
-                    <a:p>
-                      <a:pPr algn="just">
-                        <a:lnSpc>
-                          <a:spcPct val="150000"/>
-                        </a:lnSpc>
-                        <a:spcAft>
-                          <a:spcPts val="0"/>
-                        </a:spcAft>
-                      </a:pPr>
-                      <a:r>
-                        <a:rPr lang="en-US" sz="1000">
-                          <a:effectLst/>
-                        </a:rPr>
-                        <a:t> </a:t>
-                      </a:r>
-                      <a:endParaRPr lang="en-GB" sz="900">
-                        <a:effectLst/>
-                        <a:latin typeface="Arial" panose="020B0604020202020204" pitchFamily="34" charset="0"/>
-                        <a:ea typeface="Times New Roman" panose="02020603050405020304" pitchFamily="18" charset="0"/>
-                        <a:cs typeface="Times New Roman" panose="02020603050405020304" pitchFamily="18" charset="0"/>
-                      </a:endParaRPr>
-                    </a:p>
-                  </a:txBody>
-                  <a:tcPr marL="65005" marR="65005" marT="0" marB="0"/>
-                </a:tc>
-                <a:tc>
-                  <a:txBody>
-                    <a:bodyPr/>
-                    <a:lstStyle/>
-                    <a:p>
-                      <a:pPr algn="just">
-                        <a:lnSpc>
-                          <a:spcPct val="150000"/>
-                        </a:lnSpc>
-                        <a:spcAft>
-                          <a:spcPts val="0"/>
-                        </a:spcAft>
-                      </a:pPr>
-                      <a:r>
-                        <a:rPr lang="en-US" sz="1000">
-                          <a:effectLst/>
-                        </a:rPr>
-                        <a:t> </a:t>
-                      </a:r>
-                      <a:endParaRPr lang="en-GB" sz="900">
-                        <a:effectLst/>
-                        <a:latin typeface="Arial" panose="020B0604020202020204" pitchFamily="34" charset="0"/>
-                        <a:ea typeface="Times New Roman" panose="02020603050405020304" pitchFamily="18" charset="0"/>
-                        <a:cs typeface="Times New Roman" panose="02020603050405020304" pitchFamily="18" charset="0"/>
-                      </a:endParaRPr>
-                    </a:p>
-                  </a:txBody>
-                  <a:tcPr marL="65005" marR="65005" marT="0" marB="0"/>
-                </a:tc>
-                <a:tc>
-                  <a:txBody>
-                    <a:bodyPr/>
-                    <a:lstStyle/>
-                    <a:p>
-                      <a:pPr algn="just">
-                        <a:lnSpc>
-                          <a:spcPct val="150000"/>
-                        </a:lnSpc>
-                        <a:spcAft>
-                          <a:spcPts val="0"/>
-                        </a:spcAft>
-                      </a:pPr>
-                      <a:r>
-                        <a:rPr lang="en-US" sz="1000">
-                          <a:effectLst/>
-                        </a:rPr>
-                        <a:t> </a:t>
-                      </a:r>
-                      <a:endParaRPr lang="en-GB" sz="900">
-                        <a:effectLst/>
-                        <a:latin typeface="Arial" panose="020B0604020202020204" pitchFamily="34" charset="0"/>
-                        <a:ea typeface="Times New Roman" panose="02020603050405020304" pitchFamily="18" charset="0"/>
-                        <a:cs typeface="Times New Roman" panose="02020603050405020304" pitchFamily="18" charset="0"/>
-                      </a:endParaRPr>
-                    </a:p>
-                  </a:txBody>
-                  <a:tcPr marL="65005" marR="65005" marT="0" marB="0"/>
-                </a:tc>
-                <a:tc>
-                  <a:txBody>
-                    <a:bodyPr/>
-                    <a:lstStyle/>
-                    <a:p>
-                      <a:pPr algn="just">
-                        <a:lnSpc>
-                          <a:spcPct val="150000"/>
-                        </a:lnSpc>
-                        <a:spcAft>
-                          <a:spcPts val="0"/>
-                        </a:spcAft>
-                      </a:pPr>
-                      <a:r>
-                        <a:rPr lang="en-US" sz="1000">
-                          <a:effectLst/>
-                        </a:rPr>
-                        <a:t> </a:t>
-                      </a:r>
-                      <a:endParaRPr lang="en-GB" sz="900">
-                        <a:effectLst/>
-                        <a:latin typeface="Arial" panose="020B0604020202020204" pitchFamily="34" charset="0"/>
-                        <a:ea typeface="Times New Roman" panose="02020603050405020304" pitchFamily="18" charset="0"/>
-                        <a:cs typeface="Times New Roman" panose="02020603050405020304" pitchFamily="18" charset="0"/>
-                      </a:endParaRPr>
-                    </a:p>
-                  </a:txBody>
-                  <a:tcPr marL="65005" marR="65005" marT="0" marB="0"/>
-                </a:tc>
-                <a:tc>
-                  <a:txBody>
-                    <a:bodyPr/>
-                    <a:lstStyle/>
-                    <a:p>
-                      <a:pPr algn="just">
-                        <a:lnSpc>
-                          <a:spcPct val="150000"/>
-                        </a:lnSpc>
-                        <a:spcAft>
-                          <a:spcPts val="0"/>
-                        </a:spcAft>
-                      </a:pPr>
-                      <a:r>
-                        <a:rPr lang="en-US" sz="1000">
-                          <a:effectLst/>
-                        </a:rPr>
-                        <a:t> </a:t>
-                      </a:r>
-                      <a:endParaRPr lang="en-GB" sz="900">
-                        <a:effectLst/>
-                        <a:latin typeface="Arial" panose="020B0604020202020204" pitchFamily="34" charset="0"/>
-                        <a:ea typeface="Times New Roman" panose="02020603050405020304" pitchFamily="18" charset="0"/>
-                        <a:cs typeface="Times New Roman" panose="02020603050405020304" pitchFamily="18" charset="0"/>
-                      </a:endParaRPr>
-                    </a:p>
-                  </a:txBody>
-                  <a:tcPr marL="65005" marR="65005" marT="0" marB="0"/>
-                </a:tc>
-                <a:tc>
-                  <a:txBody>
-                    <a:bodyPr/>
-                    <a:lstStyle/>
-                    <a:p>
-                      <a:pPr algn="just">
-                        <a:lnSpc>
-                          <a:spcPct val="150000"/>
-                        </a:lnSpc>
-                        <a:spcAft>
-                          <a:spcPts val="0"/>
-                        </a:spcAft>
-                      </a:pPr>
-                      <a:r>
-                        <a:rPr lang="en-US" sz="1000">
-                          <a:effectLst/>
-                        </a:rPr>
-                        <a:t> </a:t>
-                      </a:r>
-                      <a:endParaRPr lang="en-GB" sz="900">
-                        <a:effectLst/>
-                        <a:latin typeface="Arial" panose="020B0604020202020204" pitchFamily="34" charset="0"/>
-                        <a:ea typeface="Times New Roman" panose="02020603050405020304" pitchFamily="18" charset="0"/>
-                        <a:cs typeface="Times New Roman" panose="02020603050405020304" pitchFamily="18" charset="0"/>
-                      </a:endParaRPr>
-                    </a:p>
-                  </a:txBody>
-                  <a:tcPr marL="65005" marR="65005" marT="0" marB="0"/>
-                </a:tc>
-                <a:tc>
-                  <a:txBody>
-                    <a:bodyPr/>
-                    <a:lstStyle/>
-                    <a:p>
-                      <a:pPr algn="just">
-                        <a:lnSpc>
-                          <a:spcPct val="150000"/>
-                        </a:lnSpc>
-                        <a:spcAft>
-                          <a:spcPts val="0"/>
-                        </a:spcAft>
-                      </a:pPr>
-                      <a:r>
-                        <a:rPr lang="en-US" sz="1000">
-                          <a:effectLst/>
-                        </a:rPr>
-                        <a:t> </a:t>
-                      </a:r>
-                      <a:endParaRPr lang="en-GB" sz="900">
-                        <a:effectLst/>
-                        <a:latin typeface="Arial" panose="020B0604020202020204" pitchFamily="34" charset="0"/>
-                        <a:ea typeface="Times New Roman" panose="02020603050405020304" pitchFamily="18" charset="0"/>
-                        <a:cs typeface="Times New Roman" panose="02020603050405020304" pitchFamily="18" charset="0"/>
-                      </a:endParaRPr>
-                    </a:p>
-                  </a:txBody>
-                  <a:tcPr marL="65005" marR="65005" marT="0" marB="0"/>
-                </a:tc>
-                <a:tc>
-                  <a:txBody>
-                    <a:bodyPr/>
-                    <a:lstStyle/>
-                    <a:p>
-                      <a:pPr algn="just">
-                        <a:lnSpc>
-                          <a:spcPct val="150000"/>
-                        </a:lnSpc>
-                        <a:spcAft>
-                          <a:spcPts val="0"/>
-                        </a:spcAft>
-                      </a:pPr>
-                      <a:r>
-                        <a:rPr lang="en-US" sz="1000">
-                          <a:effectLst/>
-                        </a:rPr>
-                        <a:t> </a:t>
-                      </a:r>
-                      <a:endParaRPr lang="en-GB" sz="900">
-                        <a:effectLst/>
-                        <a:latin typeface="Arial" panose="020B0604020202020204" pitchFamily="34" charset="0"/>
-                        <a:ea typeface="Times New Roman" panose="02020603050405020304" pitchFamily="18" charset="0"/>
-                        <a:cs typeface="Times New Roman" panose="02020603050405020304" pitchFamily="18" charset="0"/>
-                      </a:endParaRPr>
-                    </a:p>
-                  </a:txBody>
-                  <a:tcPr marL="65005" marR="65005" marT="0" marB="0"/>
-                </a:tc>
-                <a:tc>
-                  <a:txBody>
-                    <a:bodyPr/>
-                    <a:lstStyle/>
-                    <a:p>
-                      <a:pPr algn="just">
-                        <a:lnSpc>
-                          <a:spcPct val="150000"/>
-                        </a:lnSpc>
-                        <a:spcAft>
-                          <a:spcPts val="0"/>
-                        </a:spcAft>
-                      </a:pPr>
-                      <a:r>
-                        <a:rPr lang="en-US" sz="1000">
-                          <a:effectLst/>
-                        </a:rPr>
-                        <a:t> </a:t>
-                      </a:r>
-                      <a:endParaRPr lang="en-GB" sz="900">
-                        <a:effectLst/>
-                        <a:latin typeface="Arial" panose="020B0604020202020204" pitchFamily="34" charset="0"/>
-                        <a:ea typeface="Times New Roman" panose="02020603050405020304" pitchFamily="18" charset="0"/>
-                        <a:cs typeface="Times New Roman" panose="02020603050405020304" pitchFamily="18" charset="0"/>
-                      </a:endParaRPr>
-                    </a:p>
-                  </a:txBody>
-                  <a:tcPr marL="65005" marR="65005" marT="0" marB="0"/>
-                </a:tc>
-                <a:tc>
-                  <a:txBody>
-                    <a:bodyPr/>
-                    <a:lstStyle/>
-                    <a:p>
-                      <a:pPr algn="just">
-                        <a:lnSpc>
-                          <a:spcPct val="150000"/>
-                        </a:lnSpc>
-                        <a:spcAft>
-                          <a:spcPts val="0"/>
-                        </a:spcAft>
-                      </a:pPr>
-                      <a:r>
-                        <a:rPr lang="en-US" sz="1000">
-                          <a:effectLst/>
-                        </a:rPr>
-                        <a:t> </a:t>
-                      </a:r>
-                      <a:endParaRPr lang="en-GB" sz="900">
-                        <a:effectLst/>
-                        <a:latin typeface="Arial" panose="020B0604020202020204" pitchFamily="34" charset="0"/>
-                        <a:ea typeface="Times New Roman" panose="02020603050405020304" pitchFamily="18" charset="0"/>
-                        <a:cs typeface="Times New Roman" panose="02020603050405020304" pitchFamily="18" charset="0"/>
-                      </a:endParaRPr>
-                    </a:p>
-                  </a:txBody>
-                  <a:tcPr marL="65005" marR="65005" marT="0" marB="0"/>
-                </a:tc>
-                <a:tc>
-                  <a:txBody>
-                    <a:bodyPr/>
-                    <a:lstStyle/>
-                    <a:p>
-                      <a:pPr algn="just">
-                        <a:lnSpc>
-                          <a:spcPct val="150000"/>
-                        </a:lnSpc>
-                        <a:spcAft>
-                          <a:spcPts val="0"/>
-                        </a:spcAft>
-                      </a:pPr>
-                      <a:r>
-                        <a:rPr lang="en-US" sz="1000">
-                          <a:effectLst/>
-                        </a:rPr>
-                        <a:t> </a:t>
-                      </a:r>
-                      <a:endParaRPr lang="en-GB" sz="900">
-                        <a:effectLst/>
-                        <a:latin typeface="Arial" panose="020B0604020202020204" pitchFamily="34" charset="0"/>
-                        <a:ea typeface="Times New Roman" panose="02020603050405020304" pitchFamily="18" charset="0"/>
-                        <a:cs typeface="Times New Roman" panose="02020603050405020304" pitchFamily="18" charset="0"/>
-                      </a:endParaRPr>
-                    </a:p>
-                  </a:txBody>
-                  <a:tcPr marL="65005" marR="65005" marT="0" marB="0"/>
-                </a:tc>
-                <a:tc>
-                  <a:txBody>
-                    <a:bodyPr/>
-                    <a:lstStyle/>
-                    <a:p>
-                      <a:pPr algn="just">
-                        <a:lnSpc>
-                          <a:spcPct val="150000"/>
-                        </a:lnSpc>
-                        <a:spcAft>
-                          <a:spcPts val="0"/>
-                        </a:spcAft>
-                      </a:pPr>
-                      <a:r>
-                        <a:rPr lang="en-US" sz="1000">
-                          <a:effectLst/>
-                        </a:rPr>
-                        <a:t> </a:t>
-                      </a:r>
-                      <a:endParaRPr lang="en-GB" sz="900">
-                        <a:effectLst/>
-                        <a:latin typeface="Arial" panose="020B0604020202020204" pitchFamily="34" charset="0"/>
-                        <a:ea typeface="Times New Roman" panose="02020603050405020304" pitchFamily="18" charset="0"/>
-                        <a:cs typeface="Times New Roman" panose="02020603050405020304" pitchFamily="18" charset="0"/>
-                      </a:endParaRPr>
-                    </a:p>
-                  </a:txBody>
-                  <a:tcPr marL="65005" marR="65005" marT="0" marB="0"/>
-                </a:tc>
-                <a:tc>
-                  <a:txBody>
-                    <a:bodyPr/>
-                    <a:lstStyle/>
-                    <a:p>
-                      <a:pPr algn="just">
-                        <a:lnSpc>
-                          <a:spcPct val="150000"/>
-                        </a:lnSpc>
-                        <a:spcAft>
-                          <a:spcPts val="0"/>
-                        </a:spcAft>
-                      </a:pPr>
-                      <a:r>
-                        <a:rPr lang="en-US" sz="1000">
-                          <a:effectLst/>
-                        </a:rPr>
-                        <a:t> </a:t>
-                      </a:r>
-                      <a:endParaRPr lang="en-GB" sz="900">
-                        <a:effectLst/>
-                        <a:latin typeface="Arial" panose="020B0604020202020204" pitchFamily="34" charset="0"/>
-                        <a:ea typeface="Times New Roman" panose="02020603050405020304" pitchFamily="18" charset="0"/>
-                        <a:cs typeface="Times New Roman" panose="02020603050405020304" pitchFamily="18" charset="0"/>
-                      </a:endParaRPr>
-                    </a:p>
-                  </a:txBody>
-                  <a:tcPr marL="65005" marR="65005" marT="0" marB="0"/>
-                </a:tc>
-                <a:tc>
-                  <a:txBody>
-                    <a:bodyPr/>
-                    <a:lstStyle/>
-                    <a:p>
-                      <a:pPr algn="just">
-                        <a:lnSpc>
-                          <a:spcPct val="150000"/>
-                        </a:lnSpc>
-                        <a:spcAft>
-                          <a:spcPts val="0"/>
-                        </a:spcAft>
-                      </a:pPr>
-                      <a:r>
-                        <a:rPr lang="en-US" sz="1000">
-                          <a:effectLst/>
-                        </a:rPr>
-                        <a:t> </a:t>
-                      </a:r>
-                      <a:endParaRPr lang="en-GB" sz="900">
-                        <a:effectLst/>
-                        <a:latin typeface="Arial" panose="020B0604020202020204" pitchFamily="34" charset="0"/>
-                        <a:ea typeface="Times New Roman" panose="02020603050405020304" pitchFamily="18" charset="0"/>
-                        <a:cs typeface="Times New Roman" panose="02020603050405020304" pitchFamily="18" charset="0"/>
-                      </a:endParaRPr>
-                    </a:p>
-                  </a:txBody>
-                  <a:tcPr marL="65005" marR="65005" marT="0" marB="0"/>
-                </a:tc>
-                <a:tc>
-                  <a:txBody>
-                    <a:bodyPr/>
-                    <a:lstStyle/>
-                    <a:p>
-                      <a:pPr algn="just">
-                        <a:lnSpc>
-                          <a:spcPct val="150000"/>
-                        </a:lnSpc>
-                        <a:spcAft>
-                          <a:spcPts val="0"/>
-                        </a:spcAft>
-                      </a:pPr>
-                      <a:r>
-                        <a:rPr lang="en-US" sz="1000">
-                          <a:effectLst/>
-                        </a:rPr>
-                        <a:t> </a:t>
-                      </a:r>
-                      <a:endParaRPr lang="en-GB" sz="900">
-                        <a:effectLst/>
-                        <a:latin typeface="Arial" panose="020B0604020202020204" pitchFamily="34" charset="0"/>
-                        <a:ea typeface="Times New Roman" panose="02020603050405020304" pitchFamily="18" charset="0"/>
-                        <a:cs typeface="Times New Roman" panose="02020603050405020304" pitchFamily="18" charset="0"/>
-                      </a:endParaRPr>
-                    </a:p>
-                  </a:txBody>
-                  <a:tcPr marL="65005" marR="65005" marT="0" marB="0"/>
-                </a:tc>
-                <a:tc>
-                  <a:txBody>
-                    <a:bodyPr/>
-                    <a:lstStyle/>
-                    <a:p>
-                      <a:pPr algn="just">
-                        <a:lnSpc>
-                          <a:spcPct val="150000"/>
-                        </a:lnSpc>
-                        <a:spcAft>
-                          <a:spcPts val="0"/>
-                        </a:spcAft>
-                      </a:pPr>
-                      <a:r>
-                        <a:rPr lang="en-US" sz="1000">
-                          <a:effectLst/>
-                        </a:rPr>
-                        <a:t> </a:t>
-                      </a:r>
-                      <a:endParaRPr lang="en-GB" sz="900">
-                        <a:effectLst/>
-                        <a:latin typeface="Arial" panose="020B0604020202020204" pitchFamily="34" charset="0"/>
-                        <a:ea typeface="Times New Roman" panose="02020603050405020304" pitchFamily="18" charset="0"/>
-                        <a:cs typeface="Times New Roman" panose="02020603050405020304" pitchFamily="18" charset="0"/>
-                      </a:endParaRPr>
-                    </a:p>
-                  </a:txBody>
-                  <a:tcPr marL="65005" marR="65005" marT="0" marB="0"/>
-                </a:tc>
-                <a:tc>
-                  <a:txBody>
-                    <a:bodyPr/>
-                    <a:lstStyle/>
-                    <a:p>
-                      <a:pPr algn="just">
-                        <a:lnSpc>
-                          <a:spcPct val="150000"/>
-                        </a:lnSpc>
-                        <a:spcAft>
-                          <a:spcPts val="0"/>
-                        </a:spcAft>
-                      </a:pPr>
-                      <a:r>
-                        <a:rPr lang="en-US" sz="1000">
-                          <a:effectLst/>
-                        </a:rPr>
-                        <a:t> </a:t>
-                      </a:r>
-                      <a:endParaRPr lang="en-GB" sz="900">
-                        <a:effectLst/>
-                        <a:latin typeface="Arial" panose="020B0604020202020204" pitchFamily="34" charset="0"/>
-                        <a:ea typeface="Times New Roman" panose="02020603050405020304" pitchFamily="18" charset="0"/>
-                        <a:cs typeface="Times New Roman" panose="02020603050405020304" pitchFamily="18" charset="0"/>
-                      </a:endParaRPr>
-                    </a:p>
-                  </a:txBody>
-                  <a:tcPr marL="65005" marR="65005" marT="0" marB="0"/>
-                </a:tc>
-                <a:tc>
-                  <a:txBody>
-                    <a:bodyPr/>
-                    <a:lstStyle/>
-                    <a:p>
-                      <a:pPr algn="just">
-                        <a:lnSpc>
-                          <a:spcPct val="150000"/>
-                        </a:lnSpc>
-                        <a:spcAft>
-                          <a:spcPts val="0"/>
-                        </a:spcAft>
-                      </a:pPr>
-                      <a:r>
-                        <a:rPr lang="en-US" sz="1000">
-                          <a:effectLst/>
-                        </a:rPr>
-                        <a:t> </a:t>
-                      </a:r>
-                      <a:endParaRPr lang="en-GB" sz="900">
-                        <a:effectLst/>
-                        <a:latin typeface="Arial" panose="020B0604020202020204" pitchFamily="34" charset="0"/>
-                        <a:ea typeface="Times New Roman" panose="02020603050405020304" pitchFamily="18" charset="0"/>
-                        <a:cs typeface="Times New Roman" panose="02020603050405020304" pitchFamily="18" charset="0"/>
-                      </a:endParaRPr>
-                    </a:p>
-                  </a:txBody>
-                  <a:tcPr marL="65005" marR="65005" marT="0" marB="0"/>
-                </a:tc>
-                <a:tc>
-                  <a:txBody>
-                    <a:bodyPr/>
-                    <a:lstStyle/>
-                    <a:p>
-                      <a:pPr algn="just">
-                        <a:lnSpc>
-                          <a:spcPct val="150000"/>
-                        </a:lnSpc>
-                        <a:spcAft>
-                          <a:spcPts val="0"/>
-                        </a:spcAft>
-                      </a:pPr>
-                      <a:r>
-                        <a:rPr lang="en-US" sz="1000">
-                          <a:effectLst/>
-                        </a:rPr>
-                        <a:t> </a:t>
-                      </a:r>
-                      <a:endParaRPr lang="en-GB" sz="900">
-                        <a:effectLst/>
-                        <a:latin typeface="Arial" panose="020B0604020202020204" pitchFamily="34" charset="0"/>
-                        <a:ea typeface="Times New Roman" panose="02020603050405020304" pitchFamily="18" charset="0"/>
-                        <a:cs typeface="Times New Roman" panose="02020603050405020304" pitchFamily="18" charset="0"/>
-                      </a:endParaRPr>
-                    </a:p>
-                  </a:txBody>
-                  <a:tcPr marL="65005" marR="65005" marT="0" marB="0"/>
-                </a:tc>
-                <a:tc>
-                  <a:txBody>
-                    <a:bodyPr/>
-                    <a:lstStyle/>
-                    <a:p>
-                      <a:pPr algn="just">
-                        <a:lnSpc>
-                          <a:spcPct val="150000"/>
-                        </a:lnSpc>
-                        <a:spcAft>
-                          <a:spcPts val="0"/>
-                        </a:spcAft>
-                      </a:pPr>
-                      <a:r>
-                        <a:rPr lang="en-US" sz="1000">
-                          <a:effectLst/>
-                        </a:rPr>
-                        <a:t> </a:t>
-                      </a:r>
-                      <a:endParaRPr lang="en-GB" sz="900">
-                        <a:effectLst/>
-                        <a:latin typeface="Arial" panose="020B0604020202020204" pitchFamily="34" charset="0"/>
-                        <a:ea typeface="Times New Roman" panose="02020603050405020304" pitchFamily="18" charset="0"/>
-                        <a:cs typeface="Times New Roman" panose="02020603050405020304" pitchFamily="18" charset="0"/>
-                      </a:endParaRPr>
-                    </a:p>
-                  </a:txBody>
-                  <a:tcPr marL="65005" marR="65005" marT="0" marB="0"/>
-                </a:tc>
-                <a:extLst>
-                  <a:ext uri="{0D108BD9-81ED-4DB2-BD59-A6C34878D82A}">
-                    <a16:rowId xmlns="" xmlns:a16="http://schemas.microsoft.com/office/drawing/2014/main" val="847049665"/>
-                  </a:ext>
-                </a:extLst>
-              </a:tr>
-              <a:tr h="1178705">
-                <a:tc>
-                  <a:txBody>
-                    <a:bodyPr/>
-                    <a:lstStyle/>
-                    <a:p>
-                      <a:pPr algn="just">
-                        <a:lnSpc>
-                          <a:spcPct val="150000"/>
-                        </a:lnSpc>
-                        <a:spcAft>
-                          <a:spcPts val="0"/>
-                        </a:spcAft>
-                      </a:pPr>
-                      <a:r>
-                        <a:rPr lang="en-US" sz="1000" dirty="0">
-                          <a:effectLst/>
-                        </a:rPr>
-                        <a:t>Poster designing</a:t>
-                      </a:r>
-                    </a:p>
-                    <a:p>
-                      <a:pPr algn="just">
-                        <a:lnSpc>
-                          <a:spcPct val="150000"/>
-                        </a:lnSpc>
-                        <a:spcAft>
-                          <a:spcPts val="0"/>
-                        </a:spcAft>
-                      </a:pPr>
-                      <a:r>
-                        <a:rPr lang="en-US" sz="1000" dirty="0">
-                          <a:effectLst/>
-                        </a:rPr>
-                        <a:t>And</a:t>
-                      </a:r>
-                    </a:p>
-                    <a:p>
-                      <a:pPr algn="just">
-                        <a:lnSpc>
-                          <a:spcPct val="150000"/>
-                        </a:lnSpc>
-                        <a:spcAft>
-                          <a:spcPts val="0"/>
-                        </a:spcAft>
-                      </a:pPr>
-                      <a:r>
-                        <a:rPr lang="en-US" sz="1000" dirty="0">
-                          <a:effectLst/>
-                        </a:rPr>
-                        <a:t>finalizing project</a:t>
-                      </a:r>
-                      <a:endParaRPr lang="en-GB" sz="900" dirty="0">
-                        <a:effectLst/>
-                        <a:latin typeface="Arial" panose="020B0604020202020204" pitchFamily="34" charset="0"/>
-                        <a:ea typeface="Times New Roman" panose="02020603050405020304" pitchFamily="18" charset="0"/>
-                        <a:cs typeface="Times New Roman" panose="02020603050405020304" pitchFamily="18" charset="0"/>
-                      </a:endParaRPr>
-                    </a:p>
-                  </a:txBody>
-                  <a:tcPr marL="65005" marR="65005" marT="0" marB="0"/>
-                </a:tc>
-                <a:tc>
-                  <a:txBody>
-                    <a:bodyPr/>
-                    <a:lstStyle/>
-                    <a:p>
-                      <a:pPr algn="just">
-                        <a:lnSpc>
-                          <a:spcPct val="150000"/>
-                        </a:lnSpc>
-                        <a:spcAft>
-                          <a:spcPts val="0"/>
-                        </a:spcAft>
-                      </a:pPr>
-                      <a:r>
-                        <a:rPr lang="en-US" sz="1000">
-                          <a:effectLst/>
-                        </a:rPr>
-                        <a:t> </a:t>
-                      </a:r>
-                      <a:endParaRPr lang="en-GB" sz="900">
-                        <a:effectLst/>
-                        <a:latin typeface="Arial" panose="020B0604020202020204" pitchFamily="34" charset="0"/>
-                        <a:ea typeface="Times New Roman" panose="02020603050405020304" pitchFamily="18" charset="0"/>
-                        <a:cs typeface="Times New Roman" panose="02020603050405020304" pitchFamily="18" charset="0"/>
-                      </a:endParaRPr>
-                    </a:p>
-                  </a:txBody>
-                  <a:tcPr marL="65005" marR="65005" marT="0" marB="0"/>
-                </a:tc>
-                <a:tc>
-                  <a:txBody>
-                    <a:bodyPr/>
-                    <a:lstStyle/>
-                    <a:p>
-                      <a:pPr algn="just">
-                        <a:lnSpc>
-                          <a:spcPct val="150000"/>
-                        </a:lnSpc>
-                        <a:spcAft>
-                          <a:spcPts val="0"/>
-                        </a:spcAft>
-                      </a:pPr>
-                      <a:r>
-                        <a:rPr lang="en-US" sz="1000">
-                          <a:effectLst/>
-                        </a:rPr>
-                        <a:t> </a:t>
-                      </a:r>
-                      <a:endParaRPr lang="en-GB" sz="900">
-                        <a:effectLst/>
-                        <a:latin typeface="Arial" panose="020B0604020202020204" pitchFamily="34" charset="0"/>
-                        <a:ea typeface="Times New Roman" panose="02020603050405020304" pitchFamily="18" charset="0"/>
-                        <a:cs typeface="Times New Roman" panose="02020603050405020304" pitchFamily="18" charset="0"/>
-                      </a:endParaRPr>
-                    </a:p>
-                  </a:txBody>
-                  <a:tcPr marL="65005" marR="65005" marT="0" marB="0"/>
-                </a:tc>
-                <a:tc>
-                  <a:txBody>
-                    <a:bodyPr/>
-                    <a:lstStyle/>
-                    <a:p>
-                      <a:pPr algn="just">
-                        <a:lnSpc>
-                          <a:spcPct val="150000"/>
-                        </a:lnSpc>
-                        <a:spcAft>
-                          <a:spcPts val="0"/>
-                        </a:spcAft>
-                      </a:pPr>
-                      <a:r>
-                        <a:rPr lang="en-US" sz="1000">
-                          <a:effectLst/>
-                        </a:rPr>
-                        <a:t> </a:t>
-                      </a:r>
-                      <a:endParaRPr lang="en-GB" sz="900">
-                        <a:effectLst/>
-                        <a:latin typeface="Arial" panose="020B0604020202020204" pitchFamily="34" charset="0"/>
-                        <a:ea typeface="Times New Roman" panose="02020603050405020304" pitchFamily="18" charset="0"/>
-                        <a:cs typeface="Times New Roman" panose="02020603050405020304" pitchFamily="18" charset="0"/>
-                      </a:endParaRPr>
-                    </a:p>
-                  </a:txBody>
-                  <a:tcPr marL="65005" marR="65005" marT="0" marB="0"/>
-                </a:tc>
-                <a:tc>
-                  <a:txBody>
-                    <a:bodyPr/>
-                    <a:lstStyle/>
-                    <a:p>
-                      <a:pPr algn="just">
-                        <a:lnSpc>
-                          <a:spcPct val="150000"/>
-                        </a:lnSpc>
-                        <a:spcAft>
-                          <a:spcPts val="0"/>
-                        </a:spcAft>
-                      </a:pPr>
-                      <a:r>
-                        <a:rPr lang="en-US" sz="1000" dirty="0">
-                          <a:effectLst/>
-                        </a:rPr>
-                        <a:t> </a:t>
-                      </a:r>
-                      <a:endParaRPr lang="en-GB" sz="900" dirty="0">
-                        <a:effectLst/>
-                        <a:latin typeface="Arial" panose="020B0604020202020204" pitchFamily="34" charset="0"/>
-                        <a:ea typeface="Times New Roman" panose="02020603050405020304" pitchFamily="18" charset="0"/>
-                        <a:cs typeface="Times New Roman" panose="02020603050405020304" pitchFamily="18" charset="0"/>
-                      </a:endParaRPr>
-                    </a:p>
-                  </a:txBody>
-                  <a:tcPr marL="65005" marR="65005" marT="0" marB="0"/>
-                </a:tc>
-                <a:tc>
-                  <a:txBody>
-                    <a:bodyPr/>
-                    <a:lstStyle/>
-                    <a:p>
-                      <a:pPr algn="just">
-                        <a:lnSpc>
-                          <a:spcPct val="150000"/>
-                        </a:lnSpc>
-                        <a:spcAft>
-                          <a:spcPts val="0"/>
-                        </a:spcAft>
-                      </a:pPr>
-                      <a:r>
-                        <a:rPr lang="en-US" sz="1000">
-                          <a:effectLst/>
-                        </a:rPr>
-                        <a:t> </a:t>
-                      </a:r>
-                      <a:endParaRPr lang="en-GB" sz="900">
-                        <a:effectLst/>
-                        <a:latin typeface="Arial" panose="020B0604020202020204" pitchFamily="34" charset="0"/>
-                        <a:ea typeface="Times New Roman" panose="02020603050405020304" pitchFamily="18" charset="0"/>
-                        <a:cs typeface="Times New Roman" panose="02020603050405020304" pitchFamily="18" charset="0"/>
-                      </a:endParaRPr>
-                    </a:p>
-                  </a:txBody>
-                  <a:tcPr marL="65005" marR="65005" marT="0" marB="0"/>
-                </a:tc>
-                <a:tc>
-                  <a:txBody>
-                    <a:bodyPr/>
-                    <a:lstStyle/>
-                    <a:p>
-                      <a:pPr algn="just">
-                        <a:lnSpc>
-                          <a:spcPct val="150000"/>
-                        </a:lnSpc>
-                        <a:spcAft>
-                          <a:spcPts val="0"/>
-                        </a:spcAft>
-                      </a:pPr>
-                      <a:r>
-                        <a:rPr lang="en-US" sz="1000">
-                          <a:effectLst/>
-                        </a:rPr>
-                        <a:t> </a:t>
-                      </a:r>
-                      <a:endParaRPr lang="en-GB" sz="900">
-                        <a:effectLst/>
-                        <a:latin typeface="Arial" panose="020B0604020202020204" pitchFamily="34" charset="0"/>
-                        <a:ea typeface="Times New Roman" panose="02020603050405020304" pitchFamily="18" charset="0"/>
-                        <a:cs typeface="Times New Roman" panose="02020603050405020304" pitchFamily="18" charset="0"/>
-                      </a:endParaRPr>
-                    </a:p>
-                  </a:txBody>
-                  <a:tcPr marL="65005" marR="65005" marT="0" marB="0"/>
-                </a:tc>
-                <a:tc>
-                  <a:txBody>
-                    <a:bodyPr/>
-                    <a:lstStyle/>
-                    <a:p>
-                      <a:pPr algn="just">
-                        <a:lnSpc>
-                          <a:spcPct val="150000"/>
-                        </a:lnSpc>
-                        <a:spcAft>
-                          <a:spcPts val="0"/>
-                        </a:spcAft>
-                      </a:pPr>
-                      <a:r>
-                        <a:rPr lang="en-US" sz="1000">
-                          <a:effectLst/>
-                        </a:rPr>
-                        <a:t> </a:t>
-                      </a:r>
-                      <a:endParaRPr lang="en-GB" sz="900">
-                        <a:effectLst/>
-                        <a:latin typeface="Arial" panose="020B0604020202020204" pitchFamily="34" charset="0"/>
-                        <a:ea typeface="Times New Roman" panose="02020603050405020304" pitchFamily="18" charset="0"/>
-                        <a:cs typeface="Times New Roman" panose="02020603050405020304" pitchFamily="18" charset="0"/>
-                      </a:endParaRPr>
-                    </a:p>
-                  </a:txBody>
-                  <a:tcPr marL="65005" marR="65005" marT="0" marB="0"/>
-                </a:tc>
-                <a:tc>
-                  <a:txBody>
-                    <a:bodyPr/>
-                    <a:lstStyle/>
-                    <a:p>
-                      <a:pPr algn="just">
-                        <a:lnSpc>
-                          <a:spcPct val="150000"/>
-                        </a:lnSpc>
-                        <a:spcAft>
-                          <a:spcPts val="0"/>
-                        </a:spcAft>
-                      </a:pPr>
-                      <a:r>
-                        <a:rPr lang="en-US" sz="1000" dirty="0">
-                          <a:effectLst/>
-                        </a:rPr>
-                        <a:t> </a:t>
-                      </a:r>
-                      <a:endParaRPr lang="en-GB" sz="900" dirty="0">
-                        <a:effectLst/>
-                        <a:latin typeface="Arial" panose="020B0604020202020204" pitchFamily="34" charset="0"/>
-                        <a:ea typeface="Times New Roman" panose="02020603050405020304" pitchFamily="18" charset="0"/>
-                        <a:cs typeface="Times New Roman" panose="02020603050405020304" pitchFamily="18" charset="0"/>
-                      </a:endParaRPr>
-                    </a:p>
-                  </a:txBody>
-                  <a:tcPr marL="65005" marR="65005" marT="0" marB="0"/>
-                </a:tc>
-                <a:tc>
-                  <a:txBody>
-                    <a:bodyPr/>
-                    <a:lstStyle/>
-                    <a:p>
-                      <a:pPr algn="just">
-                        <a:lnSpc>
-                          <a:spcPct val="150000"/>
-                        </a:lnSpc>
-                        <a:spcAft>
-                          <a:spcPts val="0"/>
-                        </a:spcAft>
-                      </a:pPr>
-                      <a:r>
-                        <a:rPr lang="en-US" sz="1000">
-                          <a:effectLst/>
-                        </a:rPr>
-                        <a:t> </a:t>
-                      </a:r>
-                      <a:endParaRPr lang="en-GB" sz="900">
-                        <a:effectLst/>
-                        <a:latin typeface="Arial" panose="020B0604020202020204" pitchFamily="34" charset="0"/>
-                        <a:ea typeface="Times New Roman" panose="02020603050405020304" pitchFamily="18" charset="0"/>
-                        <a:cs typeface="Times New Roman" panose="02020603050405020304" pitchFamily="18" charset="0"/>
-                      </a:endParaRPr>
-                    </a:p>
-                  </a:txBody>
-                  <a:tcPr marL="65005" marR="65005" marT="0" marB="0"/>
-                </a:tc>
-                <a:tc>
-                  <a:txBody>
-                    <a:bodyPr/>
-                    <a:lstStyle/>
-                    <a:p>
-                      <a:pPr algn="just">
-                        <a:lnSpc>
-                          <a:spcPct val="150000"/>
-                        </a:lnSpc>
-                        <a:spcAft>
-                          <a:spcPts val="0"/>
-                        </a:spcAft>
-                      </a:pPr>
-                      <a:r>
-                        <a:rPr lang="en-US" sz="1000" dirty="0">
-                          <a:effectLst/>
-                        </a:rPr>
-                        <a:t> </a:t>
-                      </a:r>
-                      <a:endParaRPr lang="en-GB" sz="900" dirty="0">
-                        <a:effectLst/>
-                        <a:latin typeface="Arial" panose="020B0604020202020204" pitchFamily="34" charset="0"/>
-                        <a:ea typeface="Times New Roman" panose="02020603050405020304" pitchFamily="18" charset="0"/>
-                        <a:cs typeface="Times New Roman" panose="02020603050405020304" pitchFamily="18" charset="0"/>
-                      </a:endParaRPr>
-                    </a:p>
-                  </a:txBody>
-                  <a:tcPr marL="65005" marR="65005" marT="0" marB="0"/>
-                </a:tc>
-                <a:tc>
-                  <a:txBody>
-                    <a:bodyPr/>
-                    <a:lstStyle/>
-                    <a:p>
-                      <a:pPr algn="just">
-                        <a:lnSpc>
-                          <a:spcPct val="150000"/>
-                        </a:lnSpc>
-                        <a:spcAft>
-                          <a:spcPts val="0"/>
-                        </a:spcAft>
-                      </a:pPr>
-                      <a:r>
-                        <a:rPr lang="en-US" sz="1000">
-                          <a:effectLst/>
-                        </a:rPr>
-                        <a:t> </a:t>
-                      </a:r>
-                      <a:endParaRPr lang="en-GB" sz="900">
-                        <a:effectLst/>
-                        <a:latin typeface="Arial" panose="020B0604020202020204" pitchFamily="34" charset="0"/>
-                        <a:ea typeface="Times New Roman" panose="02020603050405020304" pitchFamily="18" charset="0"/>
-                        <a:cs typeface="Times New Roman" panose="02020603050405020304" pitchFamily="18" charset="0"/>
-                      </a:endParaRPr>
-                    </a:p>
-                  </a:txBody>
-                  <a:tcPr marL="65005" marR="65005" marT="0" marB="0"/>
-                </a:tc>
-                <a:tc>
-                  <a:txBody>
-                    <a:bodyPr/>
-                    <a:lstStyle/>
-                    <a:p>
-                      <a:pPr algn="just">
-                        <a:lnSpc>
-                          <a:spcPct val="150000"/>
-                        </a:lnSpc>
-                        <a:spcAft>
-                          <a:spcPts val="0"/>
-                        </a:spcAft>
-                      </a:pPr>
-                      <a:r>
-                        <a:rPr lang="en-US" sz="1000">
-                          <a:effectLst/>
-                        </a:rPr>
-                        <a:t> </a:t>
-                      </a:r>
-                      <a:endParaRPr lang="en-GB" sz="900">
-                        <a:effectLst/>
-                        <a:latin typeface="Arial" panose="020B0604020202020204" pitchFamily="34" charset="0"/>
-                        <a:ea typeface="Times New Roman" panose="02020603050405020304" pitchFamily="18" charset="0"/>
-                        <a:cs typeface="Times New Roman" panose="02020603050405020304" pitchFamily="18" charset="0"/>
-                      </a:endParaRPr>
-                    </a:p>
-                  </a:txBody>
-                  <a:tcPr marL="65005" marR="65005" marT="0" marB="0"/>
-                </a:tc>
-                <a:tc>
-                  <a:txBody>
-                    <a:bodyPr/>
-                    <a:lstStyle/>
-                    <a:p>
-                      <a:pPr algn="just">
-                        <a:lnSpc>
-                          <a:spcPct val="150000"/>
-                        </a:lnSpc>
-                        <a:spcAft>
-                          <a:spcPts val="0"/>
-                        </a:spcAft>
-                      </a:pPr>
-                      <a:r>
-                        <a:rPr lang="en-US" sz="1000">
-                          <a:effectLst/>
-                        </a:rPr>
-                        <a:t> </a:t>
-                      </a:r>
-                      <a:endParaRPr lang="en-GB" sz="900">
-                        <a:effectLst/>
-                        <a:latin typeface="Arial" panose="020B0604020202020204" pitchFamily="34" charset="0"/>
-                        <a:ea typeface="Times New Roman" panose="02020603050405020304" pitchFamily="18" charset="0"/>
-                        <a:cs typeface="Times New Roman" panose="02020603050405020304" pitchFamily="18" charset="0"/>
-                      </a:endParaRPr>
-                    </a:p>
-                  </a:txBody>
-                  <a:tcPr marL="65005" marR="65005" marT="0" marB="0"/>
-                </a:tc>
-                <a:tc>
-                  <a:txBody>
-                    <a:bodyPr/>
-                    <a:lstStyle/>
-                    <a:p>
-                      <a:pPr algn="just">
-                        <a:lnSpc>
-                          <a:spcPct val="150000"/>
-                        </a:lnSpc>
-                        <a:spcAft>
-                          <a:spcPts val="0"/>
-                        </a:spcAft>
-                      </a:pPr>
-                      <a:r>
-                        <a:rPr lang="en-US" sz="1000">
-                          <a:effectLst/>
-                        </a:rPr>
-                        <a:t> </a:t>
-                      </a:r>
-                      <a:endParaRPr lang="en-GB" sz="900">
-                        <a:effectLst/>
-                        <a:latin typeface="Arial" panose="020B0604020202020204" pitchFamily="34" charset="0"/>
-                        <a:ea typeface="Times New Roman" panose="02020603050405020304" pitchFamily="18" charset="0"/>
-                        <a:cs typeface="Times New Roman" panose="02020603050405020304" pitchFamily="18" charset="0"/>
-                      </a:endParaRPr>
-                    </a:p>
-                  </a:txBody>
-                  <a:tcPr marL="65005" marR="65005" marT="0" marB="0"/>
-                </a:tc>
-                <a:tc>
-                  <a:txBody>
-                    <a:bodyPr/>
-                    <a:lstStyle/>
-                    <a:p>
-                      <a:pPr algn="just">
-                        <a:lnSpc>
-                          <a:spcPct val="150000"/>
-                        </a:lnSpc>
-                        <a:spcAft>
-                          <a:spcPts val="0"/>
-                        </a:spcAft>
-                      </a:pPr>
-                      <a:r>
-                        <a:rPr lang="en-US" sz="1000">
-                          <a:effectLst/>
-                        </a:rPr>
-                        <a:t> </a:t>
-                      </a:r>
-                      <a:endParaRPr lang="en-GB" sz="900">
-                        <a:effectLst/>
-                        <a:latin typeface="Arial" panose="020B0604020202020204" pitchFamily="34" charset="0"/>
-                        <a:ea typeface="Times New Roman" panose="02020603050405020304" pitchFamily="18" charset="0"/>
-                        <a:cs typeface="Times New Roman" panose="02020603050405020304" pitchFamily="18" charset="0"/>
-                      </a:endParaRPr>
-                    </a:p>
-                  </a:txBody>
-                  <a:tcPr marL="65005" marR="65005" marT="0" marB="0"/>
-                </a:tc>
-                <a:tc>
-                  <a:txBody>
-                    <a:bodyPr/>
-                    <a:lstStyle/>
-                    <a:p>
-                      <a:pPr algn="just">
-                        <a:lnSpc>
-                          <a:spcPct val="150000"/>
-                        </a:lnSpc>
-                        <a:spcAft>
-                          <a:spcPts val="0"/>
-                        </a:spcAft>
-                      </a:pPr>
-                      <a:r>
-                        <a:rPr lang="en-US" sz="1000">
-                          <a:effectLst/>
-                        </a:rPr>
-                        <a:t> </a:t>
-                      </a:r>
-                      <a:endParaRPr lang="en-GB" sz="900">
-                        <a:effectLst/>
-                        <a:latin typeface="Arial" panose="020B0604020202020204" pitchFamily="34" charset="0"/>
-                        <a:ea typeface="Times New Roman" panose="02020603050405020304" pitchFamily="18" charset="0"/>
-                        <a:cs typeface="Times New Roman" panose="02020603050405020304" pitchFamily="18" charset="0"/>
-                      </a:endParaRPr>
-                    </a:p>
-                  </a:txBody>
-                  <a:tcPr marL="65005" marR="65005" marT="0" marB="0"/>
-                </a:tc>
-                <a:tc>
-                  <a:txBody>
-                    <a:bodyPr/>
-                    <a:lstStyle/>
-                    <a:p>
-                      <a:pPr algn="just">
-                        <a:lnSpc>
-                          <a:spcPct val="150000"/>
-                        </a:lnSpc>
-                        <a:spcAft>
-                          <a:spcPts val="0"/>
-                        </a:spcAft>
-                      </a:pPr>
-                      <a:r>
-                        <a:rPr lang="en-US" sz="1000">
-                          <a:effectLst/>
-                        </a:rPr>
-                        <a:t> </a:t>
-                      </a:r>
-                      <a:endParaRPr lang="en-GB" sz="900">
-                        <a:effectLst/>
-                        <a:latin typeface="Arial" panose="020B0604020202020204" pitchFamily="34" charset="0"/>
-                        <a:ea typeface="Times New Roman" panose="02020603050405020304" pitchFamily="18" charset="0"/>
-                        <a:cs typeface="Times New Roman" panose="02020603050405020304" pitchFamily="18" charset="0"/>
-                      </a:endParaRPr>
-                    </a:p>
-                  </a:txBody>
-                  <a:tcPr marL="65005" marR="65005" marT="0" marB="0"/>
-                </a:tc>
-                <a:tc>
-                  <a:txBody>
-                    <a:bodyPr/>
-                    <a:lstStyle/>
-                    <a:p>
-                      <a:pPr algn="just">
-                        <a:lnSpc>
-                          <a:spcPct val="150000"/>
-                        </a:lnSpc>
-                        <a:spcAft>
-                          <a:spcPts val="0"/>
-                        </a:spcAft>
-                      </a:pPr>
-                      <a:r>
-                        <a:rPr lang="en-US" sz="1000">
-                          <a:effectLst/>
-                        </a:rPr>
-                        <a:t> </a:t>
-                      </a:r>
-                      <a:endParaRPr lang="en-GB" sz="900">
-                        <a:effectLst/>
-                        <a:latin typeface="Arial" panose="020B0604020202020204" pitchFamily="34" charset="0"/>
-                        <a:ea typeface="Times New Roman" panose="02020603050405020304" pitchFamily="18" charset="0"/>
-                        <a:cs typeface="Times New Roman" panose="02020603050405020304" pitchFamily="18" charset="0"/>
-                      </a:endParaRPr>
-                    </a:p>
-                  </a:txBody>
-                  <a:tcPr marL="65005" marR="65005" marT="0" marB="0"/>
-                </a:tc>
-                <a:tc>
-                  <a:txBody>
-                    <a:bodyPr/>
-                    <a:lstStyle/>
-                    <a:p>
-                      <a:pPr algn="just">
-                        <a:lnSpc>
-                          <a:spcPct val="150000"/>
-                        </a:lnSpc>
-                        <a:spcAft>
-                          <a:spcPts val="0"/>
-                        </a:spcAft>
-                      </a:pPr>
-                      <a:r>
-                        <a:rPr lang="en-US" sz="1000">
-                          <a:effectLst/>
-                        </a:rPr>
-                        <a:t> </a:t>
-                      </a:r>
-                      <a:endParaRPr lang="en-GB" sz="900">
-                        <a:effectLst/>
-                        <a:latin typeface="Arial" panose="020B0604020202020204" pitchFamily="34" charset="0"/>
-                        <a:ea typeface="Times New Roman" panose="02020603050405020304" pitchFamily="18" charset="0"/>
-                        <a:cs typeface="Times New Roman" panose="02020603050405020304" pitchFamily="18" charset="0"/>
-                      </a:endParaRPr>
-                    </a:p>
-                  </a:txBody>
-                  <a:tcPr marL="65005" marR="65005" marT="0" marB="0"/>
-                </a:tc>
-                <a:tc>
-                  <a:txBody>
-                    <a:bodyPr/>
-                    <a:lstStyle/>
-                    <a:p>
-                      <a:pPr algn="just">
-                        <a:lnSpc>
-                          <a:spcPct val="150000"/>
-                        </a:lnSpc>
-                        <a:spcAft>
-                          <a:spcPts val="0"/>
-                        </a:spcAft>
-                      </a:pPr>
-                      <a:r>
-                        <a:rPr lang="en-US" sz="1000">
-                          <a:effectLst/>
-                        </a:rPr>
-                        <a:t> </a:t>
-                      </a:r>
-                      <a:endParaRPr lang="en-GB" sz="900">
-                        <a:effectLst/>
-                        <a:latin typeface="Arial" panose="020B0604020202020204" pitchFamily="34" charset="0"/>
-                        <a:ea typeface="Times New Roman" panose="02020603050405020304" pitchFamily="18" charset="0"/>
-                        <a:cs typeface="Times New Roman" panose="02020603050405020304" pitchFamily="18" charset="0"/>
-                      </a:endParaRPr>
-                    </a:p>
-                  </a:txBody>
-                  <a:tcPr marL="65005" marR="65005" marT="0" marB="0"/>
-                </a:tc>
-                <a:extLst>
-                  <a:ext uri="{0D108BD9-81ED-4DB2-BD59-A6C34878D82A}">
-                    <a16:rowId xmlns="" xmlns:a16="http://schemas.microsoft.com/office/drawing/2014/main" val="1501510842"/>
-                  </a:ext>
-                </a:extLst>
-              </a:tr>
-              <a:tr h="633636">
-                <a:tc>
-                  <a:txBody>
-                    <a:bodyPr/>
-                    <a:lstStyle/>
-                    <a:p>
-                      <a:pPr algn="just">
-                        <a:lnSpc>
-                          <a:spcPct val="150000"/>
-                        </a:lnSpc>
-                        <a:spcAft>
-                          <a:spcPts val="0"/>
-                        </a:spcAft>
-                      </a:pPr>
-                      <a:r>
-                        <a:rPr lang="en-US" sz="1000" dirty="0">
-                          <a:effectLst/>
-                        </a:rPr>
-                        <a:t>Report writing</a:t>
-                      </a:r>
-                      <a:endParaRPr lang="en-GB" sz="900" dirty="0">
-                        <a:effectLst/>
-                        <a:latin typeface="Arial" panose="020B0604020202020204" pitchFamily="34" charset="0"/>
-                        <a:ea typeface="Times New Roman" panose="02020603050405020304" pitchFamily="18" charset="0"/>
-                        <a:cs typeface="Times New Roman" panose="02020603050405020304" pitchFamily="18" charset="0"/>
-                      </a:endParaRPr>
-                    </a:p>
-                  </a:txBody>
-                  <a:tcPr marL="65005" marR="65005" marT="0" marB="0"/>
-                </a:tc>
-                <a:tc>
-                  <a:txBody>
-                    <a:bodyPr/>
-                    <a:lstStyle/>
-                    <a:p>
-                      <a:pPr algn="just">
-                        <a:lnSpc>
-                          <a:spcPct val="150000"/>
-                        </a:lnSpc>
-                        <a:spcAft>
-                          <a:spcPts val="0"/>
-                        </a:spcAft>
-                      </a:pPr>
-                      <a:r>
-                        <a:rPr lang="en-US" sz="1000">
-                          <a:effectLst/>
-                        </a:rPr>
-                        <a:t> </a:t>
-                      </a:r>
-                      <a:endParaRPr lang="en-GB" sz="900">
-                        <a:effectLst/>
-                        <a:latin typeface="Arial" panose="020B0604020202020204" pitchFamily="34" charset="0"/>
-                        <a:ea typeface="Times New Roman" panose="02020603050405020304" pitchFamily="18" charset="0"/>
-                        <a:cs typeface="Times New Roman" panose="02020603050405020304" pitchFamily="18" charset="0"/>
-                      </a:endParaRPr>
-                    </a:p>
-                  </a:txBody>
-                  <a:tcPr marL="65005" marR="65005" marT="0" marB="0"/>
-                </a:tc>
-                <a:tc>
-                  <a:txBody>
-                    <a:bodyPr/>
-                    <a:lstStyle/>
-                    <a:p>
-                      <a:pPr algn="just">
-                        <a:lnSpc>
-                          <a:spcPct val="150000"/>
-                        </a:lnSpc>
-                        <a:spcAft>
-                          <a:spcPts val="0"/>
-                        </a:spcAft>
-                      </a:pPr>
-                      <a:r>
-                        <a:rPr lang="en-US" sz="1000">
-                          <a:effectLst/>
-                        </a:rPr>
-                        <a:t> </a:t>
-                      </a:r>
-                      <a:endParaRPr lang="en-GB" sz="900">
-                        <a:effectLst/>
-                        <a:latin typeface="Arial" panose="020B0604020202020204" pitchFamily="34" charset="0"/>
-                        <a:ea typeface="Times New Roman" panose="02020603050405020304" pitchFamily="18" charset="0"/>
-                        <a:cs typeface="Times New Roman" panose="02020603050405020304" pitchFamily="18" charset="0"/>
-                      </a:endParaRPr>
-                    </a:p>
-                  </a:txBody>
-                  <a:tcPr marL="65005" marR="65005" marT="0" marB="0"/>
-                </a:tc>
-                <a:tc>
-                  <a:txBody>
-                    <a:bodyPr/>
-                    <a:lstStyle/>
-                    <a:p>
-                      <a:pPr algn="just">
-                        <a:lnSpc>
-                          <a:spcPct val="150000"/>
-                        </a:lnSpc>
-                        <a:spcAft>
-                          <a:spcPts val="0"/>
-                        </a:spcAft>
-                      </a:pPr>
-                      <a:r>
-                        <a:rPr lang="en-US" sz="1000">
-                          <a:effectLst/>
-                        </a:rPr>
-                        <a:t> </a:t>
-                      </a:r>
-                      <a:endParaRPr lang="en-GB" sz="900">
-                        <a:effectLst/>
-                        <a:latin typeface="Arial" panose="020B0604020202020204" pitchFamily="34" charset="0"/>
-                        <a:ea typeface="Times New Roman" panose="02020603050405020304" pitchFamily="18" charset="0"/>
-                        <a:cs typeface="Times New Roman" panose="02020603050405020304" pitchFamily="18" charset="0"/>
-                      </a:endParaRPr>
-                    </a:p>
-                  </a:txBody>
-                  <a:tcPr marL="65005" marR="65005" marT="0" marB="0"/>
-                </a:tc>
-                <a:tc>
-                  <a:txBody>
-                    <a:bodyPr/>
-                    <a:lstStyle/>
-                    <a:p>
-                      <a:pPr algn="just">
-                        <a:lnSpc>
-                          <a:spcPct val="150000"/>
-                        </a:lnSpc>
-                        <a:spcAft>
-                          <a:spcPts val="0"/>
-                        </a:spcAft>
-                      </a:pPr>
-                      <a:r>
-                        <a:rPr lang="en-US" sz="1000">
-                          <a:effectLst/>
-                        </a:rPr>
-                        <a:t> </a:t>
-                      </a:r>
-                      <a:endParaRPr lang="en-GB" sz="900">
-                        <a:effectLst/>
-                        <a:latin typeface="Arial" panose="020B0604020202020204" pitchFamily="34" charset="0"/>
-                        <a:ea typeface="Times New Roman" panose="02020603050405020304" pitchFamily="18" charset="0"/>
-                        <a:cs typeface="Times New Roman" panose="02020603050405020304" pitchFamily="18" charset="0"/>
-                      </a:endParaRPr>
-                    </a:p>
-                  </a:txBody>
-                  <a:tcPr marL="65005" marR="65005" marT="0" marB="0"/>
-                </a:tc>
-                <a:tc>
-                  <a:txBody>
-                    <a:bodyPr/>
-                    <a:lstStyle/>
-                    <a:p>
-                      <a:pPr algn="just">
-                        <a:lnSpc>
-                          <a:spcPct val="150000"/>
-                        </a:lnSpc>
-                        <a:spcAft>
-                          <a:spcPts val="0"/>
-                        </a:spcAft>
-                      </a:pPr>
-                      <a:r>
-                        <a:rPr lang="en-US" sz="1000">
-                          <a:effectLst/>
-                        </a:rPr>
-                        <a:t> </a:t>
-                      </a:r>
-                      <a:endParaRPr lang="en-GB" sz="900">
-                        <a:effectLst/>
-                        <a:latin typeface="Arial" panose="020B0604020202020204" pitchFamily="34" charset="0"/>
-                        <a:ea typeface="Times New Roman" panose="02020603050405020304" pitchFamily="18" charset="0"/>
-                        <a:cs typeface="Times New Roman" panose="02020603050405020304" pitchFamily="18" charset="0"/>
-                      </a:endParaRPr>
-                    </a:p>
-                  </a:txBody>
-                  <a:tcPr marL="65005" marR="65005" marT="0" marB="0"/>
-                </a:tc>
-                <a:tc>
-                  <a:txBody>
-                    <a:bodyPr/>
-                    <a:lstStyle/>
-                    <a:p>
-                      <a:pPr algn="just">
-                        <a:lnSpc>
-                          <a:spcPct val="150000"/>
-                        </a:lnSpc>
-                        <a:spcAft>
-                          <a:spcPts val="0"/>
-                        </a:spcAft>
-                      </a:pPr>
-                      <a:r>
-                        <a:rPr lang="en-US" sz="1000">
-                          <a:effectLst/>
-                        </a:rPr>
-                        <a:t> </a:t>
-                      </a:r>
-                      <a:endParaRPr lang="en-GB" sz="900">
-                        <a:effectLst/>
-                        <a:latin typeface="Arial" panose="020B0604020202020204" pitchFamily="34" charset="0"/>
-                        <a:ea typeface="Times New Roman" panose="02020603050405020304" pitchFamily="18" charset="0"/>
-                        <a:cs typeface="Times New Roman" panose="02020603050405020304" pitchFamily="18" charset="0"/>
-                      </a:endParaRPr>
-                    </a:p>
-                  </a:txBody>
-                  <a:tcPr marL="65005" marR="65005" marT="0" marB="0"/>
-                </a:tc>
-                <a:tc>
-                  <a:txBody>
-                    <a:bodyPr/>
-                    <a:lstStyle/>
-                    <a:p>
-                      <a:pPr algn="just">
-                        <a:lnSpc>
-                          <a:spcPct val="150000"/>
-                        </a:lnSpc>
-                        <a:spcAft>
-                          <a:spcPts val="0"/>
-                        </a:spcAft>
-                      </a:pPr>
-                      <a:r>
-                        <a:rPr lang="en-US" sz="1000">
-                          <a:effectLst/>
-                        </a:rPr>
-                        <a:t> </a:t>
-                      </a:r>
-                      <a:endParaRPr lang="en-GB" sz="900">
-                        <a:effectLst/>
-                        <a:latin typeface="Arial" panose="020B0604020202020204" pitchFamily="34" charset="0"/>
-                        <a:ea typeface="Times New Roman" panose="02020603050405020304" pitchFamily="18" charset="0"/>
-                        <a:cs typeface="Times New Roman" panose="02020603050405020304" pitchFamily="18" charset="0"/>
-                      </a:endParaRPr>
-                    </a:p>
-                  </a:txBody>
-                  <a:tcPr marL="65005" marR="65005" marT="0" marB="0"/>
-                </a:tc>
-                <a:tc>
-                  <a:txBody>
-                    <a:bodyPr/>
-                    <a:lstStyle/>
-                    <a:p>
-                      <a:pPr algn="just">
-                        <a:lnSpc>
-                          <a:spcPct val="150000"/>
-                        </a:lnSpc>
-                        <a:spcAft>
-                          <a:spcPts val="0"/>
-                        </a:spcAft>
-                      </a:pPr>
-                      <a:r>
-                        <a:rPr lang="en-US" sz="1000">
-                          <a:effectLst/>
-                        </a:rPr>
-                        <a:t> </a:t>
-                      </a:r>
-                      <a:endParaRPr lang="en-GB" sz="900">
-                        <a:effectLst/>
-                        <a:latin typeface="Arial" panose="020B0604020202020204" pitchFamily="34" charset="0"/>
-                        <a:ea typeface="Times New Roman" panose="02020603050405020304" pitchFamily="18" charset="0"/>
-                        <a:cs typeface="Times New Roman" panose="02020603050405020304" pitchFamily="18" charset="0"/>
-                      </a:endParaRPr>
-                    </a:p>
-                  </a:txBody>
-                  <a:tcPr marL="65005" marR="65005" marT="0" marB="0"/>
-                </a:tc>
-                <a:tc>
-                  <a:txBody>
-                    <a:bodyPr/>
-                    <a:lstStyle/>
-                    <a:p>
-                      <a:pPr algn="just">
-                        <a:lnSpc>
-                          <a:spcPct val="150000"/>
-                        </a:lnSpc>
-                        <a:spcAft>
-                          <a:spcPts val="0"/>
-                        </a:spcAft>
-                      </a:pPr>
-                      <a:r>
-                        <a:rPr lang="en-US" sz="1000">
-                          <a:effectLst/>
-                        </a:rPr>
-                        <a:t> </a:t>
-                      </a:r>
-                      <a:endParaRPr lang="en-GB" sz="900">
-                        <a:effectLst/>
-                        <a:latin typeface="Arial" panose="020B0604020202020204" pitchFamily="34" charset="0"/>
-                        <a:ea typeface="Times New Roman" panose="02020603050405020304" pitchFamily="18" charset="0"/>
-                        <a:cs typeface="Times New Roman" panose="02020603050405020304" pitchFamily="18" charset="0"/>
-                      </a:endParaRPr>
-                    </a:p>
-                  </a:txBody>
-                  <a:tcPr marL="65005" marR="65005" marT="0" marB="0"/>
-                </a:tc>
-                <a:tc>
-                  <a:txBody>
-                    <a:bodyPr/>
-                    <a:lstStyle/>
-                    <a:p>
-                      <a:pPr algn="just">
-                        <a:lnSpc>
-                          <a:spcPct val="150000"/>
-                        </a:lnSpc>
-                        <a:spcAft>
-                          <a:spcPts val="0"/>
-                        </a:spcAft>
-                      </a:pPr>
-                      <a:r>
-                        <a:rPr lang="en-US" sz="1000">
-                          <a:effectLst/>
-                        </a:rPr>
-                        <a:t> </a:t>
-                      </a:r>
-                      <a:endParaRPr lang="en-GB" sz="900">
-                        <a:effectLst/>
-                        <a:latin typeface="Arial" panose="020B0604020202020204" pitchFamily="34" charset="0"/>
-                        <a:ea typeface="Times New Roman" panose="02020603050405020304" pitchFamily="18" charset="0"/>
-                        <a:cs typeface="Times New Roman" panose="02020603050405020304" pitchFamily="18" charset="0"/>
-                      </a:endParaRPr>
-                    </a:p>
-                  </a:txBody>
-                  <a:tcPr marL="65005" marR="65005" marT="0" marB="0"/>
-                </a:tc>
-                <a:tc>
-                  <a:txBody>
-                    <a:bodyPr/>
-                    <a:lstStyle/>
-                    <a:p>
-                      <a:pPr algn="just">
-                        <a:lnSpc>
-                          <a:spcPct val="150000"/>
-                        </a:lnSpc>
-                        <a:spcAft>
-                          <a:spcPts val="0"/>
-                        </a:spcAft>
-                      </a:pPr>
-                      <a:r>
-                        <a:rPr lang="en-US" sz="1000">
-                          <a:effectLst/>
-                        </a:rPr>
-                        <a:t> </a:t>
-                      </a:r>
-                      <a:endParaRPr lang="en-GB" sz="900">
-                        <a:effectLst/>
-                        <a:latin typeface="Arial" panose="020B0604020202020204" pitchFamily="34" charset="0"/>
-                        <a:ea typeface="Times New Roman" panose="02020603050405020304" pitchFamily="18" charset="0"/>
-                        <a:cs typeface="Times New Roman" panose="02020603050405020304" pitchFamily="18" charset="0"/>
-                      </a:endParaRPr>
-                    </a:p>
-                  </a:txBody>
-                  <a:tcPr marL="65005" marR="65005" marT="0" marB="0"/>
-                </a:tc>
-                <a:tc>
-                  <a:txBody>
-                    <a:bodyPr/>
-                    <a:lstStyle/>
-                    <a:p>
-                      <a:pPr algn="just">
-                        <a:lnSpc>
-                          <a:spcPct val="150000"/>
-                        </a:lnSpc>
-                        <a:spcAft>
-                          <a:spcPts val="0"/>
-                        </a:spcAft>
-                      </a:pPr>
-                      <a:r>
-                        <a:rPr lang="en-US" sz="1000">
-                          <a:effectLst/>
-                        </a:rPr>
-                        <a:t> </a:t>
-                      </a:r>
-                      <a:endParaRPr lang="en-GB" sz="900">
-                        <a:effectLst/>
-                        <a:latin typeface="Arial" panose="020B0604020202020204" pitchFamily="34" charset="0"/>
-                        <a:ea typeface="Times New Roman" panose="02020603050405020304" pitchFamily="18" charset="0"/>
-                        <a:cs typeface="Times New Roman" panose="02020603050405020304" pitchFamily="18" charset="0"/>
-                      </a:endParaRPr>
-                    </a:p>
-                  </a:txBody>
-                  <a:tcPr marL="65005" marR="65005" marT="0" marB="0"/>
-                </a:tc>
-                <a:tc>
-                  <a:txBody>
-                    <a:bodyPr/>
-                    <a:lstStyle/>
-                    <a:p>
-                      <a:pPr algn="just">
-                        <a:lnSpc>
-                          <a:spcPct val="150000"/>
-                        </a:lnSpc>
-                        <a:spcAft>
-                          <a:spcPts val="0"/>
-                        </a:spcAft>
-                      </a:pPr>
-                      <a:r>
-                        <a:rPr lang="en-US" sz="1000">
-                          <a:effectLst/>
-                        </a:rPr>
-                        <a:t> </a:t>
-                      </a:r>
-                      <a:endParaRPr lang="en-GB" sz="900">
-                        <a:effectLst/>
-                        <a:latin typeface="Arial" panose="020B0604020202020204" pitchFamily="34" charset="0"/>
-                        <a:ea typeface="Times New Roman" panose="02020603050405020304" pitchFamily="18" charset="0"/>
-                        <a:cs typeface="Times New Roman" panose="02020603050405020304" pitchFamily="18" charset="0"/>
-                      </a:endParaRPr>
-                    </a:p>
-                  </a:txBody>
-                  <a:tcPr marL="65005" marR="65005" marT="0" marB="0"/>
-                </a:tc>
-                <a:tc>
-                  <a:txBody>
-                    <a:bodyPr/>
-                    <a:lstStyle/>
-                    <a:p>
-                      <a:pPr algn="just">
-                        <a:lnSpc>
-                          <a:spcPct val="150000"/>
-                        </a:lnSpc>
-                        <a:spcAft>
-                          <a:spcPts val="0"/>
-                        </a:spcAft>
-                      </a:pPr>
-                      <a:r>
-                        <a:rPr lang="en-US" sz="1000">
-                          <a:effectLst/>
-                        </a:rPr>
-                        <a:t> </a:t>
-                      </a:r>
-                      <a:endParaRPr lang="en-GB" sz="900">
-                        <a:effectLst/>
-                        <a:latin typeface="Arial" panose="020B0604020202020204" pitchFamily="34" charset="0"/>
-                        <a:ea typeface="Times New Roman" panose="02020603050405020304" pitchFamily="18" charset="0"/>
-                        <a:cs typeface="Times New Roman" panose="02020603050405020304" pitchFamily="18" charset="0"/>
-                      </a:endParaRPr>
-                    </a:p>
-                  </a:txBody>
-                  <a:tcPr marL="65005" marR="65005" marT="0" marB="0"/>
-                </a:tc>
-                <a:tc>
-                  <a:txBody>
-                    <a:bodyPr/>
-                    <a:lstStyle/>
-                    <a:p>
-                      <a:pPr algn="just">
-                        <a:lnSpc>
-                          <a:spcPct val="150000"/>
-                        </a:lnSpc>
-                        <a:spcAft>
-                          <a:spcPts val="0"/>
-                        </a:spcAft>
-                      </a:pPr>
-                      <a:r>
-                        <a:rPr lang="en-US" sz="1000">
-                          <a:effectLst/>
-                        </a:rPr>
-                        <a:t> </a:t>
-                      </a:r>
-                      <a:endParaRPr lang="en-GB" sz="900">
-                        <a:effectLst/>
-                        <a:latin typeface="Arial" panose="020B0604020202020204" pitchFamily="34" charset="0"/>
-                        <a:ea typeface="Times New Roman" panose="02020603050405020304" pitchFamily="18" charset="0"/>
-                        <a:cs typeface="Times New Roman" panose="02020603050405020304" pitchFamily="18" charset="0"/>
-                      </a:endParaRPr>
-                    </a:p>
-                  </a:txBody>
-                  <a:tcPr marL="65005" marR="65005" marT="0" marB="0"/>
-                </a:tc>
-                <a:tc>
-                  <a:txBody>
-                    <a:bodyPr/>
-                    <a:lstStyle/>
-                    <a:p>
-                      <a:pPr algn="just">
-                        <a:lnSpc>
-                          <a:spcPct val="150000"/>
-                        </a:lnSpc>
-                        <a:spcAft>
-                          <a:spcPts val="0"/>
-                        </a:spcAft>
-                      </a:pPr>
-                      <a:r>
-                        <a:rPr lang="en-US" sz="1000">
-                          <a:effectLst/>
-                        </a:rPr>
-                        <a:t> </a:t>
-                      </a:r>
-                      <a:endParaRPr lang="en-GB" sz="900">
-                        <a:effectLst/>
-                        <a:latin typeface="Arial" panose="020B0604020202020204" pitchFamily="34" charset="0"/>
-                        <a:ea typeface="Times New Roman" panose="02020603050405020304" pitchFamily="18" charset="0"/>
-                        <a:cs typeface="Times New Roman" panose="02020603050405020304" pitchFamily="18" charset="0"/>
-                      </a:endParaRPr>
-                    </a:p>
-                  </a:txBody>
-                  <a:tcPr marL="65005" marR="65005" marT="0" marB="0"/>
-                </a:tc>
-                <a:tc>
-                  <a:txBody>
-                    <a:bodyPr/>
-                    <a:lstStyle/>
-                    <a:p>
-                      <a:pPr algn="just">
-                        <a:lnSpc>
-                          <a:spcPct val="150000"/>
-                        </a:lnSpc>
-                        <a:spcAft>
-                          <a:spcPts val="0"/>
-                        </a:spcAft>
-                      </a:pPr>
-                      <a:r>
-                        <a:rPr lang="en-GB" sz="1000">
-                          <a:effectLst/>
-                        </a:rPr>
-                        <a:t> </a:t>
-                      </a:r>
-                      <a:endParaRPr lang="en-GB" sz="900">
-                        <a:effectLst/>
-                        <a:latin typeface="Arial" panose="020B0604020202020204" pitchFamily="34" charset="0"/>
-                        <a:ea typeface="Times New Roman" panose="02020603050405020304" pitchFamily="18" charset="0"/>
-                        <a:cs typeface="Times New Roman" panose="02020603050405020304" pitchFamily="18" charset="0"/>
-                      </a:endParaRPr>
-                    </a:p>
-                  </a:txBody>
-                  <a:tcPr marL="65005" marR="65005" marT="0" marB="0"/>
-                </a:tc>
-                <a:tc>
-                  <a:txBody>
-                    <a:bodyPr/>
-                    <a:lstStyle/>
-                    <a:p>
-                      <a:pPr algn="just">
-                        <a:lnSpc>
-                          <a:spcPct val="150000"/>
-                        </a:lnSpc>
-                        <a:spcAft>
-                          <a:spcPts val="0"/>
-                        </a:spcAft>
-                      </a:pPr>
-                      <a:r>
-                        <a:rPr lang="en-US" sz="1000">
-                          <a:effectLst/>
-                        </a:rPr>
-                        <a:t> </a:t>
-                      </a:r>
-                      <a:endParaRPr lang="en-GB" sz="900">
-                        <a:effectLst/>
-                        <a:latin typeface="Arial" panose="020B0604020202020204" pitchFamily="34" charset="0"/>
-                        <a:ea typeface="Times New Roman" panose="02020603050405020304" pitchFamily="18" charset="0"/>
-                        <a:cs typeface="Times New Roman" panose="02020603050405020304" pitchFamily="18" charset="0"/>
-                      </a:endParaRPr>
-                    </a:p>
-                  </a:txBody>
-                  <a:tcPr marL="65005" marR="65005" marT="0" marB="0"/>
-                </a:tc>
-                <a:tc>
-                  <a:txBody>
-                    <a:bodyPr/>
-                    <a:lstStyle/>
-                    <a:p>
-                      <a:pPr algn="just">
-                        <a:lnSpc>
-                          <a:spcPct val="150000"/>
-                        </a:lnSpc>
-                        <a:spcAft>
-                          <a:spcPts val="0"/>
-                        </a:spcAft>
-                      </a:pPr>
-                      <a:r>
-                        <a:rPr lang="en-US" sz="1000">
-                          <a:effectLst/>
-                        </a:rPr>
-                        <a:t> </a:t>
-                      </a:r>
-                      <a:endParaRPr lang="en-GB" sz="900">
-                        <a:effectLst/>
-                        <a:latin typeface="Arial" panose="020B0604020202020204" pitchFamily="34" charset="0"/>
-                        <a:ea typeface="Times New Roman" panose="02020603050405020304" pitchFamily="18" charset="0"/>
-                        <a:cs typeface="Times New Roman" panose="02020603050405020304" pitchFamily="18" charset="0"/>
-                      </a:endParaRPr>
-                    </a:p>
-                  </a:txBody>
-                  <a:tcPr marL="65005" marR="65005" marT="0" marB="0"/>
-                </a:tc>
-                <a:tc>
-                  <a:txBody>
-                    <a:bodyPr/>
-                    <a:lstStyle/>
-                    <a:p>
-                      <a:pPr algn="just">
-                        <a:lnSpc>
-                          <a:spcPct val="150000"/>
-                        </a:lnSpc>
-                        <a:spcAft>
-                          <a:spcPts val="0"/>
-                        </a:spcAft>
-                      </a:pPr>
-                      <a:r>
-                        <a:rPr lang="en-US" sz="1000" dirty="0">
-                          <a:effectLst/>
-                        </a:rPr>
-                        <a:t> </a:t>
-                      </a:r>
-                      <a:endParaRPr lang="en-GB" sz="900" dirty="0">
-                        <a:effectLst/>
-                        <a:latin typeface="Arial" panose="020B0604020202020204" pitchFamily="34" charset="0"/>
-                        <a:ea typeface="Times New Roman" panose="02020603050405020304" pitchFamily="18" charset="0"/>
-                        <a:cs typeface="Times New Roman" panose="02020603050405020304" pitchFamily="18" charset="0"/>
-                      </a:endParaRPr>
-                    </a:p>
-                  </a:txBody>
-                  <a:tcPr marL="65005" marR="65005" marT="0" marB="0"/>
-                </a:tc>
-                <a:extLst>
-                  <a:ext uri="{0D108BD9-81ED-4DB2-BD59-A6C34878D82A}">
-                    <a16:rowId xmlns="" xmlns:a16="http://schemas.microsoft.com/office/drawing/2014/main" val="3694226655"/>
-                  </a:ext>
-                </a:extLst>
-              </a:tr>
-            </a:tbl>
-          </a:graphicData>
-        </a:graphic>
-      </p:graphicFrame>
-      <p:sp>
-        <p:nvSpPr>
-          <p:cNvPr id="5" name="Left-Right Arrow 20">
-            <a:extLst>
-              <a:ext uri="{FF2B5EF4-FFF2-40B4-BE49-F238E27FC236}">
-                <a16:creationId xmlns="" xmlns:a16="http://schemas.microsoft.com/office/drawing/2014/main" id="{5B15253D-1A9F-4B66-9CFC-F7943EE8A523}"/>
-              </a:ext>
-            </a:extLst>
-          </p:cNvPr>
-          <p:cNvSpPr>
-            <a:spLocks/>
-          </p:cNvSpPr>
-          <p:nvPr/>
-        </p:nvSpPr>
-        <p:spPr bwMode="auto">
-          <a:xfrm>
-            <a:off x="2497158" y="1951810"/>
-            <a:ext cx="3890390" cy="287808"/>
-          </a:xfrm>
-          <a:prstGeom prst="leftRightArrow">
-            <a:avLst>
-              <a:gd name="adj1" fmla="val 50000"/>
-              <a:gd name="adj2" fmla="val 49994"/>
-            </a:avLst>
-          </a:prstGeom>
-          <a:solidFill>
-            <a:srgbClr val="FFFFFF"/>
-          </a:solidFill>
-          <a:ln w="25400">
-            <a:solidFill>
-              <a:srgbClr val="000000"/>
-            </a:solidFill>
-            <a:miter lim="800000"/>
-            <a:headEnd/>
-            <a:tailEnd/>
-          </a:ln>
-        </p:spPr>
-        <p:txBody>
-          <a:bodyPr rot="0" vert="horz" wrap="square" lIns="91440" tIns="45720" rIns="91440" bIns="45720" anchor="ctr" anchorCtr="0" upright="1">
-            <a:noAutofit/>
-          </a:bodyPr>
-          <a:lstStyle/>
-          <a:p>
-            <a:endParaRPr lang="en-US"/>
-          </a:p>
-        </p:txBody>
-      </p:sp>
-      <p:sp>
-        <p:nvSpPr>
-          <p:cNvPr id="6" name="Left-Right Arrow 20">
-            <a:extLst>
-              <a:ext uri="{FF2B5EF4-FFF2-40B4-BE49-F238E27FC236}">
-                <a16:creationId xmlns="" xmlns:a16="http://schemas.microsoft.com/office/drawing/2014/main" id="{110E4B40-51F1-41E1-B4F6-C41B7689E426}"/>
-              </a:ext>
-            </a:extLst>
-          </p:cNvPr>
-          <p:cNvSpPr>
-            <a:spLocks/>
-          </p:cNvSpPr>
-          <p:nvPr/>
-        </p:nvSpPr>
-        <p:spPr bwMode="auto">
-          <a:xfrm>
-            <a:off x="2497157" y="2608690"/>
-            <a:ext cx="5838459" cy="350412"/>
-          </a:xfrm>
-          <a:prstGeom prst="leftRightArrow">
-            <a:avLst>
-              <a:gd name="adj1" fmla="val 50000"/>
-              <a:gd name="adj2" fmla="val 49994"/>
-            </a:avLst>
-          </a:prstGeom>
-          <a:solidFill>
-            <a:srgbClr val="FFFFFF"/>
-          </a:solidFill>
-          <a:ln w="25400">
-            <a:solidFill>
-              <a:srgbClr val="000000"/>
-            </a:solidFill>
-            <a:miter lim="800000"/>
-            <a:headEnd/>
-            <a:tailEnd/>
-          </a:ln>
-        </p:spPr>
-        <p:txBody>
-          <a:bodyPr rot="0" vert="horz" wrap="square" lIns="91440" tIns="45720" rIns="91440" bIns="45720" anchor="ctr" anchorCtr="0" upright="1">
-            <a:noAutofit/>
-          </a:bodyPr>
-          <a:lstStyle/>
-          <a:p>
-            <a:endParaRPr lang="en-US"/>
-          </a:p>
-        </p:txBody>
-      </p:sp>
-      <p:sp>
-        <p:nvSpPr>
-          <p:cNvPr id="7" name="Left-Right Arrow 20">
-            <a:extLst>
-              <a:ext uri="{FF2B5EF4-FFF2-40B4-BE49-F238E27FC236}">
-                <a16:creationId xmlns="" xmlns:a16="http://schemas.microsoft.com/office/drawing/2014/main" id="{DD2A2466-1C05-48F5-9B11-192857E44229}"/>
-              </a:ext>
-            </a:extLst>
-          </p:cNvPr>
-          <p:cNvSpPr>
-            <a:spLocks/>
-          </p:cNvSpPr>
-          <p:nvPr/>
-        </p:nvSpPr>
-        <p:spPr bwMode="auto">
-          <a:xfrm>
-            <a:off x="4655266" y="3149921"/>
-            <a:ext cx="4475482" cy="403512"/>
-          </a:xfrm>
-          <a:prstGeom prst="leftRightArrow">
-            <a:avLst>
-              <a:gd name="adj1" fmla="val 50000"/>
-              <a:gd name="adj2" fmla="val 49994"/>
-            </a:avLst>
-          </a:prstGeom>
-          <a:solidFill>
-            <a:srgbClr val="FFFFFF"/>
-          </a:solidFill>
-          <a:ln w="25400">
-            <a:solidFill>
-              <a:srgbClr val="000000"/>
-            </a:solidFill>
-            <a:miter lim="800000"/>
-            <a:headEnd/>
-            <a:tailEnd/>
-          </a:ln>
-        </p:spPr>
-        <p:txBody>
-          <a:bodyPr rot="0" vert="horz" wrap="square" lIns="91440" tIns="45720" rIns="91440" bIns="45720" anchor="ctr" anchorCtr="0" upright="1">
-            <a:noAutofit/>
-          </a:bodyPr>
-          <a:lstStyle/>
-          <a:p>
-            <a:endParaRPr lang="en-US"/>
-          </a:p>
-        </p:txBody>
-      </p:sp>
-      <p:sp>
-        <p:nvSpPr>
-          <p:cNvPr id="8" name="Left-Right Arrow 20">
-            <a:extLst>
-              <a:ext uri="{FF2B5EF4-FFF2-40B4-BE49-F238E27FC236}">
-                <a16:creationId xmlns="" xmlns:a16="http://schemas.microsoft.com/office/drawing/2014/main" id="{48446E5E-01BD-4005-94A0-44447705F599}"/>
-              </a:ext>
-            </a:extLst>
-          </p:cNvPr>
-          <p:cNvSpPr>
-            <a:spLocks/>
-          </p:cNvSpPr>
-          <p:nvPr/>
-        </p:nvSpPr>
-        <p:spPr bwMode="auto">
-          <a:xfrm>
-            <a:off x="6096000" y="3849046"/>
-            <a:ext cx="3286538" cy="352868"/>
-          </a:xfrm>
-          <a:prstGeom prst="leftRightArrow">
-            <a:avLst>
-              <a:gd name="adj1" fmla="val 50000"/>
-              <a:gd name="adj2" fmla="val 49994"/>
-            </a:avLst>
-          </a:prstGeom>
-          <a:solidFill>
-            <a:srgbClr val="FFFFFF"/>
-          </a:solidFill>
-          <a:ln w="25400">
-            <a:solidFill>
-              <a:srgbClr val="000000"/>
-            </a:solidFill>
-            <a:miter lim="800000"/>
-            <a:headEnd/>
-            <a:tailEnd/>
-          </a:ln>
-        </p:spPr>
-        <p:txBody>
-          <a:bodyPr rot="0" vert="horz" wrap="square" lIns="91440" tIns="45720" rIns="91440" bIns="45720" anchor="ctr" anchorCtr="0" upright="1">
-            <a:noAutofit/>
-          </a:bodyPr>
-          <a:lstStyle/>
-          <a:p>
-            <a:endParaRPr lang="en-US"/>
-          </a:p>
-        </p:txBody>
-      </p:sp>
-      <p:sp>
-        <p:nvSpPr>
-          <p:cNvPr id="9" name="Left-Right Arrow 20">
-            <a:extLst>
-              <a:ext uri="{FF2B5EF4-FFF2-40B4-BE49-F238E27FC236}">
-                <a16:creationId xmlns="" xmlns:a16="http://schemas.microsoft.com/office/drawing/2014/main" id="{F757B2E3-CCFA-4C95-953D-E3BAD783A6A5}"/>
-              </a:ext>
-            </a:extLst>
-          </p:cNvPr>
-          <p:cNvSpPr>
-            <a:spLocks/>
-          </p:cNvSpPr>
-          <p:nvPr/>
-        </p:nvSpPr>
-        <p:spPr bwMode="auto">
-          <a:xfrm>
-            <a:off x="8905460" y="4781257"/>
-            <a:ext cx="1683027" cy="294325"/>
-          </a:xfrm>
-          <a:prstGeom prst="leftRightArrow">
-            <a:avLst>
-              <a:gd name="adj1" fmla="val 50000"/>
-              <a:gd name="adj2" fmla="val 49994"/>
-            </a:avLst>
-          </a:prstGeom>
-          <a:solidFill>
-            <a:srgbClr val="FFFFFF"/>
-          </a:solidFill>
-          <a:ln w="25400">
-            <a:solidFill>
-              <a:srgbClr val="000000"/>
-            </a:solidFill>
-            <a:miter lim="800000"/>
-            <a:headEnd/>
-            <a:tailEnd/>
-          </a:ln>
-        </p:spPr>
-        <p:txBody>
-          <a:bodyPr rot="0" vert="horz" wrap="square" lIns="91440" tIns="45720" rIns="91440" bIns="45720" anchor="ctr" anchorCtr="0" upright="1">
-            <a:noAutofit/>
-          </a:bodyPr>
-          <a:lstStyle/>
-          <a:p>
-            <a:endParaRPr lang="en-US"/>
-          </a:p>
-        </p:txBody>
-      </p:sp>
-      <p:sp>
-        <p:nvSpPr>
-          <p:cNvPr id="10" name="Left-Right Arrow 20">
-            <a:extLst>
-              <a:ext uri="{FF2B5EF4-FFF2-40B4-BE49-F238E27FC236}">
-                <a16:creationId xmlns="" xmlns:a16="http://schemas.microsoft.com/office/drawing/2014/main" id="{2EDE3BFF-104B-41EC-8925-D922555ED906}"/>
-              </a:ext>
-            </a:extLst>
-          </p:cNvPr>
-          <p:cNvSpPr>
-            <a:spLocks/>
-          </p:cNvSpPr>
-          <p:nvPr/>
-        </p:nvSpPr>
-        <p:spPr bwMode="auto">
-          <a:xfrm>
-            <a:off x="4240696" y="5686190"/>
-            <a:ext cx="5963478" cy="403512"/>
-          </a:xfrm>
-          <a:prstGeom prst="leftRightArrow">
-            <a:avLst>
-              <a:gd name="adj1" fmla="val 50000"/>
-              <a:gd name="adj2" fmla="val 49994"/>
-            </a:avLst>
-          </a:prstGeom>
-          <a:solidFill>
-            <a:srgbClr val="FFFFFF"/>
-          </a:solidFill>
-          <a:ln w="25400">
-            <a:solidFill>
-              <a:srgbClr val="000000"/>
-            </a:solidFill>
-            <a:miter lim="800000"/>
-            <a:headEnd/>
-            <a:tailEnd/>
-          </a:ln>
-        </p:spPr>
-        <p:txBody>
-          <a:bodyPr rot="0" vert="horz" wrap="square" lIns="91440" tIns="45720" rIns="91440" bIns="45720" anchor="ctr" anchorCtr="0" upright="1">
-            <a:noAutofit/>
-          </a:bodyPr>
-          <a:lstStyle/>
-          <a:p>
-            <a:endParaRPr lang="en-US"/>
-          </a:p>
-        </p:txBody>
-      </p:sp>
-    </p:spTree>
-    <p:extLst>
-      <p:ext uri="{BB962C8B-B14F-4D97-AF65-F5344CB8AC3E}">
-        <p14:creationId xmlns:p14="http://schemas.microsoft.com/office/powerpoint/2010/main" val="3428260015"/>
-      </p:ext>
-    </p:extLst>
-  </p:cSld>
-  <p:clrMapOvr>
-    <a:masterClrMapping/>
-  </p:clrMapOvr>
-</p:sld>
-</file>
-
-<file path=ppt/slides/slide2.xml><?xml version="1.0" encoding="utf-8"?>
-<p:sld xmlns:a="http://schemas.openxmlformats.org/drawingml/2006/main" xmlns:r="http://schemas.openxmlformats.org/officeDocument/2006/relationships" xmlns:p="http://schemas.openxmlformats.org/presentationml/2006/main">
-  <p:cSld>
-    <p:spTree>
-      <p:nvGrpSpPr>
-        <p:cNvPr id="1" name=""/>
-        <p:cNvGrpSpPr/>
-        <p:nvPr/>
-      </p:nvGrpSpPr>
-      <p:grpSpPr>
-        <a:xfrm>
-          <a:off x="0" y="0"/>
-          <a:ext cx="0" cy="0"/>
-          <a:chOff x="0" y="0"/>
-          <a:chExt cx="0" cy="0"/>
-        </a:xfrm>
-      </p:grpSpPr>
-      <p:sp>
-        <p:nvSpPr>
           <p:cNvPr id="4" name="Rectangle 3"/>
           <p:cNvSpPr/>
           <p:nvPr/>
@@ -20989,30 +15662,17 @@
               <a:t> </a:t>
             </a:r>
             <a:r>
-              <a:rPr lang="en-GB" sz="2800" u="sng" dirty="0" smtClean="0">
-                <a:solidFill>
-                  <a:srgbClr val="FFFFFF"/>
-                </a:solidFill>
-                <a:latin typeface="Twentieth Century"/>
-              </a:rPr>
-              <a:t>IDEA  </a:t>
-            </a:r>
-            <a:r>
               <a:rPr lang="en-GB" sz="2800" u="sng" dirty="0">
                 <a:solidFill>
                   <a:srgbClr val="FFFFFF"/>
                 </a:solidFill>
                 <a:latin typeface="Twentieth Century"/>
               </a:rPr>
-              <a:t>AND MOTIVATION</a:t>
+              <a:t>IDEA  AND MOTIVATION</a:t>
             </a:r>
             <a:endParaRPr lang="en-GB" sz="2800" dirty="0"/>
           </a:p>
           <a:p>
-            <a:r>
-              <a:rPr lang="en-GB" dirty="0"/>
-              <a:t/>
-            </a:r>
             <a:br>
               <a:rPr lang="en-GB" dirty="0"/>
             </a:br>
@@ -21066,22 +15726,13 @@
               <a:buFont typeface="Arial" panose="020B0604020202020204" pitchFamily="34" charset="0"/>
               <a:buChar char="•"/>
             </a:pPr>
-            <a:endParaRPr lang="en-GB" dirty="0" smtClean="0"/>
+            <a:endParaRPr lang="en-GB" dirty="0"/>
           </a:p>
           <a:p>
             <a:pPr fontAlgn="base">
               <a:buFont typeface="Arial" panose="020B0604020202020204" pitchFamily="34" charset="0"/>
               <a:buChar char="•"/>
             </a:pPr>
-            <a:r>
-              <a:rPr lang="en-GB" dirty="0" smtClean="0">
-                <a:solidFill>
-                  <a:srgbClr val="FFFFFF"/>
-                </a:solidFill>
-                <a:latin typeface="Twentieth Century"/>
-              </a:rPr>
-              <a:t>We </a:t>
-            </a:r>
             <a:r>
               <a:rPr lang="en-GB" dirty="0">
                 <a:solidFill>
@@ -21089,7 +15740,7 @@
                 </a:solidFill>
                 <a:latin typeface="Twentieth Century"/>
               </a:rPr>
-              <a:t>believe to make them independent to perform necessary tasks </a:t>
+              <a:t>We believe to make them independent to perform necessary tasks </a:t>
             </a:r>
             <a:endParaRPr lang="en-GB" b="0" i="0" u="none" strike="noStrike" dirty="0">
               <a:solidFill>
@@ -21187,7 +15838,6 @@
               <a:srgbClr val="C0C0C0"/>
             </a:contourClr>
           </a:sp3d>
-          <a:extLst/>
         </p:spPr>
       </p:pic>
     </p:spTree>
@@ -21203,7 +15853,7 @@
 </p:sld>
 </file>
 
-<file path=ppt/slides/slide3.xml><?xml version="1.0" encoding="utf-8"?>
+<file path=ppt/slides/slide2.xml><?xml version="1.0" encoding="utf-8"?>
 <p:sld xmlns:a="http://schemas.openxmlformats.org/drawingml/2006/main" xmlns:r="http://schemas.openxmlformats.org/officeDocument/2006/relationships" xmlns:p="http://schemas.openxmlformats.org/presentationml/2006/main">
   <p:cSld>
     <p:spTree>
@@ -21253,10 +15903,6 @@
             <a:endParaRPr lang="en-GB" sz="2800" dirty="0"/>
           </a:p>
           <a:p>
-            <a:r>
-              <a:rPr lang="en-GB" sz="2800" dirty="0"/>
-              <a:t/>
-            </a:r>
             <a:br>
               <a:rPr lang="en-GB" sz="2800" dirty="0"/>
             </a:br>
@@ -21296,31 +15942,13 @@
               <a:buChar char="•"/>
             </a:pPr>
             <a:r>
-              <a:rPr lang="en-GB" dirty="0" smtClean="0">
-                <a:solidFill>
-                  <a:srgbClr val="FFFFFF"/>
-                </a:solidFill>
-                <a:latin typeface="Twentieth Century"/>
-              </a:rPr>
-              <a:t>Who </a:t>
-            </a:r>
-            <a:r>
               <a:rPr lang="en-GB" dirty="0">
                 <a:solidFill>
                   <a:srgbClr val="FFFFFF"/>
                 </a:solidFill>
                 <a:latin typeface="Twentieth Century"/>
               </a:rPr>
-              <a:t>can not use their all four </a:t>
-            </a:r>
-            <a:r>
-              <a:rPr lang="en-GB" dirty="0" smtClean="0">
-                <a:solidFill>
-                  <a:srgbClr val="FFFFFF"/>
-                </a:solidFill>
-                <a:latin typeface="Twentieth Century"/>
-              </a:rPr>
-              <a:t>limbs</a:t>
+              <a:t>Who can not use their all four limbs</a:t>
             </a:r>
             <a:endParaRPr lang="en-GB" sz="2400" dirty="0">
               <a:solidFill>
@@ -21401,16 +16029,7 @@
                 </a:solidFill>
                 <a:latin typeface="Twentieth Century"/>
               </a:rPr>
-              <a:t>So </a:t>
-            </a:r>
-            <a:r>
-              <a:rPr lang="en-GB" dirty="0" smtClean="0">
-                <a:solidFill>
-                  <a:srgbClr val="FFFFFF"/>
-                </a:solidFill>
-                <a:latin typeface="Twentieth Century"/>
-              </a:rPr>
-              <a:t>we have made this blinking ability useful</a:t>
+              <a:t>So we have made this blinking ability useful</a:t>
             </a:r>
             <a:endParaRPr lang="en-GB" sz="2400" dirty="0">
               <a:solidFill>
@@ -21420,38 +16039,18 @@
             </a:endParaRPr>
           </a:p>
           <a:p>
-            <a:r>
-              <a:rPr lang="en-GB" dirty="0"/>
-              <a:t/>
-            </a:r>
             <a:br>
               <a:rPr lang="en-GB" dirty="0"/>
             </a:br>
-            <a:r>
-              <a:rPr lang="en-GB" dirty="0"/>
-              <a:t/>
-            </a:r>
             <a:br>
               <a:rPr lang="en-GB" dirty="0"/>
             </a:br>
-            <a:r>
-              <a:rPr lang="en-GB" dirty="0"/>
-              <a:t/>
-            </a:r>
             <a:br>
               <a:rPr lang="en-GB" dirty="0"/>
             </a:br>
-            <a:r>
-              <a:rPr lang="en-GB" dirty="0"/>
-              <a:t/>
-            </a:r>
             <a:br>
               <a:rPr lang="en-GB" dirty="0"/>
             </a:br>
-            <a:r>
-              <a:rPr lang="en-GB" dirty="0"/>
-              <a:t/>
-            </a:r>
             <a:br>
               <a:rPr lang="en-GB" dirty="0"/>
             </a:br>
@@ -21530,7 +16129,7 @@
 </p:sld>
 </file>
 
-<file path=ppt/slides/slide4.xml><?xml version="1.0" encoding="utf-8"?>
+<file path=ppt/slides/slide3.xml><?xml version="1.0" encoding="utf-8"?>
 <p:sld xmlns:a="http://schemas.openxmlformats.org/drawingml/2006/main" xmlns:r="http://schemas.openxmlformats.org/officeDocument/2006/relationships" xmlns:p="http://schemas.openxmlformats.org/presentationml/2006/main">
   <p:cSld>
     <p:spTree>
@@ -21588,7 +16187,7 @@
               <a:buFont typeface="Arial" panose="020B0604020202020204" pitchFamily="34" charset="0"/>
               <a:buChar char="•"/>
             </a:pPr>
-            <a:endParaRPr lang="en-GB" dirty="0" smtClean="0"/>
+            <a:endParaRPr lang="en-GB" dirty="0"/>
           </a:p>
           <a:p>
             <a:pPr marL="285750" indent="-285750" fontAlgn="base">
@@ -21602,22 +16201,13 @@
               <a:buChar char="•"/>
             </a:pPr>
             <a:r>
-              <a:rPr lang="en-GB" dirty="0" smtClean="0">
-                <a:solidFill>
-                  <a:srgbClr val="FFFFFF"/>
-                </a:solidFill>
-                <a:latin typeface="Twentieth Century"/>
-              </a:rPr>
-              <a:t>Communicate </a:t>
-            </a:r>
-            <a:r>
               <a:rPr lang="en-GB" dirty="0">
                 <a:solidFill>
                   <a:srgbClr val="FFFFFF"/>
                 </a:solidFill>
                 <a:latin typeface="Twentieth Century"/>
               </a:rPr>
-              <a:t>by sending messages through GSM</a:t>
+              <a:t>Communicate by sending messages through GSM</a:t>
             </a:r>
             <a:endParaRPr lang="en-GB" sz="2400" dirty="0">
               <a:solidFill>
@@ -21638,22 +16228,13 @@
               <a:buChar char="•"/>
             </a:pPr>
             <a:r>
-              <a:rPr lang="en-GB" dirty="0" smtClean="0">
-                <a:solidFill>
-                  <a:srgbClr val="FFFFFF"/>
-                </a:solidFill>
-                <a:latin typeface="Twentieth Century"/>
-              </a:rPr>
-              <a:t>Can </a:t>
-            </a:r>
-            <a:r>
               <a:rPr lang="en-GB" dirty="0">
                 <a:solidFill>
                   <a:srgbClr val="FFFFFF"/>
                 </a:solidFill>
                 <a:latin typeface="Twentieth Century"/>
               </a:rPr>
-              <a:t>describe his feelings and also what he wants</a:t>
+              <a:t>Can describe their feelings and also what he wants</a:t>
             </a:r>
             <a:endParaRPr lang="en-GB" sz="2400" dirty="0">
               <a:solidFill>
@@ -21674,22 +16255,13 @@
               <a:buChar char="•"/>
             </a:pPr>
             <a:r>
-              <a:rPr lang="en-GB" dirty="0" smtClean="0">
-                <a:solidFill>
-                  <a:srgbClr val="FFFFFF"/>
-                </a:solidFill>
-                <a:latin typeface="Twentieth Century"/>
-              </a:rPr>
-              <a:t>He </a:t>
-            </a:r>
-            <a:r>
               <a:rPr lang="en-GB" dirty="0">
                 <a:solidFill>
                   <a:srgbClr val="FFFFFF"/>
                 </a:solidFill>
                 <a:latin typeface="Twentieth Century"/>
               </a:rPr>
-              <a:t>will be able to control his room appliances such as  controlling fans and lights</a:t>
+              <a:t>They will be able to control the room appliances such as  controlling fans and lights</a:t>
             </a:r>
             <a:endParaRPr lang="en-GB" sz="2400" dirty="0">
               <a:solidFill>
@@ -21710,22 +16282,13 @@
               <a:buChar char="•"/>
             </a:pPr>
             <a:r>
-              <a:rPr lang="en-GB" dirty="0" smtClean="0">
-                <a:solidFill>
-                  <a:srgbClr val="FFFFFF"/>
-                </a:solidFill>
-                <a:latin typeface="Twentieth Century"/>
-              </a:rPr>
-              <a:t>His </a:t>
-            </a:r>
-            <a:r>
               <a:rPr lang="en-GB" dirty="0">
                 <a:solidFill>
                   <a:srgbClr val="FFFFFF"/>
                 </a:solidFill>
                 <a:latin typeface="Twentieth Century"/>
               </a:rPr>
-              <a:t>words would be  converted into voice through text-to-speech and can be heard through a speaker</a:t>
+              <a:t>Their words would be  converted into voice through text-to-speech and can be heard through a speaker</a:t>
             </a:r>
             <a:endParaRPr lang="en-GB" sz="2400" dirty="0">
               <a:solidFill>
@@ -21735,10 +16298,6 @@
             </a:endParaRPr>
           </a:p>
           <a:p>
-            <a:r>
-              <a:rPr lang="en-GB" dirty="0"/>
-              <a:t/>
-            </a:r>
             <a:br>
               <a:rPr lang="en-GB" dirty="0"/>
             </a:br>
@@ -21750,6 +16309,69 @@
     <p:extLst>
       <p:ext uri="{BB962C8B-B14F-4D97-AF65-F5344CB8AC3E}">
         <p14:creationId xmlns:p14="http://schemas.microsoft.com/office/powerpoint/2010/main" val="3397091299"/>
+      </p:ext>
+    </p:extLst>
+  </p:cSld>
+  <p:clrMapOvr>
+    <a:masterClrMapping/>
+  </p:clrMapOvr>
+</p:sld>
+</file>
+
+<file path=ppt/slides/slide4.xml><?xml version="1.0" encoding="utf-8"?>
+<p:sld xmlns:a="http://schemas.openxmlformats.org/drawingml/2006/main" xmlns:r="http://schemas.openxmlformats.org/officeDocument/2006/relationships" xmlns:p="http://schemas.openxmlformats.org/presentationml/2006/main">
+  <p:cSld>
+    <p:spTree>
+      <p:nvGrpSpPr>
+        <p:cNvPr id="1" name=""/>
+        <p:cNvGrpSpPr/>
+        <p:nvPr/>
+      </p:nvGrpSpPr>
+      <p:grpSpPr>
+        <a:xfrm>
+          <a:off x="0" y="0"/>
+          <a:ext cx="0" cy="0"/>
+          <a:chOff x="0" y="0"/>
+          <a:chExt cx="0" cy="0"/>
+        </a:xfrm>
+      </p:grpSpPr>
+      <p:sp>
+        <p:nvSpPr>
+          <p:cNvPr id="2" name="Title 1">
+            <a:extLst>
+              <a:ext uri="{FF2B5EF4-FFF2-40B4-BE49-F238E27FC236}">
+                <a16:creationId xmlns:a16="http://schemas.microsoft.com/office/drawing/2014/main" id="{DC760F0D-E5E8-4594-9247-ED8D1F11BDDD}"/>
+              </a:ext>
+            </a:extLst>
+          </p:cNvPr>
+          <p:cNvSpPr>
+            <a:spLocks noGrp="1"/>
+          </p:cNvSpPr>
+          <p:nvPr>
+            <p:ph type="ctrTitle"/>
+          </p:nvPr>
+        </p:nvSpPr>
+        <p:spPr>
+          <a:xfrm>
+            <a:off x="1955937" y="1612694"/>
+            <a:ext cx="8791575" cy="2387600"/>
+          </a:xfrm>
+        </p:spPr>
+        <p:txBody>
+          <a:bodyPr/>
+          <a:lstStyle/>
+          <a:p>
+            <a:r>
+              <a:rPr lang="en-GB" dirty="0"/>
+              <a:t>Let’s talk about the approach</a:t>
+            </a:r>
+          </a:p>
+        </p:txBody>
+      </p:sp>
+    </p:spTree>
+    <p:extLst>
+      <p:ext uri="{BB962C8B-B14F-4D97-AF65-F5344CB8AC3E}">
+        <p14:creationId xmlns:p14="http://schemas.microsoft.com/office/powerpoint/2010/main" val="3092400239"/>
       </p:ext>
     </p:extLst>
   </p:cSld>
@@ -21776,75 +16398,12 @@
           <a:chExt cx="0" cy="0"/>
         </a:xfrm>
       </p:grpSpPr>
-      <p:sp>
-        <p:nvSpPr>
-          <p:cNvPr id="2" name="Title 1">
-            <a:extLst>
-              <a:ext uri="{FF2B5EF4-FFF2-40B4-BE49-F238E27FC236}">
-                <a16:creationId xmlns="" xmlns:a16="http://schemas.microsoft.com/office/drawing/2014/main" id="{DC760F0D-E5E8-4594-9247-ED8D1F11BDDD}"/>
-              </a:ext>
-            </a:extLst>
-          </p:cNvPr>
-          <p:cNvSpPr>
-            <a:spLocks noGrp="1"/>
-          </p:cNvSpPr>
-          <p:nvPr>
-            <p:ph type="ctrTitle"/>
-          </p:nvPr>
-        </p:nvSpPr>
-        <p:spPr>
-          <a:xfrm>
-            <a:off x="1955937" y="1612694"/>
-            <a:ext cx="8791575" cy="2387600"/>
-          </a:xfrm>
-        </p:spPr>
-        <p:txBody>
-          <a:bodyPr/>
-          <a:lstStyle/>
-          <a:p>
-            <a:r>
-              <a:rPr lang="en-GB" dirty="0"/>
-              <a:t>Let’s talk about the approach</a:t>
-            </a:r>
-          </a:p>
-        </p:txBody>
-      </p:sp>
-    </p:spTree>
-    <p:extLst>
-      <p:ext uri="{BB962C8B-B14F-4D97-AF65-F5344CB8AC3E}">
-        <p14:creationId xmlns:p14="http://schemas.microsoft.com/office/powerpoint/2010/main" val="3092400239"/>
-      </p:ext>
-    </p:extLst>
-  </p:cSld>
-  <p:clrMapOvr>
-    <a:masterClrMapping/>
-  </p:clrMapOvr>
-</p:sld>
-</file>
-
-<file path=ppt/slides/slide6.xml><?xml version="1.0" encoding="utf-8"?>
-<p:sld xmlns:a="http://schemas.openxmlformats.org/drawingml/2006/main" xmlns:r="http://schemas.openxmlformats.org/officeDocument/2006/relationships" xmlns:p="http://schemas.openxmlformats.org/presentationml/2006/main">
-  <p:cSld>
-    <p:spTree>
-      <p:nvGrpSpPr>
-        <p:cNvPr id="1" name=""/>
-        <p:cNvGrpSpPr/>
-        <p:nvPr/>
-      </p:nvGrpSpPr>
-      <p:grpSpPr>
-        <a:xfrm>
-          <a:off x="0" y="0"/>
-          <a:ext cx="0" cy="0"/>
-          <a:chOff x="0" y="0"/>
-          <a:chExt cx="0" cy="0"/>
-        </a:xfrm>
-      </p:grpSpPr>
       <p:graphicFrame>
         <p:nvGraphicFramePr>
           <p:cNvPr id="25" name="Content Placeholder 24">
             <a:extLst>
               <a:ext uri="{FF2B5EF4-FFF2-40B4-BE49-F238E27FC236}">
-                <a16:creationId xmlns="" xmlns:a16="http://schemas.microsoft.com/office/drawing/2014/main" id="{72319DB0-1BA9-4E45-9621-C0DB5ABAAF34}"/>
+                <a16:creationId xmlns:a16="http://schemas.microsoft.com/office/drawing/2014/main" id="{72319DB0-1BA9-4E45-9621-C0DB5ABAAF34}"/>
               </a:ext>
             </a:extLst>
           </p:cNvPr>
@@ -21875,7 +16434,7 @@
           <p:cNvPr id="26" name="TextBox 25">
             <a:extLst>
               <a:ext uri="{FF2B5EF4-FFF2-40B4-BE49-F238E27FC236}">
-                <a16:creationId xmlns="" xmlns:a16="http://schemas.microsoft.com/office/drawing/2014/main" id="{4E44AB0C-282C-4754-923E-9E2270514373}"/>
+                <a16:creationId xmlns:a16="http://schemas.microsoft.com/office/drawing/2014/main" id="{4E44AB0C-282C-4754-923E-9E2270514373}"/>
               </a:ext>
             </a:extLst>
           </p:cNvPr>
@@ -21922,7 +16481,7 @@
 </p:sld>
 </file>
 
-<file path=ppt/slides/slide7.xml><?xml version="1.0" encoding="utf-8"?>
+<file path=ppt/slides/slide6.xml><?xml version="1.0" encoding="utf-8"?>
 <p:sld xmlns:a="http://schemas.openxmlformats.org/drawingml/2006/main" xmlns:r="http://schemas.openxmlformats.org/officeDocument/2006/relationships" xmlns:p="http://schemas.openxmlformats.org/presentationml/2006/main">
   <p:cSld>
     <p:spTree>
@@ -21944,7 +16503,7 @@
           <p:cNvPr id="2" name="Title 1">
             <a:extLst>
               <a:ext uri="{FF2B5EF4-FFF2-40B4-BE49-F238E27FC236}">
-                <a16:creationId xmlns="" xmlns:a16="http://schemas.microsoft.com/office/drawing/2014/main" id="{160ACDF2-8480-4CCE-80A0-FC0E3715C215}"/>
+                <a16:creationId xmlns:a16="http://schemas.microsoft.com/office/drawing/2014/main" id="{160ACDF2-8480-4CCE-80A0-FC0E3715C215}"/>
               </a:ext>
             </a:extLst>
           </p:cNvPr>
@@ -21977,7 +16536,7 @@
           <p:cNvPr id="7" name="Picture 6" descr="A close up of a camera&#10;&#10;Description generated with high confidence">
             <a:extLst>
               <a:ext uri="{FF2B5EF4-FFF2-40B4-BE49-F238E27FC236}">
-                <a16:creationId xmlns="" xmlns:a16="http://schemas.microsoft.com/office/drawing/2014/main" id="{270663AE-928B-4C3A-AF3C-BA22C439A46B}"/>
+                <a16:creationId xmlns:a16="http://schemas.microsoft.com/office/drawing/2014/main" id="{270663AE-928B-4C3A-AF3C-BA22C439A46B}"/>
               </a:ext>
             </a:extLst>
           </p:cNvPr>
@@ -22007,7 +16566,7 @@
           <p:cNvPr id="10" name="Content Placeholder 2">
             <a:extLst>
               <a:ext uri="{FF2B5EF4-FFF2-40B4-BE49-F238E27FC236}">
-                <a16:creationId xmlns="" xmlns:a16="http://schemas.microsoft.com/office/drawing/2014/main" id="{BD0C4B5C-6EA3-46B5-A108-566465B01F53}"/>
+                <a16:creationId xmlns:a16="http://schemas.microsoft.com/office/drawing/2014/main" id="{BD0C4B5C-6EA3-46B5-A108-566465B01F53}"/>
               </a:ext>
             </a:extLst>
           </p:cNvPr>
@@ -22032,24 +16591,17 @@
               <a:buNone/>
             </a:pPr>
             <a:r>
-              <a:rPr lang="en-GB" b="1" dirty="0" smtClean="0"/>
-              <a:t>Face </a:t>
+              <a:rPr lang="en-GB" b="1" dirty="0"/>
+              <a:t>Face and Eye recognition using a webcam and OpenCV </a:t>
             </a:r>
+          </a:p>
+          <a:p>
+            <a:pPr marL="0" indent="0">
+              <a:buNone/>
+            </a:pPr>
             <a:r>
-              <a:rPr lang="en-GB" b="1" dirty="0"/>
-              <a:t>and </a:t>
-            </a:r>
-            <a:r>
-              <a:rPr lang="en-GB" b="1" dirty="0" smtClean="0"/>
-              <a:t>Eye </a:t>
-            </a:r>
-            <a:r>
-              <a:rPr lang="en-GB" b="1" dirty="0"/>
-              <a:t>recognition </a:t>
-            </a:r>
-            <a:r>
-              <a:rPr lang="en-GB" b="1" dirty="0" smtClean="0"/>
-              <a:t>using a webcam and OpenCV </a:t>
+              <a:rPr lang="en-GB" dirty="0"/>
+              <a:t>   </a:t>
             </a:r>
           </a:p>
           <a:p>
@@ -22060,20 +16612,6 @@
               <a:rPr lang="en-GB" dirty="0"/>
               <a:t> </a:t>
             </a:r>
-            <a:r>
-              <a:rPr lang="en-GB" dirty="0" smtClean="0"/>
-              <a:t>  </a:t>
-            </a:r>
-          </a:p>
-          <a:p>
-            <a:pPr marL="0" indent="0">
-              <a:buNone/>
-            </a:pPr>
-            <a:r>
-              <a:rPr lang="en-GB" dirty="0" smtClean="0"/>
-              <a:t> </a:t>
-            </a:r>
-            <a:endParaRPr lang="en-GB" dirty="0"/>
           </a:p>
           <a:p>
             <a:endParaRPr lang="en-GB" dirty="0"/>
@@ -22109,7 +16647,7 @@
           <p:cNvPr id="15" name="Picture 14">
             <a:extLst>
               <a:ext uri="{FF2B5EF4-FFF2-40B4-BE49-F238E27FC236}">
-                <a16:creationId xmlns="" xmlns:a16="http://schemas.microsoft.com/office/drawing/2014/main" id="{9AD45BAC-D839-40CA-9CEA-BF2E067F8DF0}"/>
+                <a16:creationId xmlns:a16="http://schemas.microsoft.com/office/drawing/2014/main" id="{9AD45BAC-D839-40CA-9CEA-BF2E067F8DF0}"/>
               </a:ext>
             </a:extLst>
           </p:cNvPr>
@@ -22139,7 +16677,7 @@
           <p:cNvPr id="8" name="Straight Connector 7">
             <a:extLst>
               <a:ext uri="{FF2B5EF4-FFF2-40B4-BE49-F238E27FC236}">
-                <a16:creationId xmlns="" xmlns:a16="http://schemas.microsoft.com/office/drawing/2014/main" id="{63E718ED-3530-40D9-82C0-5186D585DB6F}"/>
+                <a16:creationId xmlns:a16="http://schemas.microsoft.com/office/drawing/2014/main" id="{63E718ED-3530-40D9-82C0-5186D585DB6F}"/>
               </a:ext>
             </a:extLst>
           </p:cNvPr>
@@ -22211,7 +16749,7 @@
 </p:sld>
 </file>
 
-<file path=ppt/slides/slide8.xml><?xml version="1.0" encoding="utf-8"?>
+<file path=ppt/slides/slide7.xml><?xml version="1.0" encoding="utf-8"?>
 <p:sld xmlns:a="http://schemas.openxmlformats.org/drawingml/2006/main" xmlns:r="http://schemas.openxmlformats.org/officeDocument/2006/relationships" xmlns:p="http://schemas.openxmlformats.org/presentationml/2006/main">
   <p:cSld>
     <p:spTree>
@@ -22233,7 +16771,7 @@
           <p:cNvPr id="2" name="Title 1">
             <a:extLst>
               <a:ext uri="{FF2B5EF4-FFF2-40B4-BE49-F238E27FC236}">
-                <a16:creationId xmlns="" xmlns:a16="http://schemas.microsoft.com/office/drawing/2014/main" id="{3FCBC35C-BCB3-4FBF-BBAF-747C2CECB94F}"/>
+                <a16:creationId xmlns:a16="http://schemas.microsoft.com/office/drawing/2014/main" id="{3FCBC35C-BCB3-4FBF-BBAF-747C2CECB94F}"/>
               </a:ext>
             </a:extLst>
           </p:cNvPr>
@@ -22266,7 +16804,7 @@
           <p:cNvPr id="5" name="Content Placeholder 4" descr="A close up of a mans face with green eyes&#10;&#10;Description generated with high confidence">
             <a:extLst>
               <a:ext uri="{FF2B5EF4-FFF2-40B4-BE49-F238E27FC236}">
-                <a16:creationId xmlns="" xmlns:a16="http://schemas.microsoft.com/office/drawing/2014/main" id="{ADA349CA-7149-4DC5-A244-DFBD8FB06C9B}"/>
+                <a16:creationId xmlns:a16="http://schemas.microsoft.com/office/drawing/2014/main" id="{ADA349CA-7149-4DC5-A244-DFBD8FB06C9B}"/>
               </a:ext>
             </a:extLst>
           </p:cNvPr>
@@ -22328,7 +16866,7 @@
           <p:cNvPr id="8" name="Content Placeholder 2">
             <a:extLst>
               <a:ext uri="{FF2B5EF4-FFF2-40B4-BE49-F238E27FC236}">
-                <a16:creationId xmlns="" xmlns:a16="http://schemas.microsoft.com/office/drawing/2014/main" id="{D2896036-DAA5-4FFD-9AEF-27961872CE6C}"/>
+                <a16:creationId xmlns:a16="http://schemas.microsoft.com/office/drawing/2014/main" id="{D2896036-DAA5-4FFD-9AEF-27961872CE6C}"/>
               </a:ext>
             </a:extLst>
           </p:cNvPr>
@@ -22565,7 +17103,7 @@
           <p:cNvPr id="10" name="Picture 9">
             <a:extLst>
               <a:ext uri="{FF2B5EF4-FFF2-40B4-BE49-F238E27FC236}">
-                <a16:creationId xmlns="" xmlns:a16="http://schemas.microsoft.com/office/drawing/2014/main" id="{058050AE-CF59-4DF8-8A64-0D5E3819D705}"/>
+                <a16:creationId xmlns:a16="http://schemas.microsoft.com/office/drawing/2014/main" id="{058050AE-CF59-4DF8-8A64-0D5E3819D705}"/>
               </a:ext>
             </a:extLst>
           </p:cNvPr>
@@ -22655,7 +17193,7 @@
 </p:sld>
 </file>
 
-<file path=ppt/slides/slide9.xml><?xml version="1.0" encoding="utf-8"?>
+<file path=ppt/slides/slide8.xml><?xml version="1.0" encoding="utf-8"?>
 <p:sld xmlns:a="http://schemas.openxmlformats.org/drawingml/2006/main" xmlns:r="http://schemas.openxmlformats.org/officeDocument/2006/relationships" xmlns:p="http://schemas.openxmlformats.org/presentationml/2006/main">
   <p:cSld>
     <p:spTree>
@@ -22677,7 +17215,7 @@
           <p:cNvPr id="2" name="Title 1">
             <a:extLst>
               <a:ext uri="{FF2B5EF4-FFF2-40B4-BE49-F238E27FC236}">
-                <a16:creationId xmlns="" xmlns:a16="http://schemas.microsoft.com/office/drawing/2014/main" id="{8478BB09-D9B4-4DDA-A466-5527F88682AB}"/>
+                <a16:creationId xmlns:a16="http://schemas.microsoft.com/office/drawing/2014/main" id="{8478BB09-D9B4-4DDA-A466-5527F88682AB}"/>
               </a:ext>
             </a:extLst>
           </p:cNvPr>
@@ -22766,7 +17304,7 @@
           <p:cNvPr id="6" name="Content Placeholder 2">
             <a:extLst>
               <a:ext uri="{FF2B5EF4-FFF2-40B4-BE49-F238E27FC236}">
-                <a16:creationId xmlns="" xmlns:a16="http://schemas.microsoft.com/office/drawing/2014/main" id="{79D17077-5597-4634-9208-4A171434F67E}"/>
+                <a16:creationId xmlns:a16="http://schemas.microsoft.com/office/drawing/2014/main" id="{79D17077-5597-4634-9208-4A171434F67E}"/>
               </a:ext>
             </a:extLst>
           </p:cNvPr>
@@ -22791,26 +17329,13 @@
           <a:p>
             <a:r>
               <a:rPr lang="en-GB" dirty="0"/>
-              <a:t>GUI using </a:t>
+              <a:t>GUI using ‘Tkinter’ Python library</a:t>
             </a:r>
-            <a:r>
-              <a:rPr lang="en-GB" dirty="0" smtClean="0"/>
-              <a:t>‘Tkinter’ Python library</a:t>
-            </a:r>
-            <a:endParaRPr lang="en-GB" dirty="0"/>
           </a:p>
           <a:p>
             <a:r>
               <a:rPr lang="en-GB" dirty="0"/>
-              <a:t>This </a:t>
-            </a:r>
-            <a:r>
-              <a:rPr lang="en-GB" dirty="0" smtClean="0"/>
-              <a:t>is the area </a:t>
-            </a:r>
-            <a:r>
-              <a:rPr lang="en-GB" dirty="0"/>
-              <a:t>of navigation</a:t>
+              <a:t>This is the area of navigation</a:t>
             </a:r>
           </a:p>
           <a:p>
@@ -22822,27 +17347,14 @@
           <a:p>
             <a:r>
               <a:rPr lang="en-GB" dirty="0"/>
-              <a:t>Patient will navigate </a:t>
+              <a:t>Patient will navigate through short eye blinks</a:t>
             </a:r>
-            <a:r>
-              <a:rPr lang="en-GB" dirty="0" smtClean="0"/>
-              <a:t>through short </a:t>
-            </a:r>
+          </a:p>
+          <a:p>
             <a:r>
               <a:rPr lang="en-GB" dirty="0"/>
-              <a:t>eye </a:t>
-            </a:r>
-            <a:r>
-              <a:rPr lang="en-GB" dirty="0" smtClean="0"/>
-              <a:t>blinks</a:t>
-            </a:r>
-          </a:p>
-          <a:p>
-            <a:r>
-              <a:rPr lang="en-GB" dirty="0" smtClean="0"/>
               <a:t>Long blinks would trigger the function</a:t>
             </a:r>
-            <a:endParaRPr lang="en-GB" dirty="0"/>
           </a:p>
           <a:p>
             <a:pPr marL="457200" lvl="1" indent="0">
@@ -22878,7 +17390,7 @@
           <p:cNvPr id="7" name="Rectangle 6">
             <a:extLst>
               <a:ext uri="{FF2B5EF4-FFF2-40B4-BE49-F238E27FC236}">
-                <a16:creationId xmlns="" xmlns:a16="http://schemas.microsoft.com/office/drawing/2014/main" id="{C5897EB3-9F6B-495F-B109-4BA61679FA8D}"/>
+                <a16:creationId xmlns:a16="http://schemas.microsoft.com/office/drawing/2014/main" id="{C5897EB3-9F6B-495F-B109-4BA61679FA8D}"/>
               </a:ext>
             </a:extLst>
           </p:cNvPr>
@@ -22927,6 +17439,277 @@
     <p:extLst>
       <p:ext uri="{BB962C8B-B14F-4D97-AF65-F5344CB8AC3E}">
         <p14:creationId xmlns:p14="http://schemas.microsoft.com/office/powerpoint/2010/main" val="204415110"/>
+      </p:ext>
+    </p:extLst>
+  </p:cSld>
+  <p:clrMapOvr>
+    <a:masterClrMapping/>
+  </p:clrMapOvr>
+</p:sld>
+</file>
+
+<file path=ppt/slides/slide9.xml><?xml version="1.0" encoding="utf-8"?>
+<p:sld xmlns:a="http://schemas.openxmlformats.org/drawingml/2006/main" xmlns:r="http://schemas.openxmlformats.org/officeDocument/2006/relationships" xmlns:p="http://schemas.openxmlformats.org/presentationml/2006/main">
+  <p:cSld>
+    <p:spTree>
+      <p:nvGrpSpPr>
+        <p:cNvPr id="1" name=""/>
+        <p:cNvGrpSpPr/>
+        <p:nvPr/>
+      </p:nvGrpSpPr>
+      <p:grpSpPr>
+        <a:xfrm>
+          <a:off x="0" y="0"/>
+          <a:ext cx="0" cy="0"/>
+          <a:chOff x="0" y="0"/>
+          <a:chExt cx="0" cy="0"/>
+        </a:xfrm>
+      </p:grpSpPr>
+      <p:sp>
+        <p:nvSpPr>
+          <p:cNvPr id="2" name="Title 1">
+            <a:extLst>
+              <a:ext uri="{FF2B5EF4-FFF2-40B4-BE49-F238E27FC236}">
+                <a16:creationId xmlns:a16="http://schemas.microsoft.com/office/drawing/2014/main" id="{8478BB09-D9B4-4DDA-A466-5527F88682AB}"/>
+              </a:ext>
+            </a:extLst>
+          </p:cNvPr>
+          <p:cNvSpPr>
+            <a:spLocks noGrp="1"/>
+          </p:cNvSpPr>
+          <p:nvPr>
+            <p:ph type="title"/>
+          </p:nvPr>
+        </p:nvSpPr>
+        <p:spPr>
+          <a:xfrm>
+            <a:off x="539725" y="1546679"/>
+            <a:ext cx="3457883" cy="1478570"/>
+          </a:xfrm>
+        </p:spPr>
+        <p:txBody>
+          <a:bodyPr>
+            <a:normAutofit/>
+          </a:bodyPr>
+          <a:lstStyle/>
+          <a:p>
+            <a:pPr algn="ctr"/>
+            <a:r>
+              <a:rPr lang="en-GB" dirty="0"/>
+              <a:t>ARDUINO</a:t>
+            </a:r>
+          </a:p>
+        </p:txBody>
+      </p:sp>
+      <p:cxnSp>
+        <p:nvCxnSpPr>
+          <p:cNvPr id="4" name="Straight Connector 3">
+            <a:extLst>
+              <a:ext uri="{FF2B5EF4-FFF2-40B4-BE49-F238E27FC236}">
+                <a16:creationId xmlns:a16="http://schemas.microsoft.com/office/drawing/2014/main" id="{FBA6C18C-75D4-4AAC-9BD1-4B7AD24E5C02}"/>
+              </a:ext>
+            </a:extLst>
+          </p:cNvPr>
+          <p:cNvCxnSpPr/>
+          <p:nvPr/>
+        </p:nvCxnSpPr>
+        <p:spPr>
+          <a:xfrm>
+            <a:off x="3997608" y="0"/>
+            <a:ext cx="0" cy="6858000"/>
+          </a:xfrm>
+          <a:prstGeom prst="line">
+            <a:avLst/>
+          </a:prstGeom>
+        </p:spPr>
+        <p:style>
+          <a:lnRef idx="3">
+            <a:schemeClr val="accent1"/>
+          </a:lnRef>
+          <a:fillRef idx="0">
+            <a:schemeClr val="accent1"/>
+          </a:fillRef>
+          <a:effectRef idx="2">
+            <a:schemeClr val="accent1"/>
+          </a:effectRef>
+          <a:fontRef idx="minor">
+            <a:schemeClr val="tx1"/>
+          </a:fontRef>
+        </p:style>
+      </p:cxnSp>
+      <p:sp>
+        <p:nvSpPr>
+          <p:cNvPr id="6" name="Content Placeholder 2">
+            <a:extLst>
+              <a:ext uri="{FF2B5EF4-FFF2-40B4-BE49-F238E27FC236}">
+                <a16:creationId xmlns:a16="http://schemas.microsoft.com/office/drawing/2014/main" id="{79D17077-5597-4634-9208-4A171434F67E}"/>
+              </a:ext>
+            </a:extLst>
+          </p:cNvPr>
+          <p:cNvSpPr>
+            <a:spLocks noGrp="1"/>
+          </p:cNvSpPr>
+          <p:nvPr>
+            <p:ph idx="1"/>
+          </p:nvPr>
+        </p:nvSpPr>
+        <p:spPr>
+          <a:xfrm>
+            <a:off x="3852974" y="443759"/>
+            <a:ext cx="7830310" cy="6414241"/>
+          </a:xfrm>
+        </p:spPr>
+        <p:txBody>
+          <a:bodyPr>
+            <a:normAutofit/>
+          </a:bodyPr>
+          <a:lstStyle/>
+          <a:p>
+            <a:pPr lvl="1"/>
+            <a:r>
+              <a:rPr lang="en-GB" sz="2400" dirty="0"/>
+              <a:t>Arduino is used for the serial communication with python desktop application</a:t>
+            </a:r>
+          </a:p>
+          <a:p>
+            <a:pPr lvl="1"/>
+            <a:endParaRPr lang="en-GB" sz="2400" dirty="0"/>
+          </a:p>
+          <a:p>
+            <a:pPr lvl="1"/>
+            <a:r>
+              <a:rPr lang="en-GB" sz="2400" dirty="0"/>
+              <a:t>GSM module and Bluetooth module are also connected to the Arduino</a:t>
+            </a:r>
+          </a:p>
+          <a:p>
+            <a:pPr lvl="1"/>
+            <a:endParaRPr lang="en-GB" sz="2400" dirty="0"/>
+          </a:p>
+          <a:p>
+            <a:pPr marL="457200" lvl="1" indent="0">
+              <a:buNone/>
+            </a:pPr>
+            <a:endParaRPr lang="en-GB" sz="2400" dirty="0"/>
+          </a:p>
+          <a:p>
+            <a:pPr marL="457200" lvl="1" indent="0">
+              <a:buNone/>
+            </a:pPr>
+            <a:endParaRPr lang="en-GB" sz="2400" dirty="0"/>
+          </a:p>
+          <a:p>
+            <a:pPr marL="457200" lvl="1" indent="0">
+              <a:buNone/>
+            </a:pPr>
+            <a:endParaRPr lang="en-GB" sz="2400" dirty="0"/>
+          </a:p>
+          <a:p>
+            <a:pPr lvl="1"/>
+            <a:r>
+              <a:rPr lang="en-GB" sz="2400" dirty="0"/>
+              <a:t>For room automation we have designed a switch board with relay module and atmega8 IC, receiving signal from Arduino via a Bluetooth module</a:t>
+            </a:r>
+          </a:p>
+        </p:txBody>
+      </p:sp>
+      <p:pic>
+        <p:nvPicPr>
+          <p:cNvPr id="7" name="Picture 6" descr="Image result for arduino uno"/>
+          <p:cNvPicPr/>
+          <p:nvPr/>
+        </p:nvPicPr>
+        <p:blipFill>
+          <a:blip r:embed="rId2">
+            <a:extLst>
+              <a:ext uri="{28A0092B-C50C-407E-A947-70E740481C1C}">
+                <a14:useLocalDpi xmlns:a14="http://schemas.microsoft.com/office/drawing/2010/main" val="0"/>
+              </a:ext>
+            </a:extLst>
+          </a:blip>
+          <a:srcRect/>
+          <a:stretch>
+            <a:fillRect/>
+          </a:stretch>
+        </p:blipFill>
+        <p:spPr bwMode="auto">
+          <a:xfrm>
+            <a:off x="908136" y="3019787"/>
+            <a:ext cx="2721059" cy="1921837"/>
+          </a:xfrm>
+          <a:prstGeom prst="rect">
+            <a:avLst/>
+          </a:prstGeom>
+          <a:noFill/>
+          <a:ln>
+            <a:noFill/>
+          </a:ln>
+        </p:spPr>
+      </p:pic>
+      <p:pic>
+        <p:nvPicPr>
+          <p:cNvPr id="9" name="Picture 8" descr="A circuit board&#10;&#10;Description generated with very high confidence">
+            <a:extLst>
+              <a:ext uri="{FF2B5EF4-FFF2-40B4-BE49-F238E27FC236}">
+                <a16:creationId xmlns:a16="http://schemas.microsoft.com/office/drawing/2014/main" id="{45E61A2E-4A39-4800-893F-C545B6565B34}"/>
+              </a:ext>
+            </a:extLst>
+          </p:cNvPr>
+          <p:cNvPicPr>
+            <a:picLocks noChangeAspect="1"/>
+          </p:cNvPicPr>
+          <p:nvPr/>
+        </p:nvPicPr>
+        <p:blipFill>
+          <a:blip r:embed="rId3"/>
+          <a:stretch>
+            <a:fillRect/>
+          </a:stretch>
+        </p:blipFill>
+        <p:spPr>
+          <a:xfrm>
+            <a:off x="4611288" y="2879170"/>
+            <a:ext cx="1683886" cy="1510748"/>
+          </a:xfrm>
+          <a:prstGeom prst="rect">
+            <a:avLst/>
+          </a:prstGeom>
+        </p:spPr>
+      </p:pic>
+      <p:pic>
+        <p:nvPicPr>
+          <p:cNvPr id="11" name="Picture 10" descr="A circuit board&#10;&#10;Description generated with very high confidence">
+            <a:extLst>
+              <a:ext uri="{FF2B5EF4-FFF2-40B4-BE49-F238E27FC236}">
+                <a16:creationId xmlns:a16="http://schemas.microsoft.com/office/drawing/2014/main" id="{D308078F-B4B2-4EF6-BCED-1E551353D279}"/>
+              </a:ext>
+            </a:extLst>
+          </p:cNvPr>
+          <p:cNvPicPr>
+            <a:picLocks noChangeAspect="1"/>
+          </p:cNvPicPr>
+          <p:nvPr/>
+        </p:nvPicPr>
+        <p:blipFill>
+          <a:blip r:embed="rId4"/>
+          <a:stretch>
+            <a:fillRect/>
+          </a:stretch>
+        </p:blipFill>
+        <p:spPr>
+          <a:xfrm>
+            <a:off x="7310857" y="2872342"/>
+            <a:ext cx="2076098" cy="1557073"/>
+          </a:xfrm>
+          <a:prstGeom prst="rect">
+            <a:avLst/>
+          </a:prstGeom>
+        </p:spPr>
+      </p:pic>
+    </p:spTree>
+    <p:extLst>
+      <p:ext uri="{BB962C8B-B14F-4D97-AF65-F5344CB8AC3E}">
+        <p14:creationId xmlns:p14="http://schemas.microsoft.com/office/powerpoint/2010/main" val="1879707295"/>
       </p:ext>
     </p:extLst>
   </p:cSld>
